--- a/slides/Strings.pptx
+++ b/slides/Strings.pptx
@@ -10,13 +10,13 @@
   <p:sldIdLst>
     <p:sldId id="256" r:id="rId2"/>
     <p:sldId id="257" r:id="rId3"/>
-    <p:sldId id="259" r:id="rId4"/>
-    <p:sldId id="260" r:id="rId5"/>
-    <p:sldId id="263" r:id="rId6"/>
-    <p:sldId id="261" r:id="rId7"/>
-    <p:sldId id="262" r:id="rId8"/>
-    <p:sldId id="264" r:id="rId9"/>
-    <p:sldId id="265" r:id="rId10"/>
+    <p:sldId id="260" r:id="rId4"/>
+    <p:sldId id="263" r:id="rId5"/>
+    <p:sldId id="261" r:id="rId6"/>
+    <p:sldId id="262" r:id="rId7"/>
+    <p:sldId id="264" r:id="rId8"/>
+    <p:sldId id="265" r:id="rId9"/>
+    <p:sldId id="259" r:id="rId10"/>
   </p:sldIdLst>
   <p:sldSz cx="12192000" cy="6858000"/>
   <p:notesSz cx="6858000" cy="9144000"/>
@@ -7235,7 +7235,7 @@
         </p:nvSpPr>
         <p:spPr>
           <a:xfrm>
-            <a:off x="1251678" y="555380"/>
+            <a:off x="1251678" y="669680"/>
             <a:ext cx="10178322" cy="1492132"/>
           </a:xfrm>
         </p:spPr>
@@ -7245,7 +7245,7 @@
           <a:p>
             <a:r>
               <a:rPr lang="en-US" dirty="0" smtClean="0"/>
-              <a:t>Strings</a:t>
+              <a:t>What is a String?</a:t>
             </a:r>
             <a:endParaRPr lang="en-US" dirty="0"/>
           </a:p>
@@ -7263,8 +7263,8 @@
         </p:nvSpPr>
         <p:spPr>
           <a:xfrm>
-            <a:off x="1251678" y="1433382"/>
-            <a:ext cx="10351317" cy="5202196"/>
+            <a:off x="1251678" y="2161812"/>
+            <a:ext cx="10351317" cy="3410081"/>
           </a:xfrm>
           <a:solidFill>
             <a:schemeClr val="accent1"/>
@@ -7272,91 +7272,45 @@
         </p:spPr>
         <p:txBody>
           <a:bodyPr>
-            <a:normAutofit fontScale="85000" lnSpcReduction="20000"/>
+            <a:normAutofit lnSpcReduction="10000"/>
           </a:bodyPr>
           <a:lstStyle/>
           <a:p>
-            <a:r>
-              <a:rPr lang="en-US" sz="3200" dirty="0" smtClean="0"/>
-              <a:t>Strings are objects, whose class (blueprint) was created in Java</a:t>
-            </a:r>
-          </a:p>
-          <a:p>
-            <a:r>
-              <a:rPr lang="en-US" sz="3200" dirty="0" smtClean="0"/>
-              <a:t>Strings are immutable (cannot be changed)</a:t>
-            </a:r>
-          </a:p>
-          <a:p>
-            <a:pPr lvl="1"/>
-            <a:r>
-              <a:rPr lang="en-US" sz="2800" dirty="0" smtClean="0"/>
-              <a:t>You can set the variable to a new value, but you can’t actually change the value currently stored</a:t>
-            </a:r>
-          </a:p>
-          <a:p>
-            <a:pPr lvl="1"/>
-            <a:r>
-              <a:rPr lang="en-US" sz="2800" dirty="0" smtClean="0"/>
-              <a:t>Helps avoid errors</a:t>
-            </a:r>
-          </a:p>
-          <a:p>
-            <a:r>
-              <a:rPr lang="en-US" sz="3200" dirty="0" smtClean="0"/>
-              <a:t>A literal String is a String within “”</a:t>
-            </a:r>
-          </a:p>
-          <a:p>
-            <a:pPr lvl="1"/>
-            <a:r>
-              <a:rPr lang="en-US" sz="3000" dirty="0" smtClean="0"/>
-              <a:t>Examples:</a:t>
-            </a:r>
-          </a:p>
-          <a:p>
-            <a:pPr lvl="2"/>
-            <a:r>
-              <a:rPr lang="en-US" sz="2800" dirty="0" smtClean="0"/>
-              <a:t>“cupcake”</a:t>
-            </a:r>
-          </a:p>
-          <a:p>
-            <a:pPr lvl="2"/>
-            <a:r>
-              <a:rPr lang="en-US" sz="2800" dirty="0" smtClean="0"/>
-              <a:t>“Twitter”</a:t>
-            </a:r>
-          </a:p>
-          <a:p>
-            <a:pPr lvl="1"/>
-            <a:r>
-              <a:rPr lang="en-US" sz="3000" dirty="0" smtClean="0"/>
-              <a:t>They act as String objects but do not have to be created</a:t>
-            </a:r>
-          </a:p>
-          <a:p>
-            <a:pPr lvl="1"/>
-            <a:r>
-              <a:rPr lang="en-US" sz="3000" dirty="0" smtClean="0"/>
-              <a:t>Can call methods:  “Hello </a:t>
-            </a:r>
-            <a:r>
-              <a:rPr lang="en-US" sz="3000" dirty="0" err="1" smtClean="0"/>
-              <a:t>World”.equals</a:t>
-            </a:r>
-            <a:r>
-              <a:rPr lang="en-US" sz="3000" dirty="0" smtClean="0"/>
-              <a:t>(“Hello World”);</a:t>
-            </a:r>
-          </a:p>
-          <a:p>
-            <a:pPr lvl="1"/>
-            <a:r>
-              <a:rPr lang="en-US" sz="3000" dirty="0" smtClean="0"/>
-              <a:t>Don’t really need constructors </a:t>
-            </a:r>
-            <a:endParaRPr lang="en-US" sz="3000" dirty="0"/>
+            <a:pPr marL="0" indent="0" algn="ctr">
+              <a:buNone/>
+            </a:pPr>
+            <a:r>
+              <a:rPr lang="en-US" sz="4800" dirty="0" smtClean="0"/>
+              <a:t>Strings are objects, whose class (blueprint) </a:t>
+            </a:r>
+            <a:r>
+              <a:rPr lang="en-US" sz="4800" dirty="0" smtClean="0"/>
+              <a:t>is </a:t>
+            </a:r>
+            <a:r>
+              <a:rPr lang="en-US" sz="4800" dirty="0" smtClean="0"/>
+              <a:t>provided </a:t>
+            </a:r>
+            <a:r>
+              <a:rPr lang="en-US" sz="4800" smtClean="0"/>
+              <a:t>by Java</a:t>
+            </a:r>
+          </a:p>
+          <a:p>
+            <a:pPr marL="0" indent="0" algn="ctr">
+              <a:buNone/>
+            </a:pPr>
+            <a:endParaRPr lang="en-US" sz="4800" dirty="0" smtClean="0"/>
+          </a:p>
+          <a:p>
+            <a:pPr marL="0" indent="0" algn="ctr">
+              <a:buNone/>
+            </a:pPr>
+            <a:r>
+              <a:rPr lang="en-US" sz="4800" dirty="0" smtClean="0"/>
+              <a:t>Search: String API Java</a:t>
+            </a:r>
+            <a:endParaRPr lang="en-US" sz="4800" dirty="0"/>
           </a:p>
         </p:txBody>
       </p:sp>
@@ -7402,6 +7356,3224 @@
         </p:nvSpPr>
         <p:spPr>
           <a:xfrm>
+            <a:off x="894382" y="19203"/>
+            <a:ext cx="10172700" cy="1493517"/>
+          </a:xfrm>
+        </p:spPr>
+        <p:txBody>
+          <a:bodyPr/>
+          <a:lstStyle/>
+          <a:p>
+            <a:r>
+              <a:rPr lang="en-US" dirty="0" smtClean="0"/>
+              <a:t>Commonly used String methods</a:t>
+            </a:r>
+            <a:endParaRPr lang="en-US" dirty="0"/>
+          </a:p>
+        </p:txBody>
+      </p:sp>
+      <p:sp>
+        <p:nvSpPr>
+          <p:cNvPr id="7" name="Content Placeholder 2"/>
+          <p:cNvSpPr>
+            <a:spLocks noGrp="1"/>
+          </p:cNvSpPr>
+          <p:nvPr>
+            <p:ph idx="1"/>
+          </p:nvPr>
+        </p:nvSpPr>
+        <p:spPr>
+          <a:xfrm>
+            <a:off x="276545" y="1512720"/>
+            <a:ext cx="11647725" cy="4640945"/>
+          </a:xfrm>
+          <a:solidFill>
+            <a:schemeClr val="bg2"/>
+          </a:solidFill>
+          <a:ln w="76200">
+            <a:solidFill>
+              <a:schemeClr val="tx2"/>
+            </a:solidFill>
+          </a:ln>
+        </p:spPr>
+        <p:txBody>
+          <a:bodyPr>
+            <a:normAutofit lnSpcReduction="10000"/>
+          </a:bodyPr>
+          <a:lstStyle/>
+          <a:p>
+            <a:pPr marL="0" marR="0" lvl="0" indent="0" defTabSz="914400" eaLnBrk="1" fontAlgn="auto" latinLnBrk="0" hangingPunct="1">
+              <a:lnSpc>
+                <a:spcPct val="100000"/>
+              </a:lnSpc>
+              <a:spcBef>
+                <a:spcPts val="0"/>
+              </a:spcBef>
+              <a:spcAft>
+                <a:spcPts val="0"/>
+              </a:spcAft>
+              <a:buClrTx/>
+              <a:buSzTx/>
+              <a:buFontTx/>
+              <a:buNone/>
+              <a:tabLst/>
+              <a:defRPr/>
+            </a:pPr>
+            <a:r>
+              <a:rPr lang="en-US" sz="3600" b="0" cap="none" dirty="0" smtClean="0">
+                <a:solidFill>
+                  <a:schemeClr val="accent1"/>
+                </a:solidFill>
+              </a:rPr>
+              <a:t>//checks is s is equal to s2</a:t>
+            </a:r>
+          </a:p>
+          <a:p>
+            <a:pPr marL="0" marR="0" lvl="0" indent="0" defTabSz="914400" eaLnBrk="1" fontAlgn="auto" latinLnBrk="0" hangingPunct="1">
+              <a:lnSpc>
+                <a:spcPct val="100000"/>
+              </a:lnSpc>
+              <a:spcBef>
+                <a:spcPts val="0"/>
+              </a:spcBef>
+              <a:spcAft>
+                <a:spcPts val="0"/>
+              </a:spcAft>
+              <a:buClrTx/>
+              <a:buSzTx/>
+              <a:buFontTx/>
+              <a:buNone/>
+              <a:tabLst/>
+              <a:defRPr/>
+            </a:pPr>
+            <a:r>
+              <a:rPr lang="en-US" sz="3600" b="0" cap="none" dirty="0" err="1" smtClean="0">
+                <a:solidFill>
+                  <a:schemeClr val="accent3"/>
+                </a:solidFill>
+              </a:rPr>
+              <a:t>boolean</a:t>
+            </a:r>
+            <a:r>
+              <a:rPr lang="en-US" sz="3600" b="0" cap="none" dirty="0" smtClean="0">
+                <a:solidFill>
+                  <a:schemeClr val="accent3"/>
+                </a:solidFill>
+              </a:rPr>
+              <a:t> match = </a:t>
+            </a:r>
+            <a:r>
+              <a:rPr lang="en-US" sz="3600" b="0" cap="none" dirty="0" err="1" smtClean="0">
+                <a:solidFill>
+                  <a:schemeClr val="accent3"/>
+                </a:solidFill>
+              </a:rPr>
+              <a:t>s.equals</a:t>
+            </a:r>
+            <a:r>
+              <a:rPr lang="en-US" sz="3600" b="0" cap="none" dirty="0" smtClean="0">
+                <a:solidFill>
+                  <a:schemeClr val="accent3"/>
+                </a:solidFill>
+              </a:rPr>
+              <a:t>(s2);</a:t>
+            </a:r>
+          </a:p>
+          <a:p>
+            <a:pPr marL="0" marR="0" lvl="0" indent="0" defTabSz="914400" eaLnBrk="1" fontAlgn="auto" latinLnBrk="0" hangingPunct="1">
+              <a:lnSpc>
+                <a:spcPct val="100000"/>
+              </a:lnSpc>
+              <a:spcBef>
+                <a:spcPts val="0"/>
+              </a:spcBef>
+              <a:spcAft>
+                <a:spcPts val="0"/>
+              </a:spcAft>
+              <a:buClrTx/>
+              <a:buSzTx/>
+              <a:buFontTx/>
+              <a:buNone/>
+              <a:tabLst/>
+              <a:defRPr/>
+            </a:pPr>
+            <a:r>
+              <a:rPr lang="en-US" sz="3600" b="0" cap="none" dirty="0" smtClean="0">
+                <a:solidFill>
+                  <a:schemeClr val="accent1"/>
+                </a:solidFill>
+              </a:rPr>
+              <a:t>//checks if s is equal to s2 regardless of capitalization</a:t>
+            </a:r>
+          </a:p>
+          <a:p>
+            <a:pPr marL="0" marR="0" lvl="0" indent="0" defTabSz="914400" eaLnBrk="1" fontAlgn="auto" latinLnBrk="0" hangingPunct="1">
+              <a:lnSpc>
+                <a:spcPct val="100000"/>
+              </a:lnSpc>
+              <a:spcBef>
+                <a:spcPts val="0"/>
+              </a:spcBef>
+              <a:spcAft>
+                <a:spcPts val="0"/>
+              </a:spcAft>
+              <a:buClrTx/>
+              <a:buSzTx/>
+              <a:buFontTx/>
+              <a:buNone/>
+              <a:tabLst/>
+              <a:defRPr/>
+            </a:pPr>
+            <a:r>
+              <a:rPr lang="en-US" sz="3600" b="0" cap="none" dirty="0" err="1">
+                <a:solidFill>
+                  <a:schemeClr val="accent3"/>
+                </a:solidFill>
+              </a:rPr>
+              <a:t>b</a:t>
+            </a:r>
+            <a:r>
+              <a:rPr lang="en-US" sz="3600" b="0" cap="none" dirty="0" err="1" smtClean="0">
+                <a:solidFill>
+                  <a:schemeClr val="accent3"/>
+                </a:solidFill>
+              </a:rPr>
+              <a:t>oolean</a:t>
+            </a:r>
+            <a:r>
+              <a:rPr lang="en-US" sz="3600" b="0" cap="none" dirty="0" smtClean="0">
+                <a:solidFill>
+                  <a:schemeClr val="accent3"/>
+                </a:solidFill>
+              </a:rPr>
+              <a:t> match = </a:t>
+            </a:r>
+            <a:r>
+              <a:rPr lang="en-US" sz="3600" b="0" cap="none" dirty="0" err="1" smtClean="0">
+                <a:solidFill>
+                  <a:schemeClr val="accent3"/>
+                </a:solidFill>
+              </a:rPr>
+              <a:t>s.equalsIgnoreCase</a:t>
+            </a:r>
+            <a:r>
+              <a:rPr lang="en-US" sz="3600" b="0" cap="none" dirty="0" smtClean="0">
+                <a:solidFill>
+                  <a:schemeClr val="accent3"/>
+                </a:solidFill>
+              </a:rPr>
+              <a:t>(s2);</a:t>
+            </a:r>
+          </a:p>
+          <a:p>
+            <a:pPr marL="0" marR="0" lvl="0" indent="0" defTabSz="914400" eaLnBrk="1" fontAlgn="auto" latinLnBrk="0" hangingPunct="1">
+              <a:lnSpc>
+                <a:spcPct val="100000"/>
+              </a:lnSpc>
+              <a:spcBef>
+                <a:spcPts val="0"/>
+              </a:spcBef>
+              <a:spcAft>
+                <a:spcPts val="0"/>
+              </a:spcAft>
+              <a:buClrTx/>
+              <a:buSzTx/>
+              <a:buFontTx/>
+              <a:buNone/>
+              <a:tabLst/>
+              <a:defRPr/>
+            </a:pPr>
+            <a:r>
+              <a:rPr lang="en-US" sz="3600" b="0" cap="none" dirty="0" smtClean="0">
+                <a:solidFill>
+                  <a:schemeClr val="accent1"/>
+                </a:solidFill>
+              </a:rPr>
+              <a:t>//tells you if it’s alphabetically before</a:t>
+            </a:r>
+          </a:p>
+          <a:p>
+            <a:pPr marL="0" marR="0" lvl="0" indent="0" defTabSz="914400" eaLnBrk="1" fontAlgn="auto" latinLnBrk="0" hangingPunct="1">
+              <a:lnSpc>
+                <a:spcPct val="100000"/>
+              </a:lnSpc>
+              <a:spcBef>
+                <a:spcPts val="0"/>
+              </a:spcBef>
+              <a:spcAft>
+                <a:spcPts val="0"/>
+              </a:spcAft>
+              <a:buClrTx/>
+              <a:buSzTx/>
+              <a:buFontTx/>
+              <a:buNone/>
+              <a:tabLst/>
+              <a:defRPr/>
+            </a:pPr>
+            <a:r>
+              <a:rPr lang="en-US" sz="3600" b="0" cap="none" dirty="0" err="1" smtClean="0">
+                <a:solidFill>
+                  <a:schemeClr val="accent3"/>
+                </a:solidFill>
+              </a:rPr>
+              <a:t>int</a:t>
+            </a:r>
+            <a:r>
+              <a:rPr lang="en-US" sz="3600" b="0" cap="none" dirty="0" smtClean="0">
+                <a:solidFill>
+                  <a:schemeClr val="accent3"/>
+                </a:solidFill>
+              </a:rPr>
+              <a:t> result = </a:t>
+            </a:r>
+            <a:r>
+              <a:rPr lang="en-US" sz="3600" b="0" cap="none" dirty="0" err="1" smtClean="0">
+                <a:solidFill>
+                  <a:schemeClr val="accent3"/>
+                </a:solidFill>
+              </a:rPr>
+              <a:t>s.compareTo</a:t>
+            </a:r>
+            <a:r>
+              <a:rPr lang="en-US" sz="3600" b="0" cap="none" dirty="0" smtClean="0">
+                <a:solidFill>
+                  <a:schemeClr val="accent3"/>
+                </a:solidFill>
+              </a:rPr>
+              <a:t>(s2);</a:t>
+            </a:r>
+          </a:p>
+          <a:p>
+            <a:pPr marL="0" marR="0" lvl="0" indent="0" defTabSz="914400" eaLnBrk="1" fontAlgn="auto" latinLnBrk="0" hangingPunct="1">
+              <a:lnSpc>
+                <a:spcPct val="100000"/>
+              </a:lnSpc>
+              <a:spcBef>
+                <a:spcPts val="0"/>
+              </a:spcBef>
+              <a:spcAft>
+                <a:spcPts val="0"/>
+              </a:spcAft>
+              <a:buClrTx/>
+              <a:buSzTx/>
+              <a:buFontTx/>
+              <a:buNone/>
+              <a:tabLst/>
+              <a:defRPr/>
+            </a:pPr>
+            <a:r>
+              <a:rPr lang="en-US" sz="3600" b="0" cap="none" dirty="0" smtClean="0">
+                <a:solidFill>
+                  <a:schemeClr val="accent1"/>
+                </a:solidFill>
+              </a:rPr>
+              <a:t>//tells you if it’s alphabetically before disregarding capitalization</a:t>
+            </a:r>
+          </a:p>
+          <a:p>
+            <a:pPr>
+              <a:spcBef>
+                <a:spcPts val="0"/>
+              </a:spcBef>
+              <a:buClrTx/>
+              <a:defRPr/>
+            </a:pPr>
+            <a:r>
+              <a:rPr lang="en-US" sz="3600" b="0" cap="none" dirty="0" err="1" smtClean="0">
+                <a:solidFill>
+                  <a:schemeClr val="accent3"/>
+                </a:solidFill>
+              </a:rPr>
+              <a:t>int</a:t>
+            </a:r>
+            <a:r>
+              <a:rPr lang="en-US" sz="3600" b="0" cap="none" dirty="0" smtClean="0">
+                <a:solidFill>
+                  <a:schemeClr val="accent3"/>
+                </a:solidFill>
+              </a:rPr>
+              <a:t> result = </a:t>
+            </a:r>
+            <a:r>
+              <a:rPr lang="en-US" sz="3600" b="0" cap="none" dirty="0" err="1" smtClean="0">
+                <a:solidFill>
+                  <a:schemeClr val="accent3"/>
+                </a:solidFill>
+              </a:rPr>
+              <a:t>s.compareToIgnoreCase</a:t>
+            </a:r>
+            <a:r>
+              <a:rPr lang="en-US" sz="3600" b="0" cap="none" dirty="0" smtClean="0">
+                <a:solidFill>
+                  <a:schemeClr val="accent3"/>
+                </a:solidFill>
+              </a:rPr>
+              <a:t>(s2);</a:t>
+            </a:r>
+          </a:p>
+        </p:txBody>
+      </p:sp>
+      <p:sp>
+        <p:nvSpPr>
+          <p:cNvPr id="10" name="5-Point Star 9"/>
+          <p:cNvSpPr/>
+          <p:nvPr/>
+        </p:nvSpPr>
+        <p:spPr>
+          <a:xfrm>
+            <a:off x="10780228" y="84411"/>
+            <a:ext cx="933977" cy="838097"/>
+          </a:xfrm>
+          <a:prstGeom prst="star5">
+            <a:avLst/>
+          </a:prstGeom>
+          <a:solidFill>
+            <a:schemeClr val="accent1"/>
+          </a:solidFill>
+          <a:ln>
+            <a:solidFill>
+              <a:schemeClr val="tx2"/>
+            </a:solidFill>
+          </a:ln>
+        </p:spPr>
+        <p:style>
+          <a:lnRef idx="2">
+            <a:schemeClr val="accent1">
+              <a:shade val="50000"/>
+            </a:schemeClr>
+          </a:lnRef>
+          <a:fillRef idx="1">
+            <a:schemeClr val="accent1"/>
+          </a:fillRef>
+          <a:effectRef idx="0">
+            <a:schemeClr val="accent1"/>
+          </a:effectRef>
+          <a:fontRef idx="minor">
+            <a:schemeClr val="lt1"/>
+          </a:fontRef>
+        </p:style>
+        <p:txBody>
+          <a:bodyPr rtlCol="0" anchor="ctr"/>
+          <a:lstStyle/>
+          <a:p>
+            <a:pPr algn="ctr"/>
+            <a:endParaRPr lang="en-US"/>
+          </a:p>
+        </p:txBody>
+      </p:sp>
+    </p:spTree>
+    <p:extLst>
+      <p:ext uri="{BB962C8B-B14F-4D97-AF65-F5344CB8AC3E}">
+        <p14:creationId xmlns:p14="http://schemas.microsoft.com/office/powerpoint/2010/main" val="979066352"/>
+      </p:ext>
+    </p:extLst>
+  </p:cSld>
+  <p:clrMapOvr>
+    <a:masterClrMapping/>
+  </p:clrMapOvr>
+</p:sld>
+</file>
+
+<file path=ppt/slides/slide4.xml><?xml version="1.0" encoding="utf-8"?>
+<p:sld xmlns:a="http://schemas.openxmlformats.org/drawingml/2006/main" xmlns:r="http://schemas.openxmlformats.org/officeDocument/2006/relationships" xmlns:p="http://schemas.openxmlformats.org/presentationml/2006/main">
+  <p:cSld>
+    <p:spTree>
+      <p:nvGrpSpPr>
+        <p:cNvPr id="1" name=""/>
+        <p:cNvGrpSpPr/>
+        <p:nvPr/>
+      </p:nvGrpSpPr>
+      <p:grpSpPr>
+        <a:xfrm>
+          <a:off x="0" y="0"/>
+          <a:ext cx="0" cy="0"/>
+          <a:chOff x="0" y="0"/>
+          <a:chExt cx="0" cy="0"/>
+        </a:xfrm>
+      </p:grpSpPr>
+      <p:sp>
+        <p:nvSpPr>
+          <p:cNvPr id="2" name="Title 1"/>
+          <p:cNvSpPr>
+            <a:spLocks noGrp="1"/>
+          </p:cNvSpPr>
+          <p:nvPr>
+            <p:ph type="title"/>
+          </p:nvPr>
+        </p:nvSpPr>
+        <p:spPr>
+          <a:xfrm>
+            <a:off x="978593" y="266340"/>
+            <a:ext cx="10172700" cy="1493517"/>
+          </a:xfrm>
+        </p:spPr>
+        <p:txBody>
+          <a:bodyPr/>
+          <a:lstStyle/>
+          <a:p>
+            <a:r>
+              <a:rPr lang="en-US" dirty="0" smtClean="0"/>
+              <a:t>Commonly used String methods</a:t>
+            </a:r>
+            <a:endParaRPr lang="en-US" dirty="0"/>
+          </a:p>
+        </p:txBody>
+      </p:sp>
+      <p:sp>
+        <p:nvSpPr>
+          <p:cNvPr id="7" name="Content Placeholder 2"/>
+          <p:cNvSpPr>
+            <a:spLocks noGrp="1"/>
+          </p:cNvSpPr>
+          <p:nvPr>
+            <p:ph idx="1"/>
+          </p:nvPr>
+        </p:nvSpPr>
+        <p:spPr>
+          <a:xfrm>
+            <a:off x="978593" y="1309816"/>
+            <a:ext cx="10720969" cy="5090982"/>
+          </a:xfrm>
+          <a:solidFill>
+            <a:schemeClr val="bg2"/>
+          </a:solidFill>
+          <a:ln w="76200">
+            <a:solidFill>
+              <a:schemeClr val="tx2"/>
+            </a:solidFill>
+          </a:ln>
+        </p:spPr>
+        <p:txBody>
+          <a:bodyPr>
+            <a:normAutofit/>
+          </a:bodyPr>
+          <a:lstStyle/>
+          <a:p>
+            <a:pPr marL="0" marR="0" lvl="0" indent="0" defTabSz="914400" eaLnBrk="1" fontAlgn="auto" latinLnBrk="0" hangingPunct="1">
+              <a:lnSpc>
+                <a:spcPct val="100000"/>
+              </a:lnSpc>
+              <a:spcBef>
+                <a:spcPts val="0"/>
+              </a:spcBef>
+              <a:spcAft>
+                <a:spcPts val="0"/>
+              </a:spcAft>
+              <a:buClrTx/>
+              <a:buSzTx/>
+              <a:buFontTx/>
+              <a:buNone/>
+              <a:tabLst/>
+              <a:defRPr/>
+            </a:pPr>
+            <a:r>
+              <a:rPr lang="en-US" sz="3600" b="0" cap="none" dirty="0" smtClean="0">
+                <a:solidFill>
+                  <a:schemeClr val="accent1"/>
+                </a:solidFill>
+              </a:rPr>
+              <a:t>//sets n to the length of the String</a:t>
+            </a:r>
+          </a:p>
+          <a:p>
+            <a:pPr marL="0" marR="0" lvl="0" indent="0" defTabSz="914400" eaLnBrk="1" fontAlgn="auto" latinLnBrk="0" hangingPunct="1">
+              <a:lnSpc>
+                <a:spcPct val="100000"/>
+              </a:lnSpc>
+              <a:spcBef>
+                <a:spcPts val="0"/>
+              </a:spcBef>
+              <a:spcAft>
+                <a:spcPts val="0"/>
+              </a:spcAft>
+              <a:buClrTx/>
+              <a:buSzTx/>
+              <a:buFontTx/>
+              <a:buNone/>
+              <a:tabLst/>
+              <a:defRPr/>
+            </a:pPr>
+            <a:r>
+              <a:rPr lang="en-US" sz="3600" b="0" cap="none" dirty="0" err="1" smtClean="0">
+                <a:solidFill>
+                  <a:schemeClr val="accent3"/>
+                </a:solidFill>
+              </a:rPr>
+              <a:t>int</a:t>
+            </a:r>
+            <a:r>
+              <a:rPr lang="en-US" sz="3600" b="0" cap="none" dirty="0" smtClean="0">
+                <a:solidFill>
+                  <a:schemeClr val="accent3"/>
+                </a:solidFill>
+              </a:rPr>
+              <a:t> n </a:t>
+            </a:r>
+            <a:r>
+              <a:rPr lang="en-US" sz="3600" b="0" cap="none" dirty="0">
+                <a:solidFill>
+                  <a:schemeClr val="accent3"/>
+                </a:solidFill>
+              </a:rPr>
+              <a:t>=</a:t>
+            </a:r>
+            <a:r>
+              <a:rPr lang="en-US" sz="3600" b="0" cap="none" dirty="0" smtClean="0">
+                <a:solidFill>
+                  <a:schemeClr val="accent3"/>
+                </a:solidFill>
+              </a:rPr>
+              <a:t> </a:t>
+            </a:r>
+            <a:r>
+              <a:rPr lang="en-US" sz="3600" b="0" cap="none" dirty="0" err="1" smtClean="0">
+                <a:solidFill>
+                  <a:schemeClr val="accent3"/>
+                </a:solidFill>
+              </a:rPr>
+              <a:t>s.length</a:t>
+            </a:r>
+            <a:r>
+              <a:rPr lang="en-US" sz="3600" b="0" cap="none" dirty="0" smtClean="0">
+                <a:solidFill>
+                  <a:schemeClr val="accent3"/>
+                </a:solidFill>
+              </a:rPr>
+              <a:t>()</a:t>
+            </a:r>
+          </a:p>
+          <a:p>
+            <a:pPr marL="0" marR="0" lvl="0" indent="0" defTabSz="914400" eaLnBrk="1" fontAlgn="auto" latinLnBrk="0" hangingPunct="1">
+              <a:lnSpc>
+                <a:spcPct val="100000"/>
+              </a:lnSpc>
+              <a:spcBef>
+                <a:spcPts val="0"/>
+              </a:spcBef>
+              <a:spcAft>
+                <a:spcPts val="0"/>
+              </a:spcAft>
+              <a:buClrTx/>
+              <a:buSzTx/>
+              <a:buFontTx/>
+              <a:buNone/>
+              <a:tabLst/>
+              <a:defRPr/>
+            </a:pPr>
+            <a:r>
+              <a:rPr lang="en-US" sz="3600" b="0" cap="none" dirty="0" smtClean="0">
+                <a:solidFill>
+                  <a:schemeClr val="accent1"/>
+                </a:solidFill>
+              </a:rPr>
+              <a:t>//returns the </a:t>
+            </a:r>
+            <a:r>
+              <a:rPr lang="en-US" sz="3600" b="0" cap="none" dirty="0" smtClean="0">
+                <a:solidFill>
+                  <a:schemeClr val="accent1"/>
+                </a:solidFill>
+              </a:rPr>
+              <a:t>character at position </a:t>
+            </a:r>
+            <a:r>
+              <a:rPr lang="en-US" sz="3600" b="0" cap="none" dirty="0" err="1" smtClean="0">
+                <a:solidFill>
+                  <a:schemeClr val="accent1"/>
+                </a:solidFill>
+              </a:rPr>
+              <a:t>pos</a:t>
+            </a:r>
+            <a:endParaRPr lang="en-US" sz="3600" b="0" cap="none" dirty="0" smtClean="0">
+              <a:solidFill>
+                <a:schemeClr val="accent1"/>
+              </a:solidFill>
+            </a:endParaRPr>
+          </a:p>
+          <a:p>
+            <a:pPr marL="0" marR="0" lvl="0" indent="0" defTabSz="914400" eaLnBrk="1" fontAlgn="auto" latinLnBrk="0" hangingPunct="1">
+              <a:lnSpc>
+                <a:spcPct val="100000"/>
+              </a:lnSpc>
+              <a:spcBef>
+                <a:spcPts val="0"/>
+              </a:spcBef>
+              <a:spcAft>
+                <a:spcPts val="0"/>
+              </a:spcAft>
+              <a:buClrTx/>
+              <a:buSzTx/>
+              <a:buFontTx/>
+              <a:buNone/>
+              <a:tabLst/>
+              <a:defRPr/>
+            </a:pPr>
+            <a:r>
+              <a:rPr lang="en-US" sz="3600" b="0" cap="none" dirty="0" smtClean="0">
+                <a:solidFill>
+                  <a:schemeClr val="accent3"/>
+                </a:solidFill>
+              </a:rPr>
+              <a:t>char </a:t>
+            </a:r>
+            <a:r>
+              <a:rPr lang="en-US" sz="3600" b="0" cap="none" dirty="0" err="1" smtClean="0">
+                <a:solidFill>
+                  <a:schemeClr val="accent3"/>
+                </a:solidFill>
+              </a:rPr>
+              <a:t>ch</a:t>
+            </a:r>
+            <a:r>
+              <a:rPr lang="en-US" sz="3600" b="0" cap="none" dirty="0" smtClean="0">
+                <a:solidFill>
+                  <a:schemeClr val="accent3"/>
+                </a:solidFill>
+              </a:rPr>
+              <a:t> = </a:t>
+            </a:r>
+            <a:r>
+              <a:rPr lang="en-US" sz="3600" b="0" cap="none" dirty="0" err="1" smtClean="0">
+                <a:solidFill>
+                  <a:schemeClr val="accent3"/>
+                </a:solidFill>
+              </a:rPr>
+              <a:t>s.charAt</a:t>
+            </a:r>
+            <a:r>
+              <a:rPr lang="en-US" sz="3600" b="0" cap="none" dirty="0" smtClean="0">
+                <a:solidFill>
+                  <a:schemeClr val="accent3"/>
+                </a:solidFill>
+              </a:rPr>
+              <a:t>(</a:t>
+            </a:r>
+            <a:r>
+              <a:rPr lang="en-US" sz="3600" b="0" cap="none" dirty="0" err="1" smtClean="0">
+                <a:solidFill>
+                  <a:schemeClr val="accent3"/>
+                </a:solidFill>
+              </a:rPr>
+              <a:t>pos</a:t>
+            </a:r>
+            <a:r>
+              <a:rPr lang="en-US" sz="3600" b="0" cap="none" dirty="0" smtClean="0">
+                <a:solidFill>
+                  <a:schemeClr val="accent3"/>
+                </a:solidFill>
+              </a:rPr>
+              <a:t>);</a:t>
+            </a:r>
+          </a:p>
+          <a:p>
+            <a:pPr marL="0" marR="0" lvl="0" indent="0" defTabSz="914400" eaLnBrk="1" fontAlgn="auto" latinLnBrk="0" hangingPunct="1">
+              <a:lnSpc>
+                <a:spcPct val="100000"/>
+              </a:lnSpc>
+              <a:spcBef>
+                <a:spcPts val="0"/>
+              </a:spcBef>
+              <a:spcAft>
+                <a:spcPts val="0"/>
+              </a:spcAft>
+              <a:buClrTx/>
+              <a:buSzTx/>
+              <a:buFontTx/>
+              <a:buNone/>
+              <a:tabLst/>
+              <a:defRPr/>
+            </a:pPr>
+            <a:r>
+              <a:rPr lang="en-US" sz="3600" b="0" cap="none" dirty="0" smtClean="0">
+                <a:solidFill>
+                  <a:schemeClr val="accent1"/>
+                </a:solidFill>
+              </a:rPr>
+              <a:t>//returns a String from between </a:t>
+            </a:r>
+            <a:r>
+              <a:rPr lang="en-US" sz="3600" b="0" cap="none" dirty="0" smtClean="0">
+                <a:solidFill>
+                  <a:schemeClr val="accent1"/>
+                </a:solidFill>
+              </a:rPr>
+              <a:t>two </a:t>
+            </a:r>
+            <a:r>
+              <a:rPr lang="en-US" sz="3600" b="0" cap="none" dirty="0" smtClean="0">
+                <a:solidFill>
+                  <a:schemeClr val="accent1"/>
+                </a:solidFill>
+              </a:rPr>
+              <a:t>indices</a:t>
+            </a:r>
+          </a:p>
+          <a:p>
+            <a:pPr marL="0" marR="0" lvl="0" indent="0" defTabSz="914400" eaLnBrk="1" fontAlgn="auto" latinLnBrk="0" hangingPunct="1">
+              <a:lnSpc>
+                <a:spcPct val="100000"/>
+              </a:lnSpc>
+              <a:spcBef>
+                <a:spcPts val="0"/>
+              </a:spcBef>
+              <a:spcAft>
+                <a:spcPts val="0"/>
+              </a:spcAft>
+              <a:buClrTx/>
+              <a:buSzTx/>
+              <a:buFontTx/>
+              <a:buNone/>
+              <a:tabLst/>
+              <a:defRPr/>
+            </a:pPr>
+            <a:r>
+              <a:rPr lang="en-US" sz="3600" b="0" cap="none" dirty="0" smtClean="0">
+                <a:solidFill>
+                  <a:schemeClr val="accent3"/>
+                </a:solidFill>
+              </a:rPr>
+              <a:t>String s2 = </a:t>
+            </a:r>
+            <a:r>
+              <a:rPr lang="en-US" sz="3600" b="0" cap="none" dirty="0" err="1" smtClean="0">
+                <a:solidFill>
+                  <a:schemeClr val="accent3"/>
+                </a:solidFill>
+              </a:rPr>
+              <a:t>s.substring</a:t>
+            </a:r>
+            <a:r>
+              <a:rPr lang="en-US" sz="3600" b="0" cap="none" dirty="0" smtClean="0">
+                <a:solidFill>
+                  <a:schemeClr val="accent3"/>
+                </a:solidFill>
+              </a:rPr>
+              <a:t>(</a:t>
+            </a:r>
+            <a:r>
+              <a:rPr lang="en-US" sz="3600" b="0" cap="none" dirty="0" err="1" smtClean="0">
+                <a:solidFill>
+                  <a:schemeClr val="accent3"/>
+                </a:solidFill>
+              </a:rPr>
+              <a:t>fromPos</a:t>
+            </a:r>
+            <a:r>
+              <a:rPr lang="en-US" sz="3600" b="0" cap="none" dirty="0" smtClean="0">
+                <a:solidFill>
+                  <a:schemeClr val="accent3"/>
+                </a:solidFill>
+              </a:rPr>
+              <a:t>);</a:t>
+            </a:r>
+          </a:p>
+          <a:p>
+            <a:pPr marL="0" marR="0" lvl="0" indent="0" defTabSz="914400" eaLnBrk="1" fontAlgn="auto" latinLnBrk="0" hangingPunct="1">
+              <a:lnSpc>
+                <a:spcPct val="100000"/>
+              </a:lnSpc>
+              <a:spcBef>
+                <a:spcPts val="0"/>
+              </a:spcBef>
+              <a:spcAft>
+                <a:spcPts val="0"/>
+              </a:spcAft>
+              <a:buClrTx/>
+              <a:buSzTx/>
+              <a:buFontTx/>
+              <a:buNone/>
+              <a:tabLst/>
+              <a:defRPr/>
+            </a:pPr>
+            <a:r>
+              <a:rPr lang="en-US" sz="3600" b="0" cap="none" dirty="0" smtClean="0">
+                <a:solidFill>
+                  <a:schemeClr val="accent3"/>
+                </a:solidFill>
+              </a:rPr>
+              <a:t>String s2 = </a:t>
+            </a:r>
+            <a:r>
+              <a:rPr lang="en-US" sz="3600" b="0" cap="none" dirty="0" err="1" smtClean="0">
+                <a:solidFill>
+                  <a:schemeClr val="accent3"/>
+                </a:solidFill>
+              </a:rPr>
+              <a:t>s.substring</a:t>
+            </a:r>
+            <a:r>
+              <a:rPr lang="en-US" sz="3600" b="0" cap="none" dirty="0" smtClean="0">
+                <a:solidFill>
+                  <a:schemeClr val="accent3"/>
+                </a:solidFill>
+              </a:rPr>
+              <a:t>(</a:t>
+            </a:r>
+            <a:r>
+              <a:rPr lang="en-US" sz="3600" b="0" cap="none" dirty="0" err="1" smtClean="0">
+                <a:solidFill>
+                  <a:schemeClr val="accent3"/>
+                </a:solidFill>
+              </a:rPr>
+              <a:t>fromPos</a:t>
+            </a:r>
+            <a:r>
+              <a:rPr lang="en-US" sz="3600" b="0" cap="none" dirty="0" smtClean="0">
+                <a:solidFill>
+                  <a:schemeClr val="accent3"/>
+                </a:solidFill>
+              </a:rPr>
+              <a:t>, </a:t>
+            </a:r>
+            <a:r>
+              <a:rPr lang="en-US" sz="3600" b="0" cap="none" dirty="0" err="1" smtClean="0">
+                <a:solidFill>
+                  <a:schemeClr val="accent3"/>
+                </a:solidFill>
+              </a:rPr>
+              <a:t>toPos</a:t>
+            </a:r>
+            <a:r>
+              <a:rPr lang="en-US" sz="3600" b="0" cap="none" dirty="0" smtClean="0">
+                <a:solidFill>
+                  <a:schemeClr val="accent3"/>
+                </a:solidFill>
+              </a:rPr>
+              <a:t>);</a:t>
+            </a:r>
+          </a:p>
+          <a:p>
+            <a:pPr marL="0" marR="0" lvl="0" indent="0" defTabSz="914400" eaLnBrk="1" fontAlgn="auto" latinLnBrk="0" hangingPunct="1">
+              <a:lnSpc>
+                <a:spcPct val="100000"/>
+              </a:lnSpc>
+              <a:spcBef>
+                <a:spcPts val="0"/>
+              </a:spcBef>
+              <a:spcAft>
+                <a:spcPts val="0"/>
+              </a:spcAft>
+              <a:buClrTx/>
+              <a:buSzTx/>
+              <a:buFontTx/>
+              <a:buNone/>
+              <a:tabLst/>
+              <a:defRPr/>
+            </a:pPr>
+            <a:r>
+              <a:rPr lang="en-US" sz="3600" b="0" cap="none" dirty="0" smtClean="0">
+                <a:solidFill>
+                  <a:schemeClr val="accent1"/>
+                </a:solidFill>
+              </a:rPr>
+              <a:t>//works same way as the +</a:t>
+            </a:r>
+          </a:p>
+          <a:p>
+            <a:pPr marL="0" marR="0" lvl="0" indent="0" defTabSz="914400" eaLnBrk="1" fontAlgn="auto" latinLnBrk="0" hangingPunct="1">
+              <a:lnSpc>
+                <a:spcPct val="100000"/>
+              </a:lnSpc>
+              <a:spcBef>
+                <a:spcPts val="0"/>
+              </a:spcBef>
+              <a:spcAft>
+                <a:spcPts val="0"/>
+              </a:spcAft>
+              <a:buClrTx/>
+              <a:buSzTx/>
+              <a:buFontTx/>
+              <a:buNone/>
+              <a:tabLst/>
+              <a:defRPr/>
+            </a:pPr>
+            <a:r>
+              <a:rPr lang="en-US" sz="3600" b="0" cap="none" dirty="0" smtClean="0">
+                <a:solidFill>
+                  <a:schemeClr val="accent3"/>
+                </a:solidFill>
+              </a:rPr>
+              <a:t>String s2 = </a:t>
+            </a:r>
+            <a:r>
+              <a:rPr lang="en-US" sz="3600" b="0" cap="none" dirty="0" err="1" smtClean="0">
+                <a:solidFill>
+                  <a:schemeClr val="accent3"/>
+                </a:solidFill>
+              </a:rPr>
+              <a:t>s.concat</a:t>
+            </a:r>
+            <a:r>
+              <a:rPr lang="en-US" sz="3600" b="0" cap="none" dirty="0" smtClean="0">
+                <a:solidFill>
+                  <a:schemeClr val="accent3"/>
+                </a:solidFill>
+              </a:rPr>
+              <a:t>(</a:t>
+            </a:r>
+            <a:r>
+              <a:rPr lang="en-US" sz="3600" b="0" cap="none" dirty="0" err="1" smtClean="0">
+                <a:solidFill>
+                  <a:schemeClr val="accent3"/>
+                </a:solidFill>
+              </a:rPr>
+              <a:t>str</a:t>
+            </a:r>
+            <a:r>
+              <a:rPr lang="en-US" sz="3600" b="0" cap="none" dirty="0" smtClean="0">
+                <a:solidFill>
+                  <a:schemeClr val="accent3"/>
+                </a:solidFill>
+              </a:rPr>
+              <a:t>);</a:t>
+            </a:r>
+          </a:p>
+        </p:txBody>
+      </p:sp>
+      <p:sp>
+        <p:nvSpPr>
+          <p:cNvPr id="4" name="5-Point Star 3"/>
+          <p:cNvSpPr/>
+          <p:nvPr/>
+        </p:nvSpPr>
+        <p:spPr>
+          <a:xfrm>
+            <a:off x="10780228" y="84411"/>
+            <a:ext cx="933977" cy="838097"/>
+          </a:xfrm>
+          <a:prstGeom prst="star5">
+            <a:avLst/>
+          </a:prstGeom>
+          <a:solidFill>
+            <a:schemeClr val="accent1"/>
+          </a:solidFill>
+          <a:ln>
+            <a:solidFill>
+              <a:schemeClr val="tx2"/>
+            </a:solidFill>
+          </a:ln>
+        </p:spPr>
+        <p:style>
+          <a:lnRef idx="2">
+            <a:schemeClr val="accent1">
+              <a:shade val="50000"/>
+            </a:schemeClr>
+          </a:lnRef>
+          <a:fillRef idx="1">
+            <a:schemeClr val="accent1"/>
+          </a:fillRef>
+          <a:effectRef idx="0">
+            <a:schemeClr val="accent1"/>
+          </a:effectRef>
+          <a:fontRef idx="minor">
+            <a:schemeClr val="lt1"/>
+          </a:fontRef>
+        </p:style>
+        <p:txBody>
+          <a:bodyPr rtlCol="0" anchor="ctr"/>
+          <a:lstStyle/>
+          <a:p>
+            <a:pPr algn="ctr"/>
+            <a:endParaRPr lang="en-US"/>
+          </a:p>
+        </p:txBody>
+      </p:sp>
+    </p:spTree>
+    <p:extLst>
+      <p:ext uri="{BB962C8B-B14F-4D97-AF65-F5344CB8AC3E}">
+        <p14:creationId xmlns:p14="http://schemas.microsoft.com/office/powerpoint/2010/main" val="521877425"/>
+      </p:ext>
+    </p:extLst>
+  </p:cSld>
+  <p:clrMapOvr>
+    <a:masterClrMapping/>
+  </p:clrMapOvr>
+</p:sld>
+</file>
+
+<file path=ppt/slides/slide5.xml><?xml version="1.0" encoding="utf-8"?>
+<p:sld xmlns:a="http://schemas.openxmlformats.org/drawingml/2006/main" xmlns:r="http://schemas.openxmlformats.org/officeDocument/2006/relationships" xmlns:p="http://schemas.openxmlformats.org/presentationml/2006/main">
+  <p:cSld>
+    <p:spTree>
+      <p:nvGrpSpPr>
+        <p:cNvPr id="1" name=""/>
+        <p:cNvGrpSpPr/>
+        <p:nvPr/>
+      </p:nvGrpSpPr>
+      <p:grpSpPr>
+        <a:xfrm>
+          <a:off x="0" y="0"/>
+          <a:ext cx="0" cy="0"/>
+          <a:chOff x="0" y="0"/>
+          <a:chExt cx="0" cy="0"/>
+        </a:xfrm>
+      </p:grpSpPr>
+      <p:sp>
+        <p:nvSpPr>
+          <p:cNvPr id="2" name="Title 1"/>
+          <p:cNvSpPr>
+            <a:spLocks noGrp="1"/>
+          </p:cNvSpPr>
+          <p:nvPr>
+            <p:ph type="title"/>
+          </p:nvPr>
+        </p:nvSpPr>
+        <p:spPr>
+          <a:xfrm>
+            <a:off x="1017950" y="229270"/>
+            <a:ext cx="10172700" cy="1493517"/>
+          </a:xfrm>
+        </p:spPr>
+        <p:txBody>
+          <a:bodyPr/>
+          <a:lstStyle/>
+          <a:p>
+            <a:r>
+              <a:rPr lang="en-US" dirty="0" smtClean="0"/>
+              <a:t>Commonly used String methods</a:t>
+            </a:r>
+            <a:endParaRPr lang="en-US" dirty="0"/>
+          </a:p>
+        </p:txBody>
+      </p:sp>
+      <p:sp>
+        <p:nvSpPr>
+          <p:cNvPr id="7" name="Content Placeholder 2"/>
+          <p:cNvSpPr>
+            <a:spLocks noGrp="1"/>
+          </p:cNvSpPr>
+          <p:nvPr>
+            <p:ph idx="1"/>
+          </p:nvPr>
+        </p:nvSpPr>
+        <p:spPr>
+          <a:xfrm>
+            <a:off x="593125" y="1112109"/>
+            <a:ext cx="11306432" cy="5535827"/>
+          </a:xfrm>
+          <a:solidFill>
+            <a:schemeClr val="bg2"/>
+          </a:solidFill>
+          <a:ln w="76200">
+            <a:solidFill>
+              <a:schemeClr val="tx2"/>
+            </a:solidFill>
+          </a:ln>
+        </p:spPr>
+        <p:txBody>
+          <a:bodyPr>
+            <a:noAutofit/>
+          </a:bodyPr>
+          <a:lstStyle/>
+          <a:p>
+            <a:pPr marL="0" marR="0" lvl="0" indent="0" defTabSz="914400" eaLnBrk="1" fontAlgn="auto" latinLnBrk="0" hangingPunct="1">
+              <a:lnSpc>
+                <a:spcPct val="100000"/>
+              </a:lnSpc>
+              <a:spcBef>
+                <a:spcPts val="0"/>
+              </a:spcBef>
+              <a:spcAft>
+                <a:spcPts val="0"/>
+              </a:spcAft>
+              <a:buClrTx/>
+              <a:buSzTx/>
+              <a:buFontTx/>
+              <a:buNone/>
+              <a:tabLst/>
+              <a:defRPr/>
+            </a:pPr>
+            <a:r>
+              <a:rPr lang="en-US" sz="3600" b="0" cap="none" dirty="0" smtClean="0">
+                <a:solidFill>
+                  <a:schemeClr val="accent1"/>
+                </a:solidFill>
+              </a:rPr>
+              <a:t>//gets first index (a number) of a string or character</a:t>
+            </a:r>
+          </a:p>
+          <a:p>
+            <a:pPr marL="0" marR="0" lvl="0" indent="0" defTabSz="914400" eaLnBrk="1" fontAlgn="auto" latinLnBrk="0" hangingPunct="1">
+              <a:lnSpc>
+                <a:spcPct val="100000"/>
+              </a:lnSpc>
+              <a:spcBef>
+                <a:spcPts val="0"/>
+              </a:spcBef>
+              <a:spcAft>
+                <a:spcPts val="0"/>
+              </a:spcAft>
+              <a:buClrTx/>
+              <a:buSzTx/>
+              <a:buFontTx/>
+              <a:buNone/>
+              <a:tabLst/>
+              <a:defRPr/>
+            </a:pPr>
+            <a:r>
+              <a:rPr lang="en-US" sz="3600" b="0" cap="none" dirty="0" err="1" smtClean="0">
+                <a:solidFill>
+                  <a:schemeClr val="accent3"/>
+                </a:solidFill>
+              </a:rPr>
+              <a:t>int</a:t>
+            </a:r>
+            <a:r>
+              <a:rPr lang="en-US" sz="3600" b="0" cap="none" dirty="0" smtClean="0">
+                <a:solidFill>
+                  <a:schemeClr val="accent3"/>
+                </a:solidFill>
+              </a:rPr>
+              <a:t> k = </a:t>
+            </a:r>
+            <a:r>
+              <a:rPr lang="en-US" sz="3600" b="0" cap="none" dirty="0" err="1" smtClean="0">
+                <a:solidFill>
+                  <a:schemeClr val="accent3"/>
+                </a:solidFill>
+              </a:rPr>
+              <a:t>s.index</a:t>
+            </a:r>
+            <a:r>
+              <a:rPr lang="en-US" sz="3600" b="0" cap="none" dirty="0" err="1">
+                <a:solidFill>
+                  <a:schemeClr val="accent3"/>
+                </a:solidFill>
+              </a:rPr>
+              <a:t>O</a:t>
+            </a:r>
+            <a:r>
+              <a:rPr lang="en-US" sz="3600" b="0" cap="none" dirty="0" err="1" smtClean="0">
+                <a:solidFill>
+                  <a:schemeClr val="accent3"/>
+                </a:solidFill>
+              </a:rPr>
+              <a:t>f</a:t>
+            </a:r>
+            <a:r>
+              <a:rPr lang="en-US" sz="3600" b="0" cap="none" dirty="0" smtClean="0">
+                <a:solidFill>
+                  <a:schemeClr val="accent3"/>
+                </a:solidFill>
+              </a:rPr>
+              <a:t>(</a:t>
+            </a:r>
+            <a:r>
+              <a:rPr lang="en-US" sz="3600" b="0" cap="none" dirty="0" err="1" smtClean="0">
+                <a:solidFill>
+                  <a:schemeClr val="accent3"/>
+                </a:solidFill>
+              </a:rPr>
+              <a:t>ch</a:t>
+            </a:r>
+            <a:r>
+              <a:rPr lang="en-US" sz="3600" b="0" cap="none" dirty="0" smtClean="0">
+                <a:solidFill>
+                  <a:schemeClr val="accent3"/>
+                </a:solidFill>
+              </a:rPr>
+              <a:t>);</a:t>
+            </a:r>
+          </a:p>
+          <a:p>
+            <a:pPr>
+              <a:spcBef>
+                <a:spcPts val="0"/>
+              </a:spcBef>
+              <a:buClrTx/>
+              <a:defRPr/>
+            </a:pPr>
+            <a:r>
+              <a:rPr lang="en-US" sz="3600" b="0" cap="none" dirty="0" err="1">
+                <a:solidFill>
+                  <a:schemeClr val="accent3"/>
+                </a:solidFill>
+              </a:rPr>
+              <a:t>int</a:t>
+            </a:r>
+            <a:r>
+              <a:rPr lang="en-US" sz="3600" b="0" cap="none" dirty="0">
+                <a:solidFill>
+                  <a:schemeClr val="accent3"/>
+                </a:solidFill>
+              </a:rPr>
+              <a:t> k = </a:t>
+            </a:r>
+            <a:r>
+              <a:rPr lang="en-US" sz="3600" b="0" cap="none" dirty="0" err="1" smtClean="0">
+                <a:solidFill>
+                  <a:schemeClr val="accent3"/>
+                </a:solidFill>
+              </a:rPr>
+              <a:t>s.indexOf</a:t>
+            </a:r>
+            <a:r>
+              <a:rPr lang="en-US" sz="3600" b="0" cap="none" dirty="0" smtClean="0">
+                <a:solidFill>
+                  <a:schemeClr val="accent3"/>
+                </a:solidFill>
+              </a:rPr>
+              <a:t>(</a:t>
+            </a:r>
+            <a:r>
+              <a:rPr lang="en-US" sz="3600" b="0" cap="none" dirty="0" err="1" smtClean="0">
+                <a:solidFill>
+                  <a:schemeClr val="accent3"/>
+                </a:solidFill>
+              </a:rPr>
+              <a:t>ch</a:t>
+            </a:r>
+            <a:r>
+              <a:rPr lang="en-US" sz="3600" b="0" cap="none" dirty="0" smtClean="0">
+                <a:solidFill>
+                  <a:schemeClr val="accent3"/>
+                </a:solidFill>
+              </a:rPr>
+              <a:t>, </a:t>
+            </a:r>
+            <a:r>
+              <a:rPr lang="en-US" sz="3600" b="0" cap="none" dirty="0" err="1" smtClean="0">
+                <a:solidFill>
+                  <a:schemeClr val="accent3"/>
+                </a:solidFill>
+              </a:rPr>
+              <a:t>fromPos</a:t>
+            </a:r>
+            <a:r>
+              <a:rPr lang="en-US" sz="3600" b="0" cap="none" dirty="0" smtClean="0">
+                <a:solidFill>
+                  <a:schemeClr val="accent3"/>
+                </a:solidFill>
+              </a:rPr>
+              <a:t>);</a:t>
+            </a:r>
+            <a:endParaRPr lang="en-US" sz="3600" b="0" cap="none" dirty="0">
+              <a:solidFill>
+                <a:schemeClr val="accent3"/>
+              </a:solidFill>
+            </a:endParaRPr>
+          </a:p>
+          <a:p>
+            <a:pPr>
+              <a:spcBef>
+                <a:spcPts val="0"/>
+              </a:spcBef>
+              <a:buClrTx/>
+              <a:defRPr/>
+            </a:pPr>
+            <a:r>
+              <a:rPr lang="en-US" sz="3600" b="0" cap="none" dirty="0" err="1">
+                <a:solidFill>
+                  <a:schemeClr val="accent3"/>
+                </a:solidFill>
+              </a:rPr>
+              <a:t>int</a:t>
+            </a:r>
+            <a:r>
+              <a:rPr lang="en-US" sz="3600" b="0" cap="none" dirty="0">
+                <a:solidFill>
+                  <a:schemeClr val="accent3"/>
+                </a:solidFill>
+              </a:rPr>
+              <a:t> k = </a:t>
+            </a:r>
+            <a:r>
+              <a:rPr lang="en-US" sz="3600" b="0" cap="none" dirty="0" err="1" smtClean="0">
+                <a:solidFill>
+                  <a:schemeClr val="accent3"/>
+                </a:solidFill>
+              </a:rPr>
+              <a:t>s.indexOf</a:t>
+            </a:r>
+            <a:r>
+              <a:rPr lang="en-US" sz="3600" b="0" cap="none" dirty="0" smtClean="0">
+                <a:solidFill>
+                  <a:schemeClr val="accent3"/>
+                </a:solidFill>
+              </a:rPr>
+              <a:t>(</a:t>
+            </a:r>
+            <a:r>
+              <a:rPr lang="en-US" sz="3600" b="0" cap="none" dirty="0" err="1" smtClean="0">
+                <a:solidFill>
+                  <a:schemeClr val="accent3"/>
+                </a:solidFill>
+              </a:rPr>
+              <a:t>str</a:t>
+            </a:r>
+            <a:r>
+              <a:rPr lang="en-US" sz="3600" b="0" cap="none" dirty="0" smtClean="0">
+                <a:solidFill>
+                  <a:schemeClr val="accent3"/>
+                </a:solidFill>
+              </a:rPr>
+              <a:t>);</a:t>
+            </a:r>
+            <a:endParaRPr lang="en-US" sz="3600" b="0" cap="none" dirty="0">
+              <a:solidFill>
+                <a:schemeClr val="accent3"/>
+              </a:solidFill>
+            </a:endParaRPr>
+          </a:p>
+          <a:p>
+            <a:pPr>
+              <a:spcBef>
+                <a:spcPts val="0"/>
+              </a:spcBef>
+              <a:buClrTx/>
+              <a:defRPr/>
+            </a:pPr>
+            <a:r>
+              <a:rPr lang="en-US" sz="3600" b="0" cap="none" dirty="0" err="1">
+                <a:solidFill>
+                  <a:schemeClr val="accent3"/>
+                </a:solidFill>
+              </a:rPr>
+              <a:t>int</a:t>
+            </a:r>
+            <a:r>
+              <a:rPr lang="en-US" sz="3600" b="0" cap="none" dirty="0">
+                <a:solidFill>
+                  <a:schemeClr val="accent3"/>
+                </a:solidFill>
+              </a:rPr>
+              <a:t> k = </a:t>
+            </a:r>
+            <a:r>
+              <a:rPr lang="en-US" sz="3600" b="0" cap="none" dirty="0" err="1" smtClean="0">
+                <a:solidFill>
+                  <a:schemeClr val="accent3"/>
+                </a:solidFill>
+              </a:rPr>
+              <a:t>s.indexOf</a:t>
+            </a:r>
+            <a:r>
+              <a:rPr lang="en-US" sz="3600" b="0" cap="none" dirty="0" smtClean="0">
+                <a:solidFill>
+                  <a:schemeClr val="accent3"/>
+                </a:solidFill>
+              </a:rPr>
+              <a:t>(</a:t>
+            </a:r>
+            <a:r>
+              <a:rPr lang="en-US" sz="3600" b="0" cap="none" dirty="0" err="1" smtClean="0">
+                <a:solidFill>
+                  <a:schemeClr val="accent3"/>
+                </a:solidFill>
+              </a:rPr>
+              <a:t>str</a:t>
+            </a:r>
+            <a:r>
+              <a:rPr lang="en-US" sz="3600" b="0" cap="none" dirty="0" smtClean="0">
+                <a:solidFill>
+                  <a:schemeClr val="accent3"/>
+                </a:solidFill>
+              </a:rPr>
+              <a:t>, </a:t>
+            </a:r>
+            <a:r>
+              <a:rPr lang="en-US" sz="3600" b="0" cap="none" dirty="0" err="1" smtClean="0">
+                <a:solidFill>
+                  <a:schemeClr val="accent3"/>
+                </a:solidFill>
+              </a:rPr>
+              <a:t>fromPos</a:t>
+            </a:r>
+            <a:r>
+              <a:rPr lang="en-US" sz="3600" b="0" cap="none" dirty="0" smtClean="0">
+                <a:solidFill>
+                  <a:schemeClr val="accent3"/>
+                </a:solidFill>
+              </a:rPr>
+              <a:t>);</a:t>
+            </a:r>
+          </a:p>
+          <a:p>
+            <a:pPr>
+              <a:spcBef>
+                <a:spcPts val="0"/>
+              </a:spcBef>
+              <a:buClrTx/>
+              <a:defRPr/>
+            </a:pPr>
+            <a:r>
+              <a:rPr lang="en-US" sz="3600" b="0" cap="none" dirty="0" smtClean="0">
+                <a:solidFill>
+                  <a:schemeClr val="accent1"/>
+                </a:solidFill>
+              </a:rPr>
+              <a:t>//gets last index of a string or character</a:t>
+            </a:r>
+            <a:endParaRPr lang="en-US" sz="3600" b="0" cap="none" dirty="0">
+              <a:solidFill>
+                <a:schemeClr val="accent1"/>
+              </a:solidFill>
+            </a:endParaRPr>
+          </a:p>
+          <a:p>
+            <a:pPr>
+              <a:spcBef>
+                <a:spcPts val="0"/>
+              </a:spcBef>
+              <a:buClrTx/>
+              <a:defRPr/>
+            </a:pPr>
+            <a:r>
+              <a:rPr lang="en-US" sz="3600" b="0" cap="none" dirty="0" err="1">
+                <a:solidFill>
+                  <a:schemeClr val="accent3"/>
+                </a:solidFill>
+              </a:rPr>
+              <a:t>int</a:t>
+            </a:r>
+            <a:r>
+              <a:rPr lang="en-US" sz="3600" b="0" cap="none" dirty="0">
+                <a:solidFill>
+                  <a:schemeClr val="accent3"/>
+                </a:solidFill>
+              </a:rPr>
+              <a:t> k = </a:t>
+            </a:r>
+            <a:r>
+              <a:rPr lang="en-US" sz="3600" b="0" cap="none" dirty="0" err="1" smtClean="0">
+                <a:solidFill>
+                  <a:schemeClr val="accent3"/>
+                </a:solidFill>
+              </a:rPr>
+              <a:t>s.lastIndexOf</a:t>
+            </a:r>
+            <a:r>
+              <a:rPr lang="en-US" sz="3600" b="0" cap="none" dirty="0" smtClean="0">
+                <a:solidFill>
+                  <a:schemeClr val="accent3"/>
+                </a:solidFill>
+              </a:rPr>
+              <a:t>(</a:t>
+            </a:r>
+            <a:r>
+              <a:rPr lang="en-US" sz="3600" b="0" cap="none" dirty="0" err="1" smtClean="0">
+                <a:solidFill>
+                  <a:schemeClr val="accent3"/>
+                </a:solidFill>
+              </a:rPr>
+              <a:t>ch</a:t>
+            </a:r>
+            <a:r>
+              <a:rPr lang="en-US" sz="3600" b="0" cap="none" dirty="0" smtClean="0">
+                <a:solidFill>
+                  <a:schemeClr val="accent3"/>
+                </a:solidFill>
+              </a:rPr>
+              <a:t>);</a:t>
+            </a:r>
+            <a:endParaRPr lang="en-US" sz="3600" b="0" cap="none" dirty="0">
+              <a:solidFill>
+                <a:schemeClr val="accent3"/>
+              </a:solidFill>
+            </a:endParaRPr>
+          </a:p>
+          <a:p>
+            <a:pPr>
+              <a:spcBef>
+                <a:spcPts val="0"/>
+              </a:spcBef>
+              <a:buClrTx/>
+              <a:defRPr/>
+            </a:pPr>
+            <a:r>
+              <a:rPr lang="en-US" sz="3600" b="0" cap="none" dirty="0" err="1">
+                <a:solidFill>
+                  <a:schemeClr val="accent3"/>
+                </a:solidFill>
+              </a:rPr>
+              <a:t>int</a:t>
+            </a:r>
+            <a:r>
+              <a:rPr lang="en-US" sz="3600" b="0" cap="none" dirty="0">
+                <a:solidFill>
+                  <a:schemeClr val="accent3"/>
+                </a:solidFill>
+              </a:rPr>
+              <a:t> k = </a:t>
+            </a:r>
+            <a:r>
+              <a:rPr lang="en-US" sz="3600" b="0" cap="none" dirty="0" err="1" smtClean="0">
+                <a:solidFill>
+                  <a:schemeClr val="accent3"/>
+                </a:solidFill>
+              </a:rPr>
+              <a:t>s.lastIndexOf</a:t>
+            </a:r>
+            <a:r>
+              <a:rPr lang="en-US" sz="3600" b="0" cap="none" dirty="0" smtClean="0">
+                <a:solidFill>
+                  <a:schemeClr val="accent3"/>
+                </a:solidFill>
+              </a:rPr>
+              <a:t>(</a:t>
+            </a:r>
+            <a:r>
+              <a:rPr lang="en-US" sz="3600" b="0" cap="none" dirty="0" err="1" smtClean="0">
+                <a:solidFill>
+                  <a:schemeClr val="accent3"/>
+                </a:solidFill>
+              </a:rPr>
+              <a:t>ch</a:t>
+            </a:r>
+            <a:r>
+              <a:rPr lang="en-US" sz="3600" b="0" cap="none" dirty="0" smtClean="0">
+                <a:solidFill>
+                  <a:schemeClr val="accent3"/>
+                </a:solidFill>
+              </a:rPr>
+              <a:t>, </a:t>
+            </a:r>
+            <a:r>
+              <a:rPr lang="en-US" sz="3600" b="0" cap="none" dirty="0" err="1" smtClean="0">
+                <a:solidFill>
+                  <a:schemeClr val="accent3"/>
+                </a:solidFill>
+              </a:rPr>
+              <a:t>fromPos</a:t>
+            </a:r>
+            <a:r>
+              <a:rPr lang="en-US" sz="3600" b="0" cap="none" dirty="0" smtClean="0">
+                <a:solidFill>
+                  <a:schemeClr val="accent3"/>
+                </a:solidFill>
+              </a:rPr>
+              <a:t>);</a:t>
+            </a:r>
+            <a:endParaRPr lang="en-US" sz="3600" b="0" cap="none" dirty="0">
+              <a:solidFill>
+                <a:schemeClr val="accent3"/>
+              </a:solidFill>
+            </a:endParaRPr>
+          </a:p>
+          <a:p>
+            <a:pPr>
+              <a:spcBef>
+                <a:spcPts val="0"/>
+              </a:spcBef>
+              <a:buClrTx/>
+              <a:defRPr/>
+            </a:pPr>
+            <a:r>
+              <a:rPr lang="en-US" sz="3600" b="0" cap="none" dirty="0" err="1">
+                <a:solidFill>
+                  <a:schemeClr val="accent3"/>
+                </a:solidFill>
+              </a:rPr>
+              <a:t>int</a:t>
+            </a:r>
+            <a:r>
+              <a:rPr lang="en-US" sz="3600" b="0" cap="none" dirty="0">
+                <a:solidFill>
+                  <a:schemeClr val="accent3"/>
+                </a:solidFill>
+              </a:rPr>
+              <a:t> k = </a:t>
+            </a:r>
+            <a:r>
+              <a:rPr lang="en-US" sz="3600" b="0" cap="none" dirty="0" err="1" smtClean="0">
+                <a:solidFill>
+                  <a:schemeClr val="accent3"/>
+                </a:solidFill>
+              </a:rPr>
+              <a:t>s.lastIndexOf</a:t>
+            </a:r>
+            <a:r>
+              <a:rPr lang="en-US" sz="3600" b="0" cap="none" dirty="0" smtClean="0">
+                <a:solidFill>
+                  <a:schemeClr val="accent3"/>
+                </a:solidFill>
+              </a:rPr>
+              <a:t>(</a:t>
+            </a:r>
+            <a:r>
+              <a:rPr lang="en-US" sz="3600" b="0" cap="none" dirty="0" err="1" smtClean="0">
+                <a:solidFill>
+                  <a:schemeClr val="accent3"/>
+                </a:solidFill>
+              </a:rPr>
+              <a:t>str</a:t>
+            </a:r>
+            <a:r>
+              <a:rPr lang="en-US" sz="3600" b="0" cap="none" dirty="0" smtClean="0">
+                <a:solidFill>
+                  <a:schemeClr val="accent3"/>
+                </a:solidFill>
+              </a:rPr>
+              <a:t>);</a:t>
+            </a:r>
+            <a:endParaRPr lang="en-US" sz="3600" b="0" cap="none" dirty="0">
+              <a:solidFill>
+                <a:schemeClr val="accent3"/>
+              </a:solidFill>
+            </a:endParaRPr>
+          </a:p>
+          <a:p>
+            <a:pPr>
+              <a:spcBef>
+                <a:spcPts val="0"/>
+              </a:spcBef>
+              <a:buClrTx/>
+              <a:defRPr/>
+            </a:pPr>
+            <a:r>
+              <a:rPr lang="en-US" sz="3600" b="0" cap="none" dirty="0" err="1">
+                <a:solidFill>
+                  <a:schemeClr val="accent3"/>
+                </a:solidFill>
+              </a:rPr>
+              <a:t>int</a:t>
+            </a:r>
+            <a:r>
+              <a:rPr lang="en-US" sz="3600" b="0" cap="none" dirty="0">
+                <a:solidFill>
+                  <a:schemeClr val="accent3"/>
+                </a:solidFill>
+              </a:rPr>
+              <a:t> k = </a:t>
+            </a:r>
+            <a:r>
+              <a:rPr lang="en-US" sz="3600" b="0" cap="none" dirty="0" err="1" smtClean="0">
+                <a:solidFill>
+                  <a:schemeClr val="accent3"/>
+                </a:solidFill>
+              </a:rPr>
+              <a:t>s.lastIndexOf</a:t>
+            </a:r>
+            <a:r>
+              <a:rPr lang="en-US" sz="3600" b="0" cap="none" dirty="0" smtClean="0">
+                <a:solidFill>
+                  <a:schemeClr val="accent3"/>
+                </a:solidFill>
+              </a:rPr>
+              <a:t>(</a:t>
+            </a:r>
+            <a:r>
+              <a:rPr lang="en-US" sz="3600" b="0" cap="none" dirty="0" err="1" smtClean="0">
+                <a:solidFill>
+                  <a:schemeClr val="accent3"/>
+                </a:solidFill>
+              </a:rPr>
+              <a:t>str</a:t>
+            </a:r>
+            <a:r>
+              <a:rPr lang="en-US" sz="3600" b="0" cap="none" dirty="0" smtClean="0">
+                <a:solidFill>
+                  <a:schemeClr val="accent3"/>
+                </a:solidFill>
+              </a:rPr>
+              <a:t>, </a:t>
+            </a:r>
+            <a:r>
+              <a:rPr lang="en-US" sz="3600" b="0" cap="none" dirty="0" err="1" smtClean="0">
+                <a:solidFill>
+                  <a:schemeClr val="accent3"/>
+                </a:solidFill>
+              </a:rPr>
+              <a:t>fromPos</a:t>
+            </a:r>
+            <a:r>
+              <a:rPr lang="en-US" sz="3600" b="0" cap="none" dirty="0" smtClean="0">
+                <a:solidFill>
+                  <a:schemeClr val="accent3"/>
+                </a:solidFill>
+              </a:rPr>
+              <a:t>);</a:t>
+            </a:r>
+          </a:p>
+        </p:txBody>
+      </p:sp>
+      <p:sp>
+        <p:nvSpPr>
+          <p:cNvPr id="4" name="5-Point Star 3"/>
+          <p:cNvSpPr/>
+          <p:nvPr/>
+        </p:nvSpPr>
+        <p:spPr>
+          <a:xfrm>
+            <a:off x="10780228" y="84411"/>
+            <a:ext cx="933977" cy="838097"/>
+          </a:xfrm>
+          <a:prstGeom prst="star5">
+            <a:avLst/>
+          </a:prstGeom>
+          <a:solidFill>
+            <a:schemeClr val="accent1"/>
+          </a:solidFill>
+          <a:ln>
+            <a:solidFill>
+              <a:schemeClr val="tx2"/>
+            </a:solidFill>
+          </a:ln>
+        </p:spPr>
+        <p:style>
+          <a:lnRef idx="2">
+            <a:schemeClr val="accent1">
+              <a:shade val="50000"/>
+            </a:schemeClr>
+          </a:lnRef>
+          <a:fillRef idx="1">
+            <a:schemeClr val="accent1"/>
+          </a:fillRef>
+          <a:effectRef idx="0">
+            <a:schemeClr val="accent1"/>
+          </a:effectRef>
+          <a:fontRef idx="minor">
+            <a:schemeClr val="lt1"/>
+          </a:fontRef>
+        </p:style>
+        <p:txBody>
+          <a:bodyPr rtlCol="0" anchor="ctr"/>
+          <a:lstStyle/>
+          <a:p>
+            <a:pPr algn="ctr"/>
+            <a:endParaRPr lang="en-US"/>
+          </a:p>
+        </p:txBody>
+      </p:sp>
+    </p:spTree>
+    <p:extLst>
+      <p:ext uri="{BB962C8B-B14F-4D97-AF65-F5344CB8AC3E}">
+        <p14:creationId xmlns:p14="http://schemas.microsoft.com/office/powerpoint/2010/main" val="43943622"/>
+      </p:ext>
+    </p:extLst>
+  </p:cSld>
+  <p:clrMapOvr>
+    <a:masterClrMapping/>
+  </p:clrMapOvr>
+</p:sld>
+</file>
+
+<file path=ppt/slides/slide6.xml><?xml version="1.0" encoding="utf-8"?>
+<p:sld xmlns:a="http://schemas.openxmlformats.org/drawingml/2006/main" xmlns:r="http://schemas.openxmlformats.org/officeDocument/2006/relationships" xmlns:p="http://schemas.openxmlformats.org/presentationml/2006/main">
+  <p:cSld>
+    <p:spTree>
+      <p:nvGrpSpPr>
+        <p:cNvPr id="1" name=""/>
+        <p:cNvGrpSpPr/>
+        <p:nvPr/>
+      </p:nvGrpSpPr>
+      <p:grpSpPr>
+        <a:xfrm>
+          <a:off x="0" y="0"/>
+          <a:ext cx="0" cy="0"/>
+          <a:chOff x="0" y="0"/>
+          <a:chExt cx="0" cy="0"/>
+        </a:xfrm>
+      </p:grpSpPr>
+      <p:sp>
+        <p:nvSpPr>
+          <p:cNvPr id="2" name="Title 1"/>
+          <p:cNvSpPr>
+            <a:spLocks noGrp="1"/>
+          </p:cNvSpPr>
+          <p:nvPr>
+            <p:ph type="title"/>
+          </p:nvPr>
+        </p:nvSpPr>
+        <p:spPr>
+          <a:xfrm>
+            <a:off x="995521" y="229269"/>
+            <a:ext cx="10172700" cy="1493517"/>
+          </a:xfrm>
+        </p:spPr>
+        <p:txBody>
+          <a:bodyPr/>
+          <a:lstStyle/>
+          <a:p>
+            <a:r>
+              <a:rPr lang="en-US" dirty="0" smtClean="0"/>
+              <a:t>Commonly used String methods</a:t>
+            </a:r>
+            <a:endParaRPr lang="en-US" dirty="0"/>
+          </a:p>
+        </p:txBody>
+      </p:sp>
+      <p:sp>
+        <p:nvSpPr>
+          <p:cNvPr id="7" name="Content Placeholder 2"/>
+          <p:cNvSpPr>
+            <a:spLocks noGrp="1"/>
+          </p:cNvSpPr>
+          <p:nvPr>
+            <p:ph idx="1"/>
+          </p:nvPr>
+        </p:nvSpPr>
+        <p:spPr>
+          <a:xfrm>
+            <a:off x="403199" y="1357313"/>
+            <a:ext cx="11585944" cy="4536087"/>
+          </a:xfrm>
+          <a:solidFill>
+            <a:schemeClr val="bg2"/>
+          </a:solidFill>
+          <a:ln w="76200">
+            <a:solidFill>
+              <a:schemeClr val="tx2"/>
+            </a:solidFill>
+          </a:ln>
+        </p:spPr>
+        <p:txBody>
+          <a:bodyPr>
+            <a:noAutofit/>
+          </a:bodyPr>
+          <a:lstStyle/>
+          <a:p>
+            <a:pPr>
+              <a:spcBef>
+                <a:spcPts val="0"/>
+              </a:spcBef>
+              <a:buClrTx/>
+              <a:defRPr/>
+            </a:pPr>
+            <a:r>
+              <a:rPr lang="en-US" sz="3200" b="0" cap="none" dirty="0">
+                <a:solidFill>
+                  <a:schemeClr val="accent1"/>
+                </a:solidFill>
+              </a:rPr>
+              <a:t>//s2 is set to s but all </a:t>
+            </a:r>
+            <a:r>
+              <a:rPr lang="en-US" sz="3200" b="0" cap="none" dirty="0" smtClean="0">
+                <a:solidFill>
+                  <a:schemeClr val="accent1"/>
+                </a:solidFill>
+              </a:rPr>
+              <a:t>lowercase</a:t>
+            </a:r>
+          </a:p>
+          <a:p>
+            <a:pPr>
+              <a:spcBef>
+                <a:spcPts val="0"/>
+              </a:spcBef>
+              <a:buClrTx/>
+              <a:defRPr/>
+            </a:pPr>
+            <a:r>
+              <a:rPr lang="en-US" sz="3200" b="0" cap="none" dirty="0" smtClean="0">
+                <a:solidFill>
+                  <a:schemeClr val="accent3"/>
+                </a:solidFill>
+              </a:rPr>
+              <a:t>String </a:t>
+            </a:r>
+            <a:r>
+              <a:rPr lang="en-US" sz="3200" b="0" cap="none" dirty="0">
+                <a:solidFill>
+                  <a:schemeClr val="accent3"/>
+                </a:solidFill>
+              </a:rPr>
+              <a:t>s2 = </a:t>
+            </a:r>
+            <a:r>
+              <a:rPr lang="en-US" sz="3200" b="0" cap="none" dirty="0" err="1">
+                <a:solidFill>
+                  <a:schemeClr val="accent3"/>
+                </a:solidFill>
+              </a:rPr>
+              <a:t>s.toUpperCase</a:t>
+            </a:r>
+            <a:r>
+              <a:rPr lang="en-US" sz="3200" b="0" cap="none" dirty="0" smtClean="0">
+                <a:solidFill>
+                  <a:schemeClr val="accent3"/>
+                </a:solidFill>
+              </a:rPr>
+              <a:t>();</a:t>
+            </a:r>
+          </a:p>
+          <a:p>
+            <a:pPr>
+              <a:spcBef>
+                <a:spcPts val="0"/>
+              </a:spcBef>
+              <a:buClrTx/>
+              <a:defRPr/>
+            </a:pPr>
+            <a:r>
+              <a:rPr lang="en-US" sz="3200" b="0" cap="none" dirty="0" smtClean="0">
+                <a:solidFill>
+                  <a:schemeClr val="accent1"/>
+                </a:solidFill>
+              </a:rPr>
+              <a:t>//s2 is set to s but all lowercase</a:t>
+            </a:r>
+          </a:p>
+          <a:p>
+            <a:pPr>
+              <a:spcBef>
+                <a:spcPts val="0"/>
+              </a:spcBef>
+              <a:buClrTx/>
+              <a:defRPr/>
+            </a:pPr>
+            <a:r>
+              <a:rPr lang="en-US" sz="3200" b="0" cap="none" dirty="0" smtClean="0">
+                <a:solidFill>
+                  <a:schemeClr val="accent3"/>
+                </a:solidFill>
+              </a:rPr>
+              <a:t>String </a:t>
+            </a:r>
+            <a:r>
+              <a:rPr lang="en-US" sz="3200" b="0" cap="none" dirty="0">
+                <a:solidFill>
+                  <a:schemeClr val="accent3"/>
+                </a:solidFill>
+              </a:rPr>
+              <a:t>s2 = </a:t>
+            </a:r>
+            <a:r>
+              <a:rPr lang="en-US" sz="3200" b="0" cap="none" dirty="0" err="1">
+                <a:solidFill>
+                  <a:schemeClr val="accent3"/>
+                </a:solidFill>
+              </a:rPr>
+              <a:t>s.toLowerCase</a:t>
+            </a:r>
+            <a:r>
+              <a:rPr lang="en-US" sz="3200" b="0" cap="none" dirty="0" smtClean="0">
+                <a:solidFill>
+                  <a:schemeClr val="accent3"/>
+                </a:solidFill>
+              </a:rPr>
+              <a:t>();</a:t>
+            </a:r>
+          </a:p>
+          <a:p>
+            <a:pPr>
+              <a:spcBef>
+                <a:spcPts val="0"/>
+              </a:spcBef>
+              <a:buClrTx/>
+              <a:defRPr/>
+            </a:pPr>
+            <a:r>
+              <a:rPr lang="en-US" sz="3200" b="0" cap="none" dirty="0">
+                <a:solidFill>
+                  <a:schemeClr val="accent1"/>
+                </a:solidFill>
+              </a:rPr>
+              <a:t>//s2 is set to same String as s but </a:t>
+            </a:r>
+            <a:r>
+              <a:rPr lang="en-US" sz="3200" b="0" cap="none" dirty="0" err="1" smtClean="0">
+                <a:solidFill>
+                  <a:schemeClr val="accent1"/>
+                </a:solidFill>
+              </a:rPr>
+              <a:t>oldChar</a:t>
+            </a:r>
+            <a:r>
+              <a:rPr lang="en-US" sz="3200" b="0" cap="none" dirty="0" smtClean="0">
+                <a:solidFill>
+                  <a:schemeClr val="accent1"/>
+                </a:solidFill>
+              </a:rPr>
+              <a:t> is replaced with </a:t>
+            </a:r>
+            <a:r>
+              <a:rPr lang="en-US" sz="3200" b="0" cap="none" dirty="0" err="1" smtClean="0">
+                <a:solidFill>
+                  <a:schemeClr val="accent1"/>
+                </a:solidFill>
+              </a:rPr>
+              <a:t>newChar</a:t>
+            </a:r>
+            <a:endParaRPr lang="en-US" sz="3200" b="0" cap="none" dirty="0">
+              <a:solidFill>
+                <a:schemeClr val="accent1"/>
+              </a:solidFill>
+            </a:endParaRPr>
+          </a:p>
+          <a:p>
+            <a:pPr>
+              <a:spcBef>
+                <a:spcPts val="0"/>
+              </a:spcBef>
+              <a:buClrTx/>
+              <a:defRPr/>
+            </a:pPr>
+            <a:r>
+              <a:rPr lang="en-US" sz="3200" b="0" cap="none" dirty="0">
+                <a:solidFill>
+                  <a:schemeClr val="accent3"/>
+                </a:solidFill>
+              </a:rPr>
+              <a:t>String s2 = </a:t>
+            </a:r>
+            <a:r>
+              <a:rPr lang="en-US" sz="3200" b="0" cap="none" dirty="0" err="1">
+                <a:solidFill>
+                  <a:schemeClr val="accent3"/>
+                </a:solidFill>
+              </a:rPr>
+              <a:t>s.replace</a:t>
+            </a:r>
+            <a:r>
+              <a:rPr lang="en-US" sz="3200" b="0" cap="none" dirty="0">
+                <a:solidFill>
+                  <a:schemeClr val="accent3"/>
+                </a:solidFill>
+              </a:rPr>
+              <a:t>(</a:t>
+            </a:r>
+            <a:r>
+              <a:rPr lang="en-US" sz="3200" b="0" cap="none" dirty="0" err="1">
+                <a:solidFill>
+                  <a:schemeClr val="accent3"/>
+                </a:solidFill>
+              </a:rPr>
+              <a:t>oldChar</a:t>
+            </a:r>
+            <a:r>
+              <a:rPr lang="en-US" sz="3200" b="0" cap="none" dirty="0">
+                <a:solidFill>
+                  <a:schemeClr val="accent3"/>
+                </a:solidFill>
+              </a:rPr>
+              <a:t>, </a:t>
+            </a:r>
+            <a:r>
+              <a:rPr lang="en-US" sz="3200" b="0" cap="none" dirty="0" err="1">
+                <a:solidFill>
+                  <a:schemeClr val="accent3"/>
+                </a:solidFill>
+              </a:rPr>
+              <a:t>newChar</a:t>
+            </a:r>
+            <a:r>
+              <a:rPr lang="en-US" sz="3200" b="0" cap="none" dirty="0" smtClean="0">
+                <a:solidFill>
+                  <a:schemeClr val="accent3"/>
+                </a:solidFill>
+              </a:rPr>
+              <a:t>);</a:t>
+            </a:r>
+          </a:p>
+          <a:p>
+            <a:pPr>
+              <a:spcBef>
+                <a:spcPts val="0"/>
+              </a:spcBef>
+              <a:buClrTx/>
+              <a:defRPr/>
+            </a:pPr>
+            <a:r>
+              <a:rPr lang="en-US" sz="3200" b="0" cap="none" dirty="0" smtClean="0">
+                <a:solidFill>
+                  <a:schemeClr val="accent1"/>
+                </a:solidFill>
+              </a:rPr>
+              <a:t>//s2 is set to same String as s but w/o </a:t>
+            </a:r>
+            <a:r>
+              <a:rPr lang="en-US" sz="3200" b="0" cap="none" dirty="0" smtClean="0">
+                <a:solidFill>
+                  <a:schemeClr val="accent1"/>
+                </a:solidFill>
+              </a:rPr>
+              <a:t>spaces at sides</a:t>
+            </a:r>
+            <a:endParaRPr lang="en-US" sz="3200" b="0" cap="none" dirty="0" smtClean="0">
+              <a:solidFill>
+                <a:schemeClr val="accent1"/>
+              </a:solidFill>
+            </a:endParaRPr>
+          </a:p>
+          <a:p>
+            <a:pPr>
+              <a:spcBef>
+                <a:spcPts val="0"/>
+              </a:spcBef>
+              <a:buClrTx/>
+              <a:defRPr/>
+            </a:pPr>
+            <a:r>
+              <a:rPr lang="en-US" sz="3200" b="0" cap="none" dirty="0" smtClean="0">
+                <a:solidFill>
+                  <a:schemeClr val="accent3"/>
+                </a:solidFill>
+              </a:rPr>
+              <a:t>String </a:t>
+            </a:r>
+            <a:r>
+              <a:rPr lang="en-US" sz="3200" b="0" cap="none" dirty="0">
+                <a:solidFill>
+                  <a:schemeClr val="accent3"/>
+                </a:solidFill>
+              </a:rPr>
+              <a:t>s2 = </a:t>
+            </a:r>
+            <a:r>
+              <a:rPr lang="en-US" sz="3200" b="0" cap="none" dirty="0" err="1">
+                <a:solidFill>
+                  <a:schemeClr val="accent3"/>
+                </a:solidFill>
+              </a:rPr>
+              <a:t>s.trim</a:t>
+            </a:r>
+            <a:r>
+              <a:rPr lang="en-US" sz="3200" b="0" cap="none" dirty="0" smtClean="0">
+                <a:solidFill>
+                  <a:schemeClr val="accent3"/>
+                </a:solidFill>
+              </a:rPr>
+              <a:t>();</a:t>
+            </a:r>
+            <a:endParaRPr lang="en-US" sz="3200" b="0" cap="none" dirty="0">
+              <a:solidFill>
+                <a:schemeClr val="accent3"/>
+              </a:solidFill>
+            </a:endParaRPr>
+          </a:p>
+        </p:txBody>
+      </p:sp>
+      <p:sp>
+        <p:nvSpPr>
+          <p:cNvPr id="4" name="5-Point Star 3"/>
+          <p:cNvSpPr/>
+          <p:nvPr/>
+        </p:nvSpPr>
+        <p:spPr>
+          <a:xfrm>
+            <a:off x="10780228" y="84411"/>
+            <a:ext cx="933977" cy="838097"/>
+          </a:xfrm>
+          <a:prstGeom prst="star5">
+            <a:avLst/>
+          </a:prstGeom>
+          <a:solidFill>
+            <a:schemeClr val="accent1"/>
+          </a:solidFill>
+          <a:ln>
+            <a:solidFill>
+              <a:schemeClr val="tx2"/>
+            </a:solidFill>
+          </a:ln>
+        </p:spPr>
+        <p:style>
+          <a:lnRef idx="2">
+            <a:schemeClr val="accent1">
+              <a:shade val="50000"/>
+            </a:schemeClr>
+          </a:lnRef>
+          <a:fillRef idx="1">
+            <a:schemeClr val="accent1"/>
+          </a:fillRef>
+          <a:effectRef idx="0">
+            <a:schemeClr val="accent1"/>
+          </a:effectRef>
+          <a:fontRef idx="minor">
+            <a:schemeClr val="lt1"/>
+          </a:fontRef>
+        </p:style>
+        <p:txBody>
+          <a:bodyPr rtlCol="0" anchor="ctr"/>
+          <a:lstStyle/>
+          <a:p>
+            <a:pPr algn="ctr"/>
+            <a:endParaRPr lang="en-US"/>
+          </a:p>
+        </p:txBody>
+      </p:sp>
+    </p:spTree>
+    <p:extLst>
+      <p:ext uri="{BB962C8B-B14F-4D97-AF65-F5344CB8AC3E}">
+        <p14:creationId xmlns:p14="http://schemas.microsoft.com/office/powerpoint/2010/main" val="2019542616"/>
+      </p:ext>
+    </p:extLst>
+  </p:cSld>
+  <p:clrMapOvr>
+    <a:masterClrMapping/>
+  </p:clrMapOvr>
+</p:sld>
+</file>
+
+<file path=ppt/slides/slide7.xml><?xml version="1.0" encoding="utf-8"?>
+<p:sld xmlns:a="http://schemas.openxmlformats.org/drawingml/2006/main" xmlns:r="http://schemas.openxmlformats.org/officeDocument/2006/relationships" xmlns:p="http://schemas.openxmlformats.org/presentationml/2006/main">
+  <p:cSld>
+    <p:spTree>
+      <p:nvGrpSpPr>
+        <p:cNvPr id="1" name=""/>
+        <p:cNvGrpSpPr/>
+        <p:nvPr/>
+      </p:nvGrpSpPr>
+      <p:grpSpPr>
+        <a:xfrm>
+          <a:off x="0" y="0"/>
+          <a:ext cx="0" cy="0"/>
+          <a:chOff x="0" y="0"/>
+          <a:chExt cx="0" cy="0"/>
+        </a:xfrm>
+      </p:grpSpPr>
+      <p:sp>
+        <p:nvSpPr>
+          <p:cNvPr id="2" name="Title 1"/>
+          <p:cNvSpPr>
+            <a:spLocks noGrp="1"/>
+          </p:cNvSpPr>
+          <p:nvPr>
+            <p:ph type="title"/>
+          </p:nvPr>
+        </p:nvSpPr>
+        <p:spPr/>
+        <p:txBody>
+          <a:bodyPr/>
+          <a:lstStyle/>
+          <a:p>
+            <a:r>
+              <a:rPr lang="en-US" dirty="0" smtClean="0"/>
+              <a:t>Converting numbers into strings (and back)</a:t>
+            </a:r>
+            <a:endParaRPr lang="en-US" dirty="0"/>
+          </a:p>
+        </p:txBody>
+      </p:sp>
+      <p:sp>
+        <p:nvSpPr>
+          <p:cNvPr id="3" name="Text Placeholder 2"/>
+          <p:cNvSpPr>
+            <a:spLocks noGrp="1"/>
+          </p:cNvSpPr>
+          <p:nvPr>
+            <p:ph type="body" idx="1"/>
+          </p:nvPr>
+        </p:nvSpPr>
+        <p:spPr>
+          <a:xfrm>
+            <a:off x="1252728" y="1883368"/>
+            <a:ext cx="4800600" cy="632529"/>
+          </a:xfrm>
+        </p:spPr>
+        <p:txBody>
+          <a:bodyPr/>
+          <a:lstStyle/>
+          <a:p>
+            <a:r>
+              <a:rPr lang="en-US" dirty="0" smtClean="0"/>
+              <a:t>Numbers to strings</a:t>
+            </a:r>
+            <a:endParaRPr lang="en-US" dirty="0"/>
+          </a:p>
+        </p:txBody>
+      </p:sp>
+      <p:sp>
+        <p:nvSpPr>
+          <p:cNvPr id="4" name="Content Placeholder 3"/>
+          <p:cNvSpPr>
+            <a:spLocks noGrp="1"/>
+          </p:cNvSpPr>
+          <p:nvPr>
+            <p:ph sz="half" idx="2"/>
+          </p:nvPr>
+        </p:nvSpPr>
+        <p:spPr>
+          <a:xfrm>
+            <a:off x="1252728" y="2674322"/>
+            <a:ext cx="4800600" cy="3479343"/>
+          </a:xfrm>
+          <a:solidFill>
+            <a:schemeClr val="accent1"/>
+          </a:solidFill>
+        </p:spPr>
+        <p:txBody>
+          <a:bodyPr>
+            <a:normAutofit lnSpcReduction="10000"/>
+          </a:bodyPr>
+          <a:lstStyle/>
+          <a:p>
+            <a:pPr marL="0" marR="0" lvl="0" indent="0" defTabSz="914400" eaLnBrk="1" fontAlgn="auto" latinLnBrk="0" hangingPunct="1">
+              <a:lnSpc>
+                <a:spcPct val="100000"/>
+              </a:lnSpc>
+              <a:spcBef>
+                <a:spcPts val="0"/>
+              </a:spcBef>
+              <a:spcAft>
+                <a:spcPts val="0"/>
+              </a:spcAft>
+              <a:buClrTx/>
+              <a:buSzTx/>
+              <a:buFontTx/>
+              <a:buNone/>
+              <a:tabLst/>
+              <a:defRPr/>
+            </a:pPr>
+            <a:r>
+              <a:rPr lang="en-US" sz="2800" dirty="0" err="1" smtClean="0"/>
+              <a:t>int</a:t>
+            </a:r>
+            <a:r>
+              <a:rPr lang="en-US" sz="2800" dirty="0" smtClean="0"/>
+              <a:t> n = 5;</a:t>
+            </a:r>
+          </a:p>
+          <a:p>
+            <a:pPr marL="0" marR="0" lvl="0" indent="0" defTabSz="914400" eaLnBrk="1" fontAlgn="auto" latinLnBrk="0" hangingPunct="1">
+              <a:lnSpc>
+                <a:spcPct val="100000"/>
+              </a:lnSpc>
+              <a:spcBef>
+                <a:spcPts val="0"/>
+              </a:spcBef>
+              <a:spcAft>
+                <a:spcPts val="0"/>
+              </a:spcAft>
+              <a:buClrTx/>
+              <a:buSzTx/>
+              <a:buFontTx/>
+              <a:buNone/>
+              <a:tabLst/>
+              <a:defRPr/>
+            </a:pPr>
+            <a:r>
+              <a:rPr lang="en-US" sz="2800" dirty="0" smtClean="0"/>
+              <a:t>String s = “” + n;</a:t>
+            </a:r>
+          </a:p>
+          <a:p>
+            <a:pPr marL="0" marR="0" lvl="0" indent="0" defTabSz="914400" eaLnBrk="1" fontAlgn="auto" latinLnBrk="0" hangingPunct="1">
+              <a:lnSpc>
+                <a:spcPct val="100000"/>
+              </a:lnSpc>
+              <a:spcBef>
+                <a:spcPts val="0"/>
+              </a:spcBef>
+              <a:spcAft>
+                <a:spcPts val="0"/>
+              </a:spcAft>
+              <a:buClrTx/>
+              <a:buSzTx/>
+              <a:buFontTx/>
+              <a:buNone/>
+              <a:tabLst/>
+              <a:defRPr/>
+            </a:pPr>
+            <a:endParaRPr lang="en-US" sz="2800" dirty="0" smtClean="0"/>
+          </a:p>
+          <a:p>
+            <a:pPr marL="0" marR="0" lvl="0" indent="0" defTabSz="914400" eaLnBrk="1" fontAlgn="auto" latinLnBrk="0" hangingPunct="1">
+              <a:lnSpc>
+                <a:spcPct val="100000"/>
+              </a:lnSpc>
+              <a:spcBef>
+                <a:spcPts val="0"/>
+              </a:spcBef>
+              <a:spcAft>
+                <a:spcPts val="0"/>
+              </a:spcAft>
+              <a:buClrTx/>
+              <a:buSzTx/>
+              <a:buFontTx/>
+              <a:buNone/>
+              <a:tabLst/>
+              <a:defRPr/>
+            </a:pPr>
+            <a:r>
+              <a:rPr lang="en-US" sz="2800" dirty="0" err="1" smtClean="0"/>
+              <a:t>int</a:t>
+            </a:r>
+            <a:r>
+              <a:rPr lang="en-US" sz="2800" dirty="0" smtClean="0"/>
+              <a:t> n = 5;</a:t>
+            </a:r>
+          </a:p>
+          <a:p>
+            <a:pPr marL="0" marR="0" lvl="0" indent="0" defTabSz="914400" eaLnBrk="1" fontAlgn="auto" latinLnBrk="0" hangingPunct="1">
+              <a:lnSpc>
+                <a:spcPct val="100000"/>
+              </a:lnSpc>
+              <a:spcBef>
+                <a:spcPts val="0"/>
+              </a:spcBef>
+              <a:spcAft>
+                <a:spcPts val="0"/>
+              </a:spcAft>
+              <a:buClrTx/>
+              <a:buSzTx/>
+              <a:buFontTx/>
+              <a:buNone/>
+              <a:tabLst/>
+              <a:defRPr/>
+            </a:pPr>
+            <a:r>
+              <a:rPr lang="en-US" sz="2800" dirty="0" smtClean="0"/>
+              <a:t>String s = </a:t>
+            </a:r>
+            <a:r>
+              <a:rPr lang="en-US" sz="2800" dirty="0" err="1" smtClean="0"/>
+              <a:t>Integer.toString</a:t>
+            </a:r>
+            <a:r>
+              <a:rPr lang="en-US" sz="2800" dirty="0" smtClean="0"/>
+              <a:t>(n);</a:t>
+            </a:r>
+          </a:p>
+          <a:p>
+            <a:pPr marL="0" marR="0" lvl="0" indent="0" defTabSz="914400" eaLnBrk="1" fontAlgn="auto" latinLnBrk="0" hangingPunct="1">
+              <a:lnSpc>
+                <a:spcPct val="100000"/>
+              </a:lnSpc>
+              <a:spcBef>
+                <a:spcPts val="0"/>
+              </a:spcBef>
+              <a:spcAft>
+                <a:spcPts val="0"/>
+              </a:spcAft>
+              <a:buClrTx/>
+              <a:buSzTx/>
+              <a:buFontTx/>
+              <a:buNone/>
+              <a:tabLst/>
+              <a:defRPr/>
+            </a:pPr>
+            <a:endParaRPr lang="en-US" sz="2800" dirty="0"/>
+          </a:p>
+          <a:p>
+            <a:pPr marL="0" marR="0" lvl="0" indent="0" defTabSz="914400" eaLnBrk="1" fontAlgn="auto" latinLnBrk="0" hangingPunct="1">
+              <a:lnSpc>
+                <a:spcPct val="100000"/>
+              </a:lnSpc>
+              <a:spcBef>
+                <a:spcPts val="0"/>
+              </a:spcBef>
+              <a:spcAft>
+                <a:spcPts val="0"/>
+              </a:spcAft>
+              <a:buClrTx/>
+              <a:buSzTx/>
+              <a:buFontTx/>
+              <a:buNone/>
+              <a:tabLst/>
+              <a:defRPr/>
+            </a:pPr>
+            <a:r>
+              <a:rPr lang="en-US" sz="2800" dirty="0" err="1" smtClean="0"/>
+              <a:t>int</a:t>
+            </a:r>
+            <a:r>
+              <a:rPr lang="en-US" sz="2800" dirty="0" smtClean="0"/>
+              <a:t> n = 5;</a:t>
+            </a:r>
+          </a:p>
+          <a:p>
+            <a:pPr marL="0" marR="0" lvl="0" indent="0" defTabSz="914400" eaLnBrk="1" fontAlgn="auto" latinLnBrk="0" hangingPunct="1">
+              <a:lnSpc>
+                <a:spcPct val="100000"/>
+              </a:lnSpc>
+              <a:spcBef>
+                <a:spcPts val="0"/>
+              </a:spcBef>
+              <a:spcAft>
+                <a:spcPts val="0"/>
+              </a:spcAft>
+              <a:buClrTx/>
+              <a:buSzTx/>
+              <a:buFontTx/>
+              <a:buNone/>
+              <a:tabLst/>
+              <a:defRPr/>
+            </a:pPr>
+            <a:r>
+              <a:rPr lang="en-US" sz="2800" dirty="0" smtClean="0"/>
+              <a:t>String s = </a:t>
+            </a:r>
+            <a:r>
+              <a:rPr lang="en-US" sz="2800" dirty="0" err="1" smtClean="0"/>
+              <a:t>String.valueOf</a:t>
+            </a:r>
+            <a:r>
+              <a:rPr lang="en-US" sz="2800" dirty="0" smtClean="0"/>
+              <a:t>(n);</a:t>
+            </a:r>
+          </a:p>
+          <a:p>
+            <a:pPr marL="0" marR="0" lvl="0" indent="0" defTabSz="914400" eaLnBrk="1" fontAlgn="auto" latinLnBrk="0" hangingPunct="1">
+              <a:lnSpc>
+                <a:spcPct val="100000"/>
+              </a:lnSpc>
+              <a:spcBef>
+                <a:spcPts val="0"/>
+              </a:spcBef>
+              <a:spcAft>
+                <a:spcPts val="0"/>
+              </a:spcAft>
+              <a:buClrTx/>
+              <a:buSzTx/>
+              <a:buFontTx/>
+              <a:buNone/>
+              <a:tabLst/>
+              <a:defRPr/>
+            </a:pPr>
+            <a:endParaRPr lang="en-US" sz="3200" dirty="0" smtClean="0"/>
+          </a:p>
+          <a:p>
+            <a:pPr marL="0" marR="0" lvl="0" indent="0" defTabSz="914400" eaLnBrk="1" fontAlgn="auto" latinLnBrk="0" hangingPunct="1">
+              <a:lnSpc>
+                <a:spcPct val="100000"/>
+              </a:lnSpc>
+              <a:spcBef>
+                <a:spcPts val="0"/>
+              </a:spcBef>
+              <a:spcAft>
+                <a:spcPts val="0"/>
+              </a:spcAft>
+              <a:buClrTx/>
+              <a:buSzTx/>
+              <a:buFontTx/>
+              <a:buNone/>
+              <a:tabLst/>
+              <a:defRPr/>
+            </a:pPr>
+            <a:endParaRPr lang="en-US" dirty="0"/>
+          </a:p>
+          <a:p>
+            <a:pPr marL="0" marR="0" lvl="0" indent="0" defTabSz="914400" eaLnBrk="1" fontAlgn="auto" latinLnBrk="0" hangingPunct="1">
+              <a:lnSpc>
+                <a:spcPct val="100000"/>
+              </a:lnSpc>
+              <a:spcBef>
+                <a:spcPts val="0"/>
+              </a:spcBef>
+              <a:spcAft>
+                <a:spcPts val="0"/>
+              </a:spcAft>
+              <a:buClrTx/>
+              <a:buSzTx/>
+              <a:buFontTx/>
+              <a:buNone/>
+              <a:tabLst/>
+              <a:defRPr/>
+            </a:pPr>
+            <a:endParaRPr lang="en-US" dirty="0" smtClean="0"/>
+          </a:p>
+        </p:txBody>
+      </p:sp>
+      <p:sp>
+        <p:nvSpPr>
+          <p:cNvPr id="5" name="Text Placeholder 4"/>
+          <p:cNvSpPr>
+            <a:spLocks noGrp="1"/>
+          </p:cNvSpPr>
+          <p:nvPr>
+            <p:ph type="body" sz="quarter" idx="3"/>
+          </p:nvPr>
+        </p:nvSpPr>
+        <p:spPr>
+          <a:xfrm>
+            <a:off x="6633864" y="1874517"/>
+            <a:ext cx="4800600" cy="632529"/>
+          </a:xfrm>
+        </p:spPr>
+        <p:txBody>
+          <a:bodyPr/>
+          <a:lstStyle/>
+          <a:p>
+            <a:r>
+              <a:rPr lang="en-US" dirty="0" smtClean="0"/>
+              <a:t>Strings to numbers</a:t>
+            </a:r>
+            <a:endParaRPr lang="en-US" dirty="0"/>
+          </a:p>
+        </p:txBody>
+      </p:sp>
+      <p:sp>
+        <p:nvSpPr>
+          <p:cNvPr id="6" name="Content Placeholder 5"/>
+          <p:cNvSpPr>
+            <a:spLocks noGrp="1"/>
+          </p:cNvSpPr>
+          <p:nvPr>
+            <p:ph sz="quarter" idx="4"/>
+          </p:nvPr>
+        </p:nvSpPr>
+        <p:spPr>
+          <a:xfrm>
+            <a:off x="6633864" y="2654871"/>
+            <a:ext cx="4800600" cy="3498794"/>
+          </a:xfrm>
+          <a:solidFill>
+            <a:schemeClr val="accent1"/>
+          </a:solidFill>
+        </p:spPr>
+        <p:txBody>
+          <a:bodyPr>
+            <a:normAutofit/>
+          </a:bodyPr>
+          <a:lstStyle/>
+          <a:p>
+            <a:pPr marL="0" marR="0" lvl="0" indent="0" defTabSz="914400" eaLnBrk="1" fontAlgn="auto" latinLnBrk="0" hangingPunct="1">
+              <a:lnSpc>
+                <a:spcPct val="100000"/>
+              </a:lnSpc>
+              <a:spcBef>
+                <a:spcPts val="0"/>
+              </a:spcBef>
+              <a:spcAft>
+                <a:spcPts val="0"/>
+              </a:spcAft>
+              <a:buClrTx/>
+              <a:buSzTx/>
+              <a:buFontTx/>
+              <a:buNone/>
+              <a:tabLst/>
+              <a:defRPr/>
+            </a:pPr>
+            <a:r>
+              <a:rPr lang="en-US" sz="3200" dirty="0" smtClean="0"/>
+              <a:t>String s = “5”;</a:t>
+            </a:r>
+          </a:p>
+          <a:p>
+            <a:pPr marL="0" marR="0" lvl="0" indent="0" defTabSz="914400" eaLnBrk="1" fontAlgn="auto" latinLnBrk="0" hangingPunct="1">
+              <a:lnSpc>
+                <a:spcPct val="100000"/>
+              </a:lnSpc>
+              <a:spcBef>
+                <a:spcPts val="0"/>
+              </a:spcBef>
+              <a:spcAft>
+                <a:spcPts val="0"/>
+              </a:spcAft>
+              <a:buClrTx/>
+              <a:buSzTx/>
+              <a:buFontTx/>
+              <a:buNone/>
+              <a:tabLst/>
+              <a:defRPr/>
+            </a:pPr>
+            <a:r>
+              <a:rPr lang="en-US" sz="3200" dirty="0" err="1" smtClean="0"/>
+              <a:t>int</a:t>
+            </a:r>
+            <a:r>
+              <a:rPr lang="en-US" sz="3200" dirty="0" smtClean="0"/>
+              <a:t> n = </a:t>
+            </a:r>
+            <a:r>
+              <a:rPr lang="en-US" sz="3200" dirty="0" err="1" smtClean="0"/>
+              <a:t>Integer.parseInt</a:t>
+            </a:r>
+            <a:r>
+              <a:rPr lang="en-US" sz="3200" dirty="0" smtClean="0"/>
+              <a:t>(s);</a:t>
+            </a:r>
+          </a:p>
+          <a:p>
+            <a:pPr marL="0" marR="0" lvl="0" indent="0" defTabSz="914400" eaLnBrk="1" fontAlgn="auto" latinLnBrk="0" hangingPunct="1">
+              <a:lnSpc>
+                <a:spcPct val="100000"/>
+              </a:lnSpc>
+              <a:spcBef>
+                <a:spcPts val="0"/>
+              </a:spcBef>
+              <a:spcAft>
+                <a:spcPts val="0"/>
+              </a:spcAft>
+              <a:buClrTx/>
+              <a:buSzTx/>
+              <a:buFontTx/>
+              <a:buNone/>
+              <a:tabLst/>
+              <a:defRPr/>
+            </a:pPr>
+            <a:endParaRPr lang="en-US" sz="3200" dirty="0"/>
+          </a:p>
+          <a:p>
+            <a:pPr marL="0" marR="0" lvl="0" indent="0" defTabSz="914400" eaLnBrk="1" fontAlgn="auto" latinLnBrk="0" hangingPunct="1">
+              <a:lnSpc>
+                <a:spcPct val="100000"/>
+              </a:lnSpc>
+              <a:spcBef>
+                <a:spcPts val="0"/>
+              </a:spcBef>
+              <a:spcAft>
+                <a:spcPts val="0"/>
+              </a:spcAft>
+              <a:buClrTx/>
+              <a:buSzTx/>
+              <a:buFontTx/>
+              <a:buNone/>
+              <a:tabLst/>
+              <a:defRPr/>
+            </a:pPr>
+            <a:r>
+              <a:rPr lang="en-US" sz="3200" dirty="0" smtClean="0"/>
+              <a:t>It’ll give you an error if the string is not a number</a:t>
+            </a:r>
+            <a:endParaRPr lang="en-US" sz="3200" dirty="0"/>
+          </a:p>
+        </p:txBody>
+      </p:sp>
+      <p:sp>
+        <p:nvSpPr>
+          <p:cNvPr id="7" name="5-Point Star 6"/>
+          <p:cNvSpPr/>
+          <p:nvPr/>
+        </p:nvSpPr>
+        <p:spPr>
+          <a:xfrm>
+            <a:off x="10496023" y="123942"/>
+            <a:ext cx="933977" cy="838097"/>
+          </a:xfrm>
+          <a:prstGeom prst="star5">
+            <a:avLst/>
+          </a:prstGeom>
+          <a:solidFill>
+            <a:schemeClr val="accent1"/>
+          </a:solidFill>
+          <a:ln>
+            <a:solidFill>
+              <a:schemeClr val="tx2"/>
+            </a:solidFill>
+          </a:ln>
+        </p:spPr>
+        <p:style>
+          <a:lnRef idx="2">
+            <a:schemeClr val="accent1">
+              <a:shade val="50000"/>
+            </a:schemeClr>
+          </a:lnRef>
+          <a:fillRef idx="1">
+            <a:schemeClr val="accent1"/>
+          </a:fillRef>
+          <a:effectRef idx="0">
+            <a:schemeClr val="accent1"/>
+          </a:effectRef>
+          <a:fontRef idx="minor">
+            <a:schemeClr val="lt1"/>
+          </a:fontRef>
+        </p:style>
+        <p:txBody>
+          <a:bodyPr rtlCol="0" anchor="ctr"/>
+          <a:lstStyle/>
+          <a:p>
+            <a:pPr algn="ctr"/>
+            <a:endParaRPr lang="en-US"/>
+          </a:p>
+        </p:txBody>
+      </p:sp>
+    </p:spTree>
+    <p:extLst>
+      <p:ext uri="{BB962C8B-B14F-4D97-AF65-F5344CB8AC3E}">
+        <p14:creationId xmlns:p14="http://schemas.microsoft.com/office/powerpoint/2010/main" val="1710543454"/>
+      </p:ext>
+    </p:extLst>
+  </p:cSld>
+  <p:clrMapOvr>
+    <a:masterClrMapping/>
+  </p:clrMapOvr>
+</p:sld>
+</file>
+
+<file path=ppt/slides/slide8.xml><?xml version="1.0" encoding="utf-8"?>
+<p:sld xmlns:a="http://schemas.openxmlformats.org/drawingml/2006/main" xmlns:r="http://schemas.openxmlformats.org/officeDocument/2006/relationships" xmlns:p="http://schemas.openxmlformats.org/presentationml/2006/main">
+  <p:cSld>
+    <p:spTree>
+      <p:nvGrpSpPr>
+        <p:cNvPr id="1" name=""/>
+        <p:cNvGrpSpPr/>
+        <p:nvPr/>
+      </p:nvGrpSpPr>
+      <p:grpSpPr>
+        <a:xfrm>
+          <a:off x="0" y="0"/>
+          <a:ext cx="0" cy="0"/>
+          <a:chOff x="0" y="0"/>
+          <a:chExt cx="0" cy="0"/>
+        </a:xfrm>
+      </p:grpSpPr>
+      <p:sp>
+        <p:nvSpPr>
+          <p:cNvPr id="2" name="Title 1"/>
+          <p:cNvSpPr>
+            <a:spLocks noGrp="1"/>
+          </p:cNvSpPr>
+          <p:nvPr>
+            <p:ph type="title"/>
+          </p:nvPr>
+        </p:nvSpPr>
+        <p:spPr>
+          <a:xfrm>
+            <a:off x="956164" y="155129"/>
+            <a:ext cx="11136529" cy="1493517"/>
+          </a:xfrm>
+        </p:spPr>
+        <p:txBody>
+          <a:bodyPr/>
+          <a:lstStyle/>
+          <a:p>
+            <a:r>
+              <a:rPr lang="en-US" dirty="0" smtClean="0"/>
+              <a:t>Commonly </a:t>
+            </a:r>
+            <a:r>
+              <a:rPr lang="en-US" smtClean="0"/>
+              <a:t>used character methods</a:t>
+            </a:r>
+            <a:endParaRPr lang="en-US" dirty="0"/>
+          </a:p>
+        </p:txBody>
+      </p:sp>
+      <p:sp>
+        <p:nvSpPr>
+          <p:cNvPr id="7" name="Content Placeholder 2"/>
+          <p:cNvSpPr>
+            <a:spLocks noGrp="1"/>
+          </p:cNvSpPr>
+          <p:nvPr>
+            <p:ph idx="1"/>
+          </p:nvPr>
+        </p:nvSpPr>
+        <p:spPr>
+          <a:xfrm>
+            <a:off x="548391" y="1297459"/>
+            <a:ext cx="7995534" cy="3188042"/>
+          </a:xfrm>
+          <a:solidFill>
+            <a:schemeClr val="bg2"/>
+          </a:solidFill>
+          <a:ln w="76200">
+            <a:solidFill>
+              <a:schemeClr val="tx2"/>
+            </a:solidFill>
+          </a:ln>
+        </p:spPr>
+        <p:txBody>
+          <a:bodyPr>
+            <a:noAutofit/>
+          </a:bodyPr>
+          <a:lstStyle/>
+          <a:p>
+            <a:pPr>
+              <a:spcBef>
+                <a:spcPts val="0"/>
+              </a:spcBef>
+              <a:buClrTx/>
+              <a:defRPr/>
+            </a:pPr>
+            <a:r>
+              <a:rPr lang="en-US" sz="4000" b="0" cap="none" dirty="0" err="1" smtClean="0">
+                <a:solidFill>
+                  <a:schemeClr val="accent3"/>
+                </a:solidFill>
+              </a:rPr>
+              <a:t>Character.isDigit</a:t>
+            </a:r>
+            <a:r>
+              <a:rPr lang="en-US" sz="4000" b="0" cap="none" dirty="0" smtClean="0">
+                <a:solidFill>
+                  <a:schemeClr val="accent3"/>
+                </a:solidFill>
+              </a:rPr>
+              <a:t>(char)</a:t>
+            </a:r>
+            <a:endParaRPr lang="en-US" sz="4000" b="0" cap="none" dirty="0" smtClean="0">
+              <a:solidFill>
+                <a:schemeClr val="accent3"/>
+              </a:solidFill>
+            </a:endParaRPr>
+          </a:p>
+          <a:p>
+            <a:pPr>
+              <a:spcBef>
+                <a:spcPts val="0"/>
+              </a:spcBef>
+              <a:buClrTx/>
+              <a:defRPr/>
+            </a:pPr>
+            <a:r>
+              <a:rPr lang="en-US" sz="4000" b="0" cap="none" dirty="0" err="1" smtClean="0">
+                <a:solidFill>
+                  <a:schemeClr val="accent3"/>
+                </a:solidFill>
+              </a:rPr>
+              <a:t>Character.isLetter</a:t>
+            </a:r>
+            <a:r>
+              <a:rPr lang="en-US" sz="4000" b="0" cap="none" dirty="0" smtClean="0">
+                <a:solidFill>
+                  <a:schemeClr val="accent3"/>
+                </a:solidFill>
+              </a:rPr>
+              <a:t>(char)</a:t>
+            </a:r>
+            <a:endParaRPr lang="en-US" sz="4000" b="0" cap="none" dirty="0" smtClean="0">
+              <a:solidFill>
+                <a:schemeClr val="accent3"/>
+              </a:solidFill>
+            </a:endParaRPr>
+          </a:p>
+          <a:p>
+            <a:pPr>
+              <a:spcBef>
+                <a:spcPts val="0"/>
+              </a:spcBef>
+              <a:buClrTx/>
+              <a:defRPr/>
+            </a:pPr>
+            <a:r>
+              <a:rPr lang="en-US" sz="4000" b="0" cap="none" dirty="0" err="1" smtClean="0">
+                <a:solidFill>
+                  <a:schemeClr val="accent3"/>
+                </a:solidFill>
+              </a:rPr>
+              <a:t>Character.isLetterOrDigit</a:t>
+            </a:r>
+            <a:r>
+              <a:rPr lang="en-US" sz="4000" b="0" cap="none" dirty="0" smtClean="0">
+                <a:solidFill>
+                  <a:schemeClr val="accent3"/>
+                </a:solidFill>
+              </a:rPr>
+              <a:t>(char)</a:t>
+            </a:r>
+            <a:endParaRPr lang="en-US" sz="4000" b="0" cap="none" dirty="0" smtClean="0">
+              <a:solidFill>
+                <a:schemeClr val="accent3"/>
+              </a:solidFill>
+            </a:endParaRPr>
+          </a:p>
+          <a:p>
+            <a:pPr>
+              <a:spcBef>
+                <a:spcPts val="0"/>
+              </a:spcBef>
+              <a:buClrTx/>
+              <a:defRPr/>
+            </a:pPr>
+            <a:r>
+              <a:rPr lang="en-US" sz="4000" b="0" cap="none" dirty="0" err="1" smtClean="0">
+                <a:solidFill>
+                  <a:schemeClr val="accent3"/>
+                </a:solidFill>
+              </a:rPr>
+              <a:t>Character.isUpperCase</a:t>
+            </a:r>
+            <a:r>
+              <a:rPr lang="en-US" sz="4000" b="0" cap="none" dirty="0" smtClean="0">
+                <a:solidFill>
+                  <a:schemeClr val="accent3"/>
+                </a:solidFill>
+              </a:rPr>
+              <a:t>(char)</a:t>
+            </a:r>
+            <a:endParaRPr lang="en-US" sz="4000" b="0" cap="none" dirty="0" smtClean="0">
+              <a:solidFill>
+                <a:schemeClr val="accent3"/>
+              </a:solidFill>
+            </a:endParaRPr>
+          </a:p>
+          <a:p>
+            <a:pPr>
+              <a:spcBef>
+                <a:spcPts val="0"/>
+              </a:spcBef>
+              <a:buClrTx/>
+              <a:defRPr/>
+            </a:pPr>
+            <a:r>
+              <a:rPr lang="en-US" sz="4000" b="0" cap="none" dirty="0" err="1" smtClean="0">
+                <a:solidFill>
+                  <a:schemeClr val="accent3"/>
+                </a:solidFill>
+              </a:rPr>
+              <a:t>Character.isLowerCase</a:t>
+            </a:r>
+            <a:r>
+              <a:rPr lang="en-US" sz="4000" b="0" cap="none" dirty="0" smtClean="0">
+                <a:solidFill>
+                  <a:schemeClr val="accent3"/>
+                </a:solidFill>
+              </a:rPr>
+              <a:t>(char)</a:t>
+            </a:r>
+            <a:endParaRPr lang="en-US" sz="4000" b="0" cap="none" dirty="0" smtClean="0">
+              <a:solidFill>
+                <a:schemeClr val="accent3"/>
+              </a:solidFill>
+            </a:endParaRPr>
+          </a:p>
+        </p:txBody>
+      </p:sp>
+      <p:sp>
+        <p:nvSpPr>
+          <p:cNvPr id="4" name="Content Placeholder 2"/>
+          <p:cNvSpPr>
+            <a:spLocks noGrp="1"/>
+          </p:cNvSpPr>
+          <p:nvPr>
+            <p:ph idx="1"/>
+          </p:nvPr>
+        </p:nvSpPr>
+        <p:spPr>
+          <a:xfrm>
+            <a:off x="3983569" y="4852108"/>
+            <a:ext cx="7088085" cy="1551445"/>
+          </a:xfrm>
+          <a:solidFill>
+            <a:schemeClr val="bg2"/>
+          </a:solidFill>
+          <a:ln w="76200">
+            <a:solidFill>
+              <a:schemeClr val="tx2"/>
+            </a:solidFill>
+          </a:ln>
+        </p:spPr>
+        <p:txBody>
+          <a:bodyPr>
+            <a:noAutofit/>
+          </a:bodyPr>
+          <a:lstStyle/>
+          <a:p>
+            <a:pPr>
+              <a:spcBef>
+                <a:spcPts val="0"/>
+              </a:spcBef>
+              <a:buClrTx/>
+              <a:defRPr/>
+            </a:pPr>
+            <a:r>
+              <a:rPr lang="en-US" sz="4000" b="0" cap="none" dirty="0" err="1" smtClean="0">
+                <a:solidFill>
+                  <a:schemeClr val="accent3"/>
+                </a:solidFill>
+              </a:rPr>
+              <a:t>Character.toUpperCase</a:t>
+            </a:r>
+            <a:r>
+              <a:rPr lang="en-US" sz="4000" b="0" cap="none" dirty="0" smtClean="0">
+                <a:solidFill>
+                  <a:schemeClr val="accent3"/>
+                </a:solidFill>
+              </a:rPr>
+              <a:t>(‘a’);</a:t>
+            </a:r>
+          </a:p>
+          <a:p>
+            <a:pPr>
+              <a:spcBef>
+                <a:spcPts val="0"/>
+              </a:spcBef>
+              <a:buClrTx/>
+              <a:defRPr/>
+            </a:pPr>
+            <a:r>
+              <a:rPr lang="en-US" sz="4000" b="0" cap="none" dirty="0" err="1" smtClean="0">
+                <a:solidFill>
+                  <a:schemeClr val="accent3"/>
+                </a:solidFill>
+              </a:rPr>
+              <a:t>Character.toLowerCase</a:t>
+            </a:r>
+            <a:r>
+              <a:rPr lang="en-US" sz="4000" b="0" cap="none" dirty="0" smtClean="0">
+                <a:solidFill>
+                  <a:schemeClr val="accent3"/>
+                </a:solidFill>
+              </a:rPr>
+              <a:t>(‘V’)</a:t>
+            </a:r>
+          </a:p>
+        </p:txBody>
+      </p:sp>
+      <p:sp>
+        <p:nvSpPr>
+          <p:cNvPr id="8" name="5-Point Star 7"/>
+          <p:cNvSpPr/>
+          <p:nvPr/>
+        </p:nvSpPr>
+        <p:spPr>
+          <a:xfrm>
+            <a:off x="81402" y="155129"/>
+            <a:ext cx="933977" cy="838097"/>
+          </a:xfrm>
+          <a:prstGeom prst="star5">
+            <a:avLst/>
+          </a:prstGeom>
+          <a:solidFill>
+            <a:schemeClr val="accent1"/>
+          </a:solidFill>
+          <a:ln>
+            <a:solidFill>
+              <a:schemeClr val="tx2"/>
+            </a:solidFill>
+          </a:ln>
+        </p:spPr>
+        <p:style>
+          <a:lnRef idx="2">
+            <a:schemeClr val="accent1">
+              <a:shade val="50000"/>
+            </a:schemeClr>
+          </a:lnRef>
+          <a:fillRef idx="1">
+            <a:schemeClr val="accent1"/>
+          </a:fillRef>
+          <a:effectRef idx="0">
+            <a:schemeClr val="accent1"/>
+          </a:effectRef>
+          <a:fontRef idx="minor">
+            <a:schemeClr val="lt1"/>
+          </a:fontRef>
+        </p:style>
+        <p:txBody>
+          <a:bodyPr rtlCol="0" anchor="ctr"/>
+          <a:lstStyle/>
+          <a:p>
+            <a:pPr algn="ctr"/>
+            <a:endParaRPr lang="en-US"/>
+          </a:p>
+        </p:txBody>
+      </p:sp>
+    </p:spTree>
+    <p:extLst>
+      <p:ext uri="{BB962C8B-B14F-4D97-AF65-F5344CB8AC3E}">
+        <p14:creationId xmlns:p14="http://schemas.microsoft.com/office/powerpoint/2010/main" val="48291224"/>
+      </p:ext>
+    </p:extLst>
+  </p:cSld>
+  <p:clrMapOvr>
+    <a:masterClrMapping/>
+  </p:clrMapOvr>
+</p:sld>
+</file>
+
+<file path=ppt/slides/slide9.xml><?xml version="1.0" encoding="utf-8"?>
+<p:sld xmlns:a="http://schemas.openxmlformats.org/drawingml/2006/main" xmlns:r="http://schemas.openxmlformats.org/officeDocument/2006/relationships" xmlns:p="http://schemas.openxmlformats.org/presentationml/2006/main">
+  <p:cSld>
+    <p:spTree>
+      <p:nvGrpSpPr>
+        <p:cNvPr id="1" name=""/>
+        <p:cNvGrpSpPr/>
+        <p:nvPr/>
+      </p:nvGrpSpPr>
+      <p:grpSpPr>
+        <a:xfrm>
+          <a:off x="0" y="0"/>
+          <a:ext cx="0" cy="0"/>
+          <a:chOff x="0" y="0"/>
+          <a:chExt cx="0" cy="0"/>
+        </a:xfrm>
+      </p:grpSpPr>
+      <p:sp>
+        <p:nvSpPr>
+          <p:cNvPr id="2" name="Title 1"/>
+          <p:cNvSpPr>
+            <a:spLocks noGrp="1"/>
+          </p:cNvSpPr>
+          <p:nvPr>
+            <p:ph type="title"/>
+          </p:nvPr>
+        </p:nvSpPr>
+        <p:spPr>
+          <a:xfrm>
             <a:off x="1251678" y="912341"/>
             <a:ext cx="10172700" cy="1027669"/>
           </a:xfrm>
@@ -7645,3225 +10817,6 @@
     <p:extLst>
       <p:ext uri="{BB962C8B-B14F-4D97-AF65-F5344CB8AC3E}">
         <p14:creationId xmlns:p14="http://schemas.microsoft.com/office/powerpoint/2010/main" val="289494397"/>
-      </p:ext>
-    </p:extLst>
-  </p:cSld>
-  <p:clrMapOvr>
-    <a:masterClrMapping/>
-  </p:clrMapOvr>
-</p:sld>
-</file>
-
-<file path=ppt/slides/slide4.xml><?xml version="1.0" encoding="utf-8"?>
-<p:sld xmlns:a="http://schemas.openxmlformats.org/drawingml/2006/main" xmlns:r="http://schemas.openxmlformats.org/officeDocument/2006/relationships" xmlns:p="http://schemas.openxmlformats.org/presentationml/2006/main">
-  <p:cSld>
-    <p:spTree>
-      <p:nvGrpSpPr>
-        <p:cNvPr id="1" name=""/>
-        <p:cNvGrpSpPr/>
-        <p:nvPr/>
-      </p:nvGrpSpPr>
-      <p:grpSpPr>
-        <a:xfrm>
-          <a:off x="0" y="0"/>
-          <a:ext cx="0" cy="0"/>
-          <a:chOff x="0" y="0"/>
-          <a:chExt cx="0" cy="0"/>
-        </a:xfrm>
-      </p:grpSpPr>
-      <p:sp>
-        <p:nvSpPr>
-          <p:cNvPr id="2" name="Title 1"/>
-          <p:cNvSpPr>
-            <a:spLocks noGrp="1"/>
-          </p:cNvSpPr>
-          <p:nvPr>
-            <p:ph type="title"/>
-          </p:nvPr>
-        </p:nvSpPr>
-        <p:spPr>
-          <a:xfrm>
-            <a:off x="894382" y="19203"/>
-            <a:ext cx="10172700" cy="1493517"/>
-          </a:xfrm>
-        </p:spPr>
-        <p:txBody>
-          <a:bodyPr/>
-          <a:lstStyle/>
-          <a:p>
-            <a:r>
-              <a:rPr lang="en-US" dirty="0" smtClean="0"/>
-              <a:t>Commonly used String methods</a:t>
-            </a:r>
-            <a:endParaRPr lang="en-US" dirty="0"/>
-          </a:p>
-        </p:txBody>
-      </p:sp>
-      <p:sp>
-        <p:nvSpPr>
-          <p:cNvPr id="7" name="Content Placeholder 2"/>
-          <p:cNvSpPr>
-            <a:spLocks noGrp="1"/>
-          </p:cNvSpPr>
-          <p:nvPr>
-            <p:ph idx="1"/>
-          </p:nvPr>
-        </p:nvSpPr>
-        <p:spPr>
-          <a:xfrm>
-            <a:off x="276545" y="1512720"/>
-            <a:ext cx="11647725" cy="4640945"/>
-          </a:xfrm>
-          <a:solidFill>
-            <a:schemeClr val="bg2"/>
-          </a:solidFill>
-          <a:ln w="76200">
-            <a:solidFill>
-              <a:schemeClr val="tx2"/>
-            </a:solidFill>
-          </a:ln>
-        </p:spPr>
-        <p:txBody>
-          <a:bodyPr>
-            <a:normAutofit lnSpcReduction="10000"/>
-          </a:bodyPr>
-          <a:lstStyle/>
-          <a:p>
-            <a:pPr marL="0" marR="0" lvl="0" indent="0" defTabSz="914400" eaLnBrk="1" fontAlgn="auto" latinLnBrk="0" hangingPunct="1">
-              <a:lnSpc>
-                <a:spcPct val="100000"/>
-              </a:lnSpc>
-              <a:spcBef>
-                <a:spcPts val="0"/>
-              </a:spcBef>
-              <a:spcAft>
-                <a:spcPts val="0"/>
-              </a:spcAft>
-              <a:buClrTx/>
-              <a:buSzTx/>
-              <a:buFontTx/>
-              <a:buNone/>
-              <a:tabLst/>
-              <a:defRPr/>
-            </a:pPr>
-            <a:r>
-              <a:rPr lang="en-US" sz="3600" b="0" cap="none" dirty="0" smtClean="0">
-                <a:solidFill>
-                  <a:schemeClr val="accent1"/>
-                </a:solidFill>
-              </a:rPr>
-              <a:t>//checks is s is equal to s2</a:t>
-            </a:r>
-          </a:p>
-          <a:p>
-            <a:pPr marL="0" marR="0" lvl="0" indent="0" defTabSz="914400" eaLnBrk="1" fontAlgn="auto" latinLnBrk="0" hangingPunct="1">
-              <a:lnSpc>
-                <a:spcPct val="100000"/>
-              </a:lnSpc>
-              <a:spcBef>
-                <a:spcPts val="0"/>
-              </a:spcBef>
-              <a:spcAft>
-                <a:spcPts val="0"/>
-              </a:spcAft>
-              <a:buClrTx/>
-              <a:buSzTx/>
-              <a:buFontTx/>
-              <a:buNone/>
-              <a:tabLst/>
-              <a:defRPr/>
-            </a:pPr>
-            <a:r>
-              <a:rPr lang="en-US" sz="3600" b="0" cap="none" dirty="0" err="1" smtClean="0">
-                <a:solidFill>
-                  <a:schemeClr val="accent3"/>
-                </a:solidFill>
-              </a:rPr>
-              <a:t>boolean</a:t>
-            </a:r>
-            <a:r>
-              <a:rPr lang="en-US" sz="3600" b="0" cap="none" dirty="0" smtClean="0">
-                <a:solidFill>
-                  <a:schemeClr val="accent3"/>
-                </a:solidFill>
-              </a:rPr>
-              <a:t> match = </a:t>
-            </a:r>
-            <a:r>
-              <a:rPr lang="en-US" sz="3600" b="0" cap="none" dirty="0" err="1" smtClean="0">
-                <a:solidFill>
-                  <a:schemeClr val="accent3"/>
-                </a:solidFill>
-              </a:rPr>
-              <a:t>s.equals</a:t>
-            </a:r>
-            <a:r>
-              <a:rPr lang="en-US" sz="3600" b="0" cap="none" dirty="0" smtClean="0">
-                <a:solidFill>
-                  <a:schemeClr val="accent3"/>
-                </a:solidFill>
-              </a:rPr>
-              <a:t>(s2);</a:t>
-            </a:r>
-          </a:p>
-          <a:p>
-            <a:pPr marL="0" marR="0" lvl="0" indent="0" defTabSz="914400" eaLnBrk="1" fontAlgn="auto" latinLnBrk="0" hangingPunct="1">
-              <a:lnSpc>
-                <a:spcPct val="100000"/>
-              </a:lnSpc>
-              <a:spcBef>
-                <a:spcPts val="0"/>
-              </a:spcBef>
-              <a:spcAft>
-                <a:spcPts val="0"/>
-              </a:spcAft>
-              <a:buClrTx/>
-              <a:buSzTx/>
-              <a:buFontTx/>
-              <a:buNone/>
-              <a:tabLst/>
-              <a:defRPr/>
-            </a:pPr>
-            <a:r>
-              <a:rPr lang="en-US" sz="3600" b="0" cap="none" dirty="0" smtClean="0">
-                <a:solidFill>
-                  <a:schemeClr val="accent1"/>
-                </a:solidFill>
-              </a:rPr>
-              <a:t>//checks if s is equal to s2 regardless of capitalization</a:t>
-            </a:r>
-          </a:p>
-          <a:p>
-            <a:pPr marL="0" marR="0" lvl="0" indent="0" defTabSz="914400" eaLnBrk="1" fontAlgn="auto" latinLnBrk="0" hangingPunct="1">
-              <a:lnSpc>
-                <a:spcPct val="100000"/>
-              </a:lnSpc>
-              <a:spcBef>
-                <a:spcPts val="0"/>
-              </a:spcBef>
-              <a:spcAft>
-                <a:spcPts val="0"/>
-              </a:spcAft>
-              <a:buClrTx/>
-              <a:buSzTx/>
-              <a:buFontTx/>
-              <a:buNone/>
-              <a:tabLst/>
-              <a:defRPr/>
-            </a:pPr>
-            <a:r>
-              <a:rPr lang="en-US" sz="3600" b="0" cap="none" dirty="0" err="1">
-                <a:solidFill>
-                  <a:schemeClr val="accent3"/>
-                </a:solidFill>
-              </a:rPr>
-              <a:t>b</a:t>
-            </a:r>
-            <a:r>
-              <a:rPr lang="en-US" sz="3600" b="0" cap="none" dirty="0" err="1" smtClean="0">
-                <a:solidFill>
-                  <a:schemeClr val="accent3"/>
-                </a:solidFill>
-              </a:rPr>
-              <a:t>oolean</a:t>
-            </a:r>
-            <a:r>
-              <a:rPr lang="en-US" sz="3600" b="0" cap="none" dirty="0" smtClean="0">
-                <a:solidFill>
-                  <a:schemeClr val="accent3"/>
-                </a:solidFill>
-              </a:rPr>
-              <a:t> match = </a:t>
-            </a:r>
-            <a:r>
-              <a:rPr lang="en-US" sz="3600" b="0" cap="none" dirty="0" err="1" smtClean="0">
-                <a:solidFill>
-                  <a:schemeClr val="accent3"/>
-                </a:solidFill>
-              </a:rPr>
-              <a:t>s.equalsIgnoreCase</a:t>
-            </a:r>
-            <a:r>
-              <a:rPr lang="en-US" sz="3600" b="0" cap="none" dirty="0" smtClean="0">
-                <a:solidFill>
-                  <a:schemeClr val="accent3"/>
-                </a:solidFill>
-              </a:rPr>
-              <a:t>(s2);</a:t>
-            </a:r>
-          </a:p>
-          <a:p>
-            <a:pPr marL="0" marR="0" lvl="0" indent="0" defTabSz="914400" eaLnBrk="1" fontAlgn="auto" latinLnBrk="0" hangingPunct="1">
-              <a:lnSpc>
-                <a:spcPct val="100000"/>
-              </a:lnSpc>
-              <a:spcBef>
-                <a:spcPts val="0"/>
-              </a:spcBef>
-              <a:spcAft>
-                <a:spcPts val="0"/>
-              </a:spcAft>
-              <a:buClrTx/>
-              <a:buSzTx/>
-              <a:buFontTx/>
-              <a:buNone/>
-              <a:tabLst/>
-              <a:defRPr/>
-            </a:pPr>
-            <a:r>
-              <a:rPr lang="en-US" sz="3600" b="0" cap="none" dirty="0" smtClean="0">
-                <a:solidFill>
-                  <a:schemeClr val="accent1"/>
-                </a:solidFill>
-              </a:rPr>
-              <a:t>//tells you if it’s alphabetically before</a:t>
-            </a:r>
-          </a:p>
-          <a:p>
-            <a:pPr marL="0" marR="0" lvl="0" indent="0" defTabSz="914400" eaLnBrk="1" fontAlgn="auto" latinLnBrk="0" hangingPunct="1">
-              <a:lnSpc>
-                <a:spcPct val="100000"/>
-              </a:lnSpc>
-              <a:spcBef>
-                <a:spcPts val="0"/>
-              </a:spcBef>
-              <a:spcAft>
-                <a:spcPts val="0"/>
-              </a:spcAft>
-              <a:buClrTx/>
-              <a:buSzTx/>
-              <a:buFontTx/>
-              <a:buNone/>
-              <a:tabLst/>
-              <a:defRPr/>
-            </a:pPr>
-            <a:r>
-              <a:rPr lang="en-US" sz="3600" b="0" cap="none" dirty="0" err="1" smtClean="0">
-                <a:solidFill>
-                  <a:schemeClr val="accent3"/>
-                </a:solidFill>
-              </a:rPr>
-              <a:t>int</a:t>
-            </a:r>
-            <a:r>
-              <a:rPr lang="en-US" sz="3600" b="0" cap="none" dirty="0" smtClean="0">
-                <a:solidFill>
-                  <a:schemeClr val="accent3"/>
-                </a:solidFill>
-              </a:rPr>
-              <a:t> result = </a:t>
-            </a:r>
-            <a:r>
-              <a:rPr lang="en-US" sz="3600" b="0" cap="none" dirty="0" err="1" smtClean="0">
-                <a:solidFill>
-                  <a:schemeClr val="accent3"/>
-                </a:solidFill>
-              </a:rPr>
-              <a:t>s.compareTo</a:t>
-            </a:r>
-            <a:r>
-              <a:rPr lang="en-US" sz="3600" b="0" cap="none" dirty="0" smtClean="0">
-                <a:solidFill>
-                  <a:schemeClr val="accent3"/>
-                </a:solidFill>
-              </a:rPr>
-              <a:t>(s2);</a:t>
-            </a:r>
-          </a:p>
-          <a:p>
-            <a:pPr marL="0" marR="0" lvl="0" indent="0" defTabSz="914400" eaLnBrk="1" fontAlgn="auto" latinLnBrk="0" hangingPunct="1">
-              <a:lnSpc>
-                <a:spcPct val="100000"/>
-              </a:lnSpc>
-              <a:spcBef>
-                <a:spcPts val="0"/>
-              </a:spcBef>
-              <a:spcAft>
-                <a:spcPts val="0"/>
-              </a:spcAft>
-              <a:buClrTx/>
-              <a:buSzTx/>
-              <a:buFontTx/>
-              <a:buNone/>
-              <a:tabLst/>
-              <a:defRPr/>
-            </a:pPr>
-            <a:r>
-              <a:rPr lang="en-US" sz="3600" b="0" cap="none" dirty="0" smtClean="0">
-                <a:solidFill>
-                  <a:schemeClr val="accent1"/>
-                </a:solidFill>
-              </a:rPr>
-              <a:t>//tells you if it’s alphabetically before disregarding capitalization</a:t>
-            </a:r>
-          </a:p>
-          <a:p>
-            <a:pPr>
-              <a:spcBef>
-                <a:spcPts val="0"/>
-              </a:spcBef>
-              <a:buClrTx/>
-              <a:defRPr/>
-            </a:pPr>
-            <a:r>
-              <a:rPr lang="en-US" sz="3600" b="0" cap="none" dirty="0" err="1" smtClean="0">
-                <a:solidFill>
-                  <a:schemeClr val="accent3"/>
-                </a:solidFill>
-              </a:rPr>
-              <a:t>int</a:t>
-            </a:r>
-            <a:r>
-              <a:rPr lang="en-US" sz="3600" b="0" cap="none" dirty="0" smtClean="0">
-                <a:solidFill>
-                  <a:schemeClr val="accent3"/>
-                </a:solidFill>
-              </a:rPr>
-              <a:t> result = </a:t>
-            </a:r>
-            <a:r>
-              <a:rPr lang="en-US" sz="3600" b="0" cap="none" dirty="0" err="1" smtClean="0">
-                <a:solidFill>
-                  <a:schemeClr val="accent3"/>
-                </a:solidFill>
-              </a:rPr>
-              <a:t>s.compareToIgnoreCase</a:t>
-            </a:r>
-            <a:r>
-              <a:rPr lang="en-US" sz="3600" b="0" cap="none" dirty="0" smtClean="0">
-                <a:solidFill>
-                  <a:schemeClr val="accent3"/>
-                </a:solidFill>
-              </a:rPr>
-              <a:t>(s2);</a:t>
-            </a:r>
-          </a:p>
-        </p:txBody>
-      </p:sp>
-      <p:sp>
-        <p:nvSpPr>
-          <p:cNvPr id="10" name="5-Point Star 9"/>
-          <p:cNvSpPr/>
-          <p:nvPr/>
-        </p:nvSpPr>
-        <p:spPr>
-          <a:xfrm>
-            <a:off x="10780228" y="84411"/>
-            <a:ext cx="933977" cy="838097"/>
-          </a:xfrm>
-          <a:prstGeom prst="star5">
-            <a:avLst/>
-          </a:prstGeom>
-          <a:solidFill>
-            <a:schemeClr val="accent1"/>
-          </a:solidFill>
-          <a:ln>
-            <a:solidFill>
-              <a:schemeClr val="tx2"/>
-            </a:solidFill>
-          </a:ln>
-        </p:spPr>
-        <p:style>
-          <a:lnRef idx="2">
-            <a:schemeClr val="accent1">
-              <a:shade val="50000"/>
-            </a:schemeClr>
-          </a:lnRef>
-          <a:fillRef idx="1">
-            <a:schemeClr val="accent1"/>
-          </a:fillRef>
-          <a:effectRef idx="0">
-            <a:schemeClr val="accent1"/>
-          </a:effectRef>
-          <a:fontRef idx="minor">
-            <a:schemeClr val="lt1"/>
-          </a:fontRef>
-        </p:style>
-        <p:txBody>
-          <a:bodyPr rtlCol="0" anchor="ctr"/>
-          <a:lstStyle/>
-          <a:p>
-            <a:pPr algn="ctr"/>
-            <a:endParaRPr lang="en-US"/>
-          </a:p>
-        </p:txBody>
-      </p:sp>
-    </p:spTree>
-    <p:extLst>
-      <p:ext uri="{BB962C8B-B14F-4D97-AF65-F5344CB8AC3E}">
-        <p14:creationId xmlns:p14="http://schemas.microsoft.com/office/powerpoint/2010/main" val="979066352"/>
-      </p:ext>
-    </p:extLst>
-  </p:cSld>
-  <p:clrMapOvr>
-    <a:masterClrMapping/>
-  </p:clrMapOvr>
-</p:sld>
-</file>
-
-<file path=ppt/slides/slide5.xml><?xml version="1.0" encoding="utf-8"?>
-<p:sld xmlns:a="http://schemas.openxmlformats.org/drawingml/2006/main" xmlns:r="http://schemas.openxmlformats.org/officeDocument/2006/relationships" xmlns:p="http://schemas.openxmlformats.org/presentationml/2006/main">
-  <p:cSld>
-    <p:spTree>
-      <p:nvGrpSpPr>
-        <p:cNvPr id="1" name=""/>
-        <p:cNvGrpSpPr/>
-        <p:nvPr/>
-      </p:nvGrpSpPr>
-      <p:grpSpPr>
-        <a:xfrm>
-          <a:off x="0" y="0"/>
-          <a:ext cx="0" cy="0"/>
-          <a:chOff x="0" y="0"/>
-          <a:chExt cx="0" cy="0"/>
-        </a:xfrm>
-      </p:grpSpPr>
-      <p:sp>
-        <p:nvSpPr>
-          <p:cNvPr id="2" name="Title 1"/>
-          <p:cNvSpPr>
-            <a:spLocks noGrp="1"/>
-          </p:cNvSpPr>
-          <p:nvPr>
-            <p:ph type="title"/>
-          </p:nvPr>
-        </p:nvSpPr>
-        <p:spPr>
-          <a:xfrm>
-            <a:off x="978593" y="266340"/>
-            <a:ext cx="10172700" cy="1493517"/>
-          </a:xfrm>
-        </p:spPr>
-        <p:txBody>
-          <a:bodyPr/>
-          <a:lstStyle/>
-          <a:p>
-            <a:r>
-              <a:rPr lang="en-US" dirty="0" smtClean="0"/>
-              <a:t>Commonly used String methods</a:t>
-            </a:r>
-            <a:endParaRPr lang="en-US" dirty="0"/>
-          </a:p>
-        </p:txBody>
-      </p:sp>
-      <p:sp>
-        <p:nvSpPr>
-          <p:cNvPr id="7" name="Content Placeholder 2"/>
-          <p:cNvSpPr>
-            <a:spLocks noGrp="1"/>
-          </p:cNvSpPr>
-          <p:nvPr>
-            <p:ph idx="1"/>
-          </p:nvPr>
-        </p:nvSpPr>
-        <p:spPr>
-          <a:xfrm>
-            <a:off x="978593" y="1309816"/>
-            <a:ext cx="10720969" cy="5090982"/>
-          </a:xfrm>
-          <a:solidFill>
-            <a:schemeClr val="bg2"/>
-          </a:solidFill>
-          <a:ln w="76200">
-            <a:solidFill>
-              <a:schemeClr val="tx2"/>
-            </a:solidFill>
-          </a:ln>
-        </p:spPr>
-        <p:txBody>
-          <a:bodyPr>
-            <a:normAutofit/>
-          </a:bodyPr>
-          <a:lstStyle/>
-          <a:p>
-            <a:pPr marL="0" marR="0" lvl="0" indent="0" defTabSz="914400" eaLnBrk="1" fontAlgn="auto" latinLnBrk="0" hangingPunct="1">
-              <a:lnSpc>
-                <a:spcPct val="100000"/>
-              </a:lnSpc>
-              <a:spcBef>
-                <a:spcPts val="0"/>
-              </a:spcBef>
-              <a:spcAft>
-                <a:spcPts val="0"/>
-              </a:spcAft>
-              <a:buClrTx/>
-              <a:buSzTx/>
-              <a:buFontTx/>
-              <a:buNone/>
-              <a:tabLst/>
-              <a:defRPr/>
-            </a:pPr>
-            <a:r>
-              <a:rPr lang="en-US" sz="3600" b="0" cap="none" dirty="0" smtClean="0">
-                <a:solidFill>
-                  <a:schemeClr val="accent1"/>
-                </a:solidFill>
-              </a:rPr>
-              <a:t>//sets n to the length of the String</a:t>
-            </a:r>
-          </a:p>
-          <a:p>
-            <a:pPr marL="0" marR="0" lvl="0" indent="0" defTabSz="914400" eaLnBrk="1" fontAlgn="auto" latinLnBrk="0" hangingPunct="1">
-              <a:lnSpc>
-                <a:spcPct val="100000"/>
-              </a:lnSpc>
-              <a:spcBef>
-                <a:spcPts val="0"/>
-              </a:spcBef>
-              <a:spcAft>
-                <a:spcPts val="0"/>
-              </a:spcAft>
-              <a:buClrTx/>
-              <a:buSzTx/>
-              <a:buFontTx/>
-              <a:buNone/>
-              <a:tabLst/>
-              <a:defRPr/>
-            </a:pPr>
-            <a:r>
-              <a:rPr lang="en-US" sz="3600" b="0" cap="none" dirty="0" err="1" smtClean="0">
-                <a:solidFill>
-                  <a:schemeClr val="accent3"/>
-                </a:solidFill>
-              </a:rPr>
-              <a:t>int</a:t>
-            </a:r>
-            <a:r>
-              <a:rPr lang="en-US" sz="3600" b="0" cap="none" dirty="0" smtClean="0">
-                <a:solidFill>
-                  <a:schemeClr val="accent3"/>
-                </a:solidFill>
-              </a:rPr>
-              <a:t> n </a:t>
-            </a:r>
-            <a:r>
-              <a:rPr lang="en-US" sz="3600" b="0" cap="none" dirty="0">
-                <a:solidFill>
-                  <a:schemeClr val="accent3"/>
-                </a:solidFill>
-              </a:rPr>
-              <a:t>=</a:t>
-            </a:r>
-            <a:r>
-              <a:rPr lang="en-US" sz="3600" b="0" cap="none" dirty="0" smtClean="0">
-                <a:solidFill>
-                  <a:schemeClr val="accent3"/>
-                </a:solidFill>
-              </a:rPr>
-              <a:t> </a:t>
-            </a:r>
-            <a:r>
-              <a:rPr lang="en-US" sz="3600" b="0" cap="none" dirty="0" err="1" smtClean="0">
-                <a:solidFill>
-                  <a:schemeClr val="accent3"/>
-                </a:solidFill>
-              </a:rPr>
-              <a:t>s.length</a:t>
-            </a:r>
-            <a:r>
-              <a:rPr lang="en-US" sz="3600" b="0" cap="none" dirty="0" smtClean="0">
-                <a:solidFill>
-                  <a:schemeClr val="accent3"/>
-                </a:solidFill>
-              </a:rPr>
-              <a:t>()</a:t>
-            </a:r>
-          </a:p>
-          <a:p>
-            <a:pPr marL="0" marR="0" lvl="0" indent="0" defTabSz="914400" eaLnBrk="1" fontAlgn="auto" latinLnBrk="0" hangingPunct="1">
-              <a:lnSpc>
-                <a:spcPct val="100000"/>
-              </a:lnSpc>
-              <a:spcBef>
-                <a:spcPts val="0"/>
-              </a:spcBef>
-              <a:spcAft>
-                <a:spcPts val="0"/>
-              </a:spcAft>
-              <a:buClrTx/>
-              <a:buSzTx/>
-              <a:buFontTx/>
-              <a:buNone/>
-              <a:tabLst/>
-              <a:defRPr/>
-            </a:pPr>
-            <a:r>
-              <a:rPr lang="en-US" sz="3600" b="0" cap="none" dirty="0" smtClean="0">
-                <a:solidFill>
-                  <a:schemeClr val="accent1"/>
-                </a:solidFill>
-              </a:rPr>
-              <a:t>//returns the position of the char </a:t>
-            </a:r>
-            <a:r>
-              <a:rPr lang="en-US" sz="3600" b="0" cap="none" dirty="0" err="1" smtClean="0">
-                <a:solidFill>
-                  <a:schemeClr val="accent1"/>
-                </a:solidFill>
-              </a:rPr>
-              <a:t>pos</a:t>
-            </a:r>
-            <a:endParaRPr lang="en-US" sz="3600" b="0" cap="none" dirty="0" smtClean="0">
-              <a:solidFill>
-                <a:schemeClr val="accent1"/>
-              </a:solidFill>
-            </a:endParaRPr>
-          </a:p>
-          <a:p>
-            <a:pPr marL="0" marR="0" lvl="0" indent="0" defTabSz="914400" eaLnBrk="1" fontAlgn="auto" latinLnBrk="0" hangingPunct="1">
-              <a:lnSpc>
-                <a:spcPct val="100000"/>
-              </a:lnSpc>
-              <a:spcBef>
-                <a:spcPts val="0"/>
-              </a:spcBef>
-              <a:spcAft>
-                <a:spcPts val="0"/>
-              </a:spcAft>
-              <a:buClrTx/>
-              <a:buSzTx/>
-              <a:buFontTx/>
-              <a:buNone/>
-              <a:tabLst/>
-              <a:defRPr/>
-            </a:pPr>
-            <a:r>
-              <a:rPr lang="en-US" sz="3600" b="0" cap="none" dirty="0" smtClean="0">
-                <a:solidFill>
-                  <a:schemeClr val="accent3"/>
-                </a:solidFill>
-              </a:rPr>
-              <a:t>char </a:t>
-            </a:r>
-            <a:r>
-              <a:rPr lang="en-US" sz="3600" b="0" cap="none" dirty="0" err="1" smtClean="0">
-                <a:solidFill>
-                  <a:schemeClr val="accent3"/>
-                </a:solidFill>
-              </a:rPr>
-              <a:t>ch</a:t>
-            </a:r>
-            <a:r>
-              <a:rPr lang="en-US" sz="3600" b="0" cap="none" dirty="0" smtClean="0">
-                <a:solidFill>
-                  <a:schemeClr val="accent3"/>
-                </a:solidFill>
-              </a:rPr>
-              <a:t> = </a:t>
-            </a:r>
-            <a:r>
-              <a:rPr lang="en-US" sz="3600" b="0" cap="none" dirty="0" err="1" smtClean="0">
-                <a:solidFill>
-                  <a:schemeClr val="accent3"/>
-                </a:solidFill>
-              </a:rPr>
-              <a:t>s.charAt</a:t>
-            </a:r>
-            <a:r>
-              <a:rPr lang="en-US" sz="3600" b="0" cap="none" dirty="0" smtClean="0">
-                <a:solidFill>
-                  <a:schemeClr val="accent3"/>
-                </a:solidFill>
-              </a:rPr>
-              <a:t>(</a:t>
-            </a:r>
-            <a:r>
-              <a:rPr lang="en-US" sz="3600" b="0" cap="none" dirty="0" err="1" smtClean="0">
-                <a:solidFill>
-                  <a:schemeClr val="accent3"/>
-                </a:solidFill>
-              </a:rPr>
-              <a:t>pos</a:t>
-            </a:r>
-            <a:r>
-              <a:rPr lang="en-US" sz="3600" b="0" cap="none" dirty="0" smtClean="0">
-                <a:solidFill>
-                  <a:schemeClr val="accent3"/>
-                </a:solidFill>
-              </a:rPr>
-              <a:t>);</a:t>
-            </a:r>
-          </a:p>
-          <a:p>
-            <a:pPr marL="0" marR="0" lvl="0" indent="0" defTabSz="914400" eaLnBrk="1" fontAlgn="auto" latinLnBrk="0" hangingPunct="1">
-              <a:lnSpc>
-                <a:spcPct val="100000"/>
-              </a:lnSpc>
-              <a:spcBef>
-                <a:spcPts val="0"/>
-              </a:spcBef>
-              <a:spcAft>
-                <a:spcPts val="0"/>
-              </a:spcAft>
-              <a:buClrTx/>
-              <a:buSzTx/>
-              <a:buFontTx/>
-              <a:buNone/>
-              <a:tabLst/>
-              <a:defRPr/>
-            </a:pPr>
-            <a:r>
-              <a:rPr lang="en-US" sz="3600" b="0" cap="none" dirty="0" smtClean="0">
-                <a:solidFill>
-                  <a:schemeClr val="accent1"/>
-                </a:solidFill>
-              </a:rPr>
-              <a:t>//returns a String from between these two indices</a:t>
-            </a:r>
-          </a:p>
-          <a:p>
-            <a:pPr marL="0" marR="0" lvl="0" indent="0" defTabSz="914400" eaLnBrk="1" fontAlgn="auto" latinLnBrk="0" hangingPunct="1">
-              <a:lnSpc>
-                <a:spcPct val="100000"/>
-              </a:lnSpc>
-              <a:spcBef>
-                <a:spcPts val="0"/>
-              </a:spcBef>
-              <a:spcAft>
-                <a:spcPts val="0"/>
-              </a:spcAft>
-              <a:buClrTx/>
-              <a:buSzTx/>
-              <a:buFontTx/>
-              <a:buNone/>
-              <a:tabLst/>
-              <a:defRPr/>
-            </a:pPr>
-            <a:r>
-              <a:rPr lang="en-US" sz="3600" b="0" cap="none" dirty="0" smtClean="0">
-                <a:solidFill>
-                  <a:schemeClr val="accent3"/>
-                </a:solidFill>
-              </a:rPr>
-              <a:t>String s2 = </a:t>
-            </a:r>
-            <a:r>
-              <a:rPr lang="en-US" sz="3600" b="0" cap="none" dirty="0" err="1" smtClean="0">
-                <a:solidFill>
-                  <a:schemeClr val="accent3"/>
-                </a:solidFill>
-              </a:rPr>
-              <a:t>s.substring</a:t>
-            </a:r>
-            <a:r>
-              <a:rPr lang="en-US" sz="3600" b="0" cap="none" dirty="0" smtClean="0">
-                <a:solidFill>
-                  <a:schemeClr val="accent3"/>
-                </a:solidFill>
-              </a:rPr>
-              <a:t>(</a:t>
-            </a:r>
-            <a:r>
-              <a:rPr lang="en-US" sz="3600" b="0" cap="none" dirty="0" err="1" smtClean="0">
-                <a:solidFill>
-                  <a:schemeClr val="accent3"/>
-                </a:solidFill>
-              </a:rPr>
-              <a:t>fromPos</a:t>
-            </a:r>
-            <a:r>
-              <a:rPr lang="en-US" sz="3600" b="0" cap="none" dirty="0" smtClean="0">
-                <a:solidFill>
-                  <a:schemeClr val="accent3"/>
-                </a:solidFill>
-              </a:rPr>
-              <a:t>);</a:t>
-            </a:r>
-          </a:p>
-          <a:p>
-            <a:pPr marL="0" marR="0" lvl="0" indent="0" defTabSz="914400" eaLnBrk="1" fontAlgn="auto" latinLnBrk="0" hangingPunct="1">
-              <a:lnSpc>
-                <a:spcPct val="100000"/>
-              </a:lnSpc>
-              <a:spcBef>
-                <a:spcPts val="0"/>
-              </a:spcBef>
-              <a:spcAft>
-                <a:spcPts val="0"/>
-              </a:spcAft>
-              <a:buClrTx/>
-              <a:buSzTx/>
-              <a:buFontTx/>
-              <a:buNone/>
-              <a:tabLst/>
-              <a:defRPr/>
-            </a:pPr>
-            <a:r>
-              <a:rPr lang="en-US" sz="3600" b="0" cap="none" dirty="0" smtClean="0">
-                <a:solidFill>
-                  <a:schemeClr val="accent3"/>
-                </a:solidFill>
-              </a:rPr>
-              <a:t>String s2 = </a:t>
-            </a:r>
-            <a:r>
-              <a:rPr lang="en-US" sz="3600" b="0" cap="none" dirty="0" err="1" smtClean="0">
-                <a:solidFill>
-                  <a:schemeClr val="accent3"/>
-                </a:solidFill>
-              </a:rPr>
-              <a:t>s.substring</a:t>
-            </a:r>
-            <a:r>
-              <a:rPr lang="en-US" sz="3600" b="0" cap="none" dirty="0" smtClean="0">
-                <a:solidFill>
-                  <a:schemeClr val="accent3"/>
-                </a:solidFill>
-              </a:rPr>
-              <a:t>(</a:t>
-            </a:r>
-            <a:r>
-              <a:rPr lang="en-US" sz="3600" b="0" cap="none" dirty="0" err="1" smtClean="0">
-                <a:solidFill>
-                  <a:schemeClr val="accent3"/>
-                </a:solidFill>
-              </a:rPr>
-              <a:t>fromPos</a:t>
-            </a:r>
-            <a:r>
-              <a:rPr lang="en-US" sz="3600" b="0" cap="none" dirty="0" smtClean="0">
-                <a:solidFill>
-                  <a:schemeClr val="accent3"/>
-                </a:solidFill>
-              </a:rPr>
-              <a:t>, </a:t>
-            </a:r>
-            <a:r>
-              <a:rPr lang="en-US" sz="3600" b="0" cap="none" dirty="0" err="1" smtClean="0">
-                <a:solidFill>
-                  <a:schemeClr val="accent3"/>
-                </a:solidFill>
-              </a:rPr>
-              <a:t>toPos</a:t>
-            </a:r>
-            <a:r>
-              <a:rPr lang="en-US" sz="3600" b="0" cap="none" dirty="0" smtClean="0">
-                <a:solidFill>
-                  <a:schemeClr val="accent3"/>
-                </a:solidFill>
-              </a:rPr>
-              <a:t>);</a:t>
-            </a:r>
-          </a:p>
-          <a:p>
-            <a:pPr marL="0" marR="0" lvl="0" indent="0" defTabSz="914400" eaLnBrk="1" fontAlgn="auto" latinLnBrk="0" hangingPunct="1">
-              <a:lnSpc>
-                <a:spcPct val="100000"/>
-              </a:lnSpc>
-              <a:spcBef>
-                <a:spcPts val="0"/>
-              </a:spcBef>
-              <a:spcAft>
-                <a:spcPts val="0"/>
-              </a:spcAft>
-              <a:buClrTx/>
-              <a:buSzTx/>
-              <a:buFontTx/>
-              <a:buNone/>
-              <a:tabLst/>
-              <a:defRPr/>
-            </a:pPr>
-            <a:r>
-              <a:rPr lang="en-US" sz="3600" b="0" cap="none" dirty="0" smtClean="0">
-                <a:solidFill>
-                  <a:schemeClr val="accent1"/>
-                </a:solidFill>
-              </a:rPr>
-              <a:t>//works same way as the +</a:t>
-            </a:r>
-          </a:p>
-          <a:p>
-            <a:pPr marL="0" marR="0" lvl="0" indent="0" defTabSz="914400" eaLnBrk="1" fontAlgn="auto" latinLnBrk="0" hangingPunct="1">
-              <a:lnSpc>
-                <a:spcPct val="100000"/>
-              </a:lnSpc>
-              <a:spcBef>
-                <a:spcPts val="0"/>
-              </a:spcBef>
-              <a:spcAft>
-                <a:spcPts val="0"/>
-              </a:spcAft>
-              <a:buClrTx/>
-              <a:buSzTx/>
-              <a:buFontTx/>
-              <a:buNone/>
-              <a:tabLst/>
-              <a:defRPr/>
-            </a:pPr>
-            <a:r>
-              <a:rPr lang="en-US" sz="3600" b="0" cap="none" dirty="0" smtClean="0">
-                <a:solidFill>
-                  <a:schemeClr val="accent3"/>
-                </a:solidFill>
-              </a:rPr>
-              <a:t>String s2 = </a:t>
-            </a:r>
-            <a:r>
-              <a:rPr lang="en-US" sz="3600" b="0" cap="none" dirty="0" err="1" smtClean="0">
-                <a:solidFill>
-                  <a:schemeClr val="accent3"/>
-                </a:solidFill>
-              </a:rPr>
-              <a:t>s.concat</a:t>
-            </a:r>
-            <a:r>
-              <a:rPr lang="en-US" sz="3600" b="0" cap="none" dirty="0" smtClean="0">
-                <a:solidFill>
-                  <a:schemeClr val="accent3"/>
-                </a:solidFill>
-              </a:rPr>
-              <a:t>(</a:t>
-            </a:r>
-            <a:r>
-              <a:rPr lang="en-US" sz="3600" b="0" cap="none" dirty="0" err="1" smtClean="0">
-                <a:solidFill>
-                  <a:schemeClr val="accent3"/>
-                </a:solidFill>
-              </a:rPr>
-              <a:t>str</a:t>
-            </a:r>
-            <a:r>
-              <a:rPr lang="en-US" sz="3600" b="0" cap="none" dirty="0" smtClean="0">
-                <a:solidFill>
-                  <a:schemeClr val="accent3"/>
-                </a:solidFill>
-              </a:rPr>
-              <a:t>);</a:t>
-            </a:r>
-          </a:p>
-        </p:txBody>
-      </p:sp>
-      <p:sp>
-        <p:nvSpPr>
-          <p:cNvPr id="4" name="5-Point Star 3"/>
-          <p:cNvSpPr/>
-          <p:nvPr/>
-        </p:nvSpPr>
-        <p:spPr>
-          <a:xfrm>
-            <a:off x="10780228" y="84411"/>
-            <a:ext cx="933977" cy="838097"/>
-          </a:xfrm>
-          <a:prstGeom prst="star5">
-            <a:avLst/>
-          </a:prstGeom>
-          <a:solidFill>
-            <a:schemeClr val="accent1"/>
-          </a:solidFill>
-          <a:ln>
-            <a:solidFill>
-              <a:schemeClr val="tx2"/>
-            </a:solidFill>
-          </a:ln>
-        </p:spPr>
-        <p:style>
-          <a:lnRef idx="2">
-            <a:schemeClr val="accent1">
-              <a:shade val="50000"/>
-            </a:schemeClr>
-          </a:lnRef>
-          <a:fillRef idx="1">
-            <a:schemeClr val="accent1"/>
-          </a:fillRef>
-          <a:effectRef idx="0">
-            <a:schemeClr val="accent1"/>
-          </a:effectRef>
-          <a:fontRef idx="minor">
-            <a:schemeClr val="lt1"/>
-          </a:fontRef>
-        </p:style>
-        <p:txBody>
-          <a:bodyPr rtlCol="0" anchor="ctr"/>
-          <a:lstStyle/>
-          <a:p>
-            <a:pPr algn="ctr"/>
-            <a:endParaRPr lang="en-US"/>
-          </a:p>
-        </p:txBody>
-      </p:sp>
-    </p:spTree>
-    <p:extLst>
-      <p:ext uri="{BB962C8B-B14F-4D97-AF65-F5344CB8AC3E}">
-        <p14:creationId xmlns:p14="http://schemas.microsoft.com/office/powerpoint/2010/main" val="521877425"/>
-      </p:ext>
-    </p:extLst>
-  </p:cSld>
-  <p:clrMapOvr>
-    <a:masterClrMapping/>
-  </p:clrMapOvr>
-</p:sld>
-</file>
-
-<file path=ppt/slides/slide6.xml><?xml version="1.0" encoding="utf-8"?>
-<p:sld xmlns:a="http://schemas.openxmlformats.org/drawingml/2006/main" xmlns:r="http://schemas.openxmlformats.org/officeDocument/2006/relationships" xmlns:p="http://schemas.openxmlformats.org/presentationml/2006/main">
-  <p:cSld>
-    <p:spTree>
-      <p:nvGrpSpPr>
-        <p:cNvPr id="1" name=""/>
-        <p:cNvGrpSpPr/>
-        <p:nvPr/>
-      </p:nvGrpSpPr>
-      <p:grpSpPr>
-        <a:xfrm>
-          <a:off x="0" y="0"/>
-          <a:ext cx="0" cy="0"/>
-          <a:chOff x="0" y="0"/>
-          <a:chExt cx="0" cy="0"/>
-        </a:xfrm>
-      </p:grpSpPr>
-      <p:sp>
-        <p:nvSpPr>
-          <p:cNvPr id="2" name="Title 1"/>
-          <p:cNvSpPr>
-            <a:spLocks noGrp="1"/>
-          </p:cNvSpPr>
-          <p:nvPr>
-            <p:ph type="title"/>
-          </p:nvPr>
-        </p:nvSpPr>
-        <p:spPr>
-          <a:xfrm>
-            <a:off x="1017950" y="229270"/>
-            <a:ext cx="10172700" cy="1493517"/>
-          </a:xfrm>
-        </p:spPr>
-        <p:txBody>
-          <a:bodyPr/>
-          <a:lstStyle/>
-          <a:p>
-            <a:r>
-              <a:rPr lang="en-US" dirty="0" smtClean="0"/>
-              <a:t>Commonly used String methods</a:t>
-            </a:r>
-            <a:endParaRPr lang="en-US" dirty="0"/>
-          </a:p>
-        </p:txBody>
-      </p:sp>
-      <p:sp>
-        <p:nvSpPr>
-          <p:cNvPr id="7" name="Content Placeholder 2"/>
-          <p:cNvSpPr>
-            <a:spLocks noGrp="1"/>
-          </p:cNvSpPr>
-          <p:nvPr>
-            <p:ph idx="1"/>
-          </p:nvPr>
-        </p:nvSpPr>
-        <p:spPr>
-          <a:xfrm>
-            <a:off x="593125" y="1112109"/>
-            <a:ext cx="11306432" cy="5535827"/>
-          </a:xfrm>
-          <a:solidFill>
-            <a:schemeClr val="bg2"/>
-          </a:solidFill>
-          <a:ln w="76200">
-            <a:solidFill>
-              <a:schemeClr val="tx2"/>
-            </a:solidFill>
-          </a:ln>
-        </p:spPr>
-        <p:txBody>
-          <a:bodyPr>
-            <a:noAutofit/>
-          </a:bodyPr>
-          <a:lstStyle/>
-          <a:p>
-            <a:pPr marL="0" marR="0" lvl="0" indent="0" defTabSz="914400" eaLnBrk="1" fontAlgn="auto" latinLnBrk="0" hangingPunct="1">
-              <a:lnSpc>
-                <a:spcPct val="100000"/>
-              </a:lnSpc>
-              <a:spcBef>
-                <a:spcPts val="0"/>
-              </a:spcBef>
-              <a:spcAft>
-                <a:spcPts val="0"/>
-              </a:spcAft>
-              <a:buClrTx/>
-              <a:buSzTx/>
-              <a:buFontTx/>
-              <a:buNone/>
-              <a:tabLst/>
-              <a:defRPr/>
-            </a:pPr>
-            <a:r>
-              <a:rPr lang="en-US" sz="3600" b="0" cap="none" dirty="0" smtClean="0">
-                <a:solidFill>
-                  <a:schemeClr val="accent1"/>
-                </a:solidFill>
-              </a:rPr>
-              <a:t>//gets first index (a number) of a string or character</a:t>
-            </a:r>
-          </a:p>
-          <a:p>
-            <a:pPr marL="0" marR="0" lvl="0" indent="0" defTabSz="914400" eaLnBrk="1" fontAlgn="auto" latinLnBrk="0" hangingPunct="1">
-              <a:lnSpc>
-                <a:spcPct val="100000"/>
-              </a:lnSpc>
-              <a:spcBef>
-                <a:spcPts val="0"/>
-              </a:spcBef>
-              <a:spcAft>
-                <a:spcPts val="0"/>
-              </a:spcAft>
-              <a:buClrTx/>
-              <a:buSzTx/>
-              <a:buFontTx/>
-              <a:buNone/>
-              <a:tabLst/>
-              <a:defRPr/>
-            </a:pPr>
-            <a:r>
-              <a:rPr lang="en-US" sz="3600" b="0" cap="none" dirty="0" err="1" smtClean="0">
-                <a:solidFill>
-                  <a:schemeClr val="accent3"/>
-                </a:solidFill>
-              </a:rPr>
-              <a:t>int</a:t>
-            </a:r>
-            <a:r>
-              <a:rPr lang="en-US" sz="3600" b="0" cap="none" dirty="0" smtClean="0">
-                <a:solidFill>
-                  <a:schemeClr val="accent3"/>
-                </a:solidFill>
-              </a:rPr>
-              <a:t> k = </a:t>
-            </a:r>
-            <a:r>
-              <a:rPr lang="en-US" sz="3600" b="0" cap="none" dirty="0" err="1" smtClean="0">
-                <a:solidFill>
-                  <a:schemeClr val="accent3"/>
-                </a:solidFill>
-              </a:rPr>
-              <a:t>s.index</a:t>
-            </a:r>
-            <a:r>
-              <a:rPr lang="en-US" sz="3600" b="0" cap="none" dirty="0" err="1">
-                <a:solidFill>
-                  <a:schemeClr val="accent3"/>
-                </a:solidFill>
-              </a:rPr>
-              <a:t>O</a:t>
-            </a:r>
-            <a:r>
-              <a:rPr lang="en-US" sz="3600" b="0" cap="none" dirty="0" err="1" smtClean="0">
-                <a:solidFill>
-                  <a:schemeClr val="accent3"/>
-                </a:solidFill>
-              </a:rPr>
-              <a:t>f</a:t>
-            </a:r>
-            <a:r>
-              <a:rPr lang="en-US" sz="3600" b="0" cap="none" dirty="0" smtClean="0">
-                <a:solidFill>
-                  <a:schemeClr val="accent3"/>
-                </a:solidFill>
-              </a:rPr>
-              <a:t>(</a:t>
-            </a:r>
-            <a:r>
-              <a:rPr lang="en-US" sz="3600" b="0" cap="none" dirty="0" err="1" smtClean="0">
-                <a:solidFill>
-                  <a:schemeClr val="accent3"/>
-                </a:solidFill>
-              </a:rPr>
-              <a:t>ch</a:t>
-            </a:r>
-            <a:r>
-              <a:rPr lang="en-US" sz="3600" b="0" cap="none" dirty="0" smtClean="0">
-                <a:solidFill>
-                  <a:schemeClr val="accent3"/>
-                </a:solidFill>
-              </a:rPr>
-              <a:t>);</a:t>
-            </a:r>
-          </a:p>
-          <a:p>
-            <a:pPr>
-              <a:spcBef>
-                <a:spcPts val="0"/>
-              </a:spcBef>
-              <a:buClrTx/>
-              <a:defRPr/>
-            </a:pPr>
-            <a:r>
-              <a:rPr lang="en-US" sz="3600" b="0" cap="none" dirty="0" err="1">
-                <a:solidFill>
-                  <a:schemeClr val="accent3"/>
-                </a:solidFill>
-              </a:rPr>
-              <a:t>int</a:t>
-            </a:r>
-            <a:r>
-              <a:rPr lang="en-US" sz="3600" b="0" cap="none" dirty="0">
-                <a:solidFill>
-                  <a:schemeClr val="accent3"/>
-                </a:solidFill>
-              </a:rPr>
-              <a:t> k = </a:t>
-            </a:r>
-            <a:r>
-              <a:rPr lang="en-US" sz="3600" b="0" cap="none" dirty="0" err="1" smtClean="0">
-                <a:solidFill>
-                  <a:schemeClr val="accent3"/>
-                </a:solidFill>
-              </a:rPr>
-              <a:t>s.indexOf</a:t>
-            </a:r>
-            <a:r>
-              <a:rPr lang="en-US" sz="3600" b="0" cap="none" dirty="0" smtClean="0">
-                <a:solidFill>
-                  <a:schemeClr val="accent3"/>
-                </a:solidFill>
-              </a:rPr>
-              <a:t>(</a:t>
-            </a:r>
-            <a:r>
-              <a:rPr lang="en-US" sz="3600" b="0" cap="none" dirty="0" err="1" smtClean="0">
-                <a:solidFill>
-                  <a:schemeClr val="accent3"/>
-                </a:solidFill>
-              </a:rPr>
-              <a:t>ch</a:t>
-            </a:r>
-            <a:r>
-              <a:rPr lang="en-US" sz="3600" b="0" cap="none" dirty="0" smtClean="0">
-                <a:solidFill>
-                  <a:schemeClr val="accent3"/>
-                </a:solidFill>
-              </a:rPr>
-              <a:t>, </a:t>
-            </a:r>
-            <a:r>
-              <a:rPr lang="en-US" sz="3600" b="0" cap="none" dirty="0" err="1" smtClean="0">
-                <a:solidFill>
-                  <a:schemeClr val="accent3"/>
-                </a:solidFill>
-              </a:rPr>
-              <a:t>fromPos</a:t>
-            </a:r>
-            <a:r>
-              <a:rPr lang="en-US" sz="3600" b="0" cap="none" dirty="0" smtClean="0">
-                <a:solidFill>
-                  <a:schemeClr val="accent3"/>
-                </a:solidFill>
-              </a:rPr>
-              <a:t>);</a:t>
-            </a:r>
-            <a:endParaRPr lang="en-US" sz="3600" b="0" cap="none" dirty="0">
-              <a:solidFill>
-                <a:schemeClr val="accent3"/>
-              </a:solidFill>
-            </a:endParaRPr>
-          </a:p>
-          <a:p>
-            <a:pPr>
-              <a:spcBef>
-                <a:spcPts val="0"/>
-              </a:spcBef>
-              <a:buClrTx/>
-              <a:defRPr/>
-            </a:pPr>
-            <a:r>
-              <a:rPr lang="en-US" sz="3600" b="0" cap="none" dirty="0" err="1">
-                <a:solidFill>
-                  <a:schemeClr val="accent3"/>
-                </a:solidFill>
-              </a:rPr>
-              <a:t>int</a:t>
-            </a:r>
-            <a:r>
-              <a:rPr lang="en-US" sz="3600" b="0" cap="none" dirty="0">
-                <a:solidFill>
-                  <a:schemeClr val="accent3"/>
-                </a:solidFill>
-              </a:rPr>
-              <a:t> k = </a:t>
-            </a:r>
-            <a:r>
-              <a:rPr lang="en-US" sz="3600" b="0" cap="none" dirty="0" err="1" smtClean="0">
-                <a:solidFill>
-                  <a:schemeClr val="accent3"/>
-                </a:solidFill>
-              </a:rPr>
-              <a:t>s.indexOf</a:t>
-            </a:r>
-            <a:r>
-              <a:rPr lang="en-US" sz="3600" b="0" cap="none" dirty="0" smtClean="0">
-                <a:solidFill>
-                  <a:schemeClr val="accent3"/>
-                </a:solidFill>
-              </a:rPr>
-              <a:t>(</a:t>
-            </a:r>
-            <a:r>
-              <a:rPr lang="en-US" sz="3600" b="0" cap="none" dirty="0" err="1" smtClean="0">
-                <a:solidFill>
-                  <a:schemeClr val="accent3"/>
-                </a:solidFill>
-              </a:rPr>
-              <a:t>str</a:t>
-            </a:r>
-            <a:r>
-              <a:rPr lang="en-US" sz="3600" b="0" cap="none" dirty="0" smtClean="0">
-                <a:solidFill>
-                  <a:schemeClr val="accent3"/>
-                </a:solidFill>
-              </a:rPr>
-              <a:t>);</a:t>
-            </a:r>
-            <a:endParaRPr lang="en-US" sz="3600" b="0" cap="none" dirty="0">
-              <a:solidFill>
-                <a:schemeClr val="accent3"/>
-              </a:solidFill>
-            </a:endParaRPr>
-          </a:p>
-          <a:p>
-            <a:pPr>
-              <a:spcBef>
-                <a:spcPts val="0"/>
-              </a:spcBef>
-              <a:buClrTx/>
-              <a:defRPr/>
-            </a:pPr>
-            <a:r>
-              <a:rPr lang="en-US" sz="3600" b="0" cap="none" dirty="0" err="1">
-                <a:solidFill>
-                  <a:schemeClr val="accent3"/>
-                </a:solidFill>
-              </a:rPr>
-              <a:t>int</a:t>
-            </a:r>
-            <a:r>
-              <a:rPr lang="en-US" sz="3600" b="0" cap="none" dirty="0">
-                <a:solidFill>
-                  <a:schemeClr val="accent3"/>
-                </a:solidFill>
-              </a:rPr>
-              <a:t> k = </a:t>
-            </a:r>
-            <a:r>
-              <a:rPr lang="en-US" sz="3600" b="0" cap="none" dirty="0" err="1" smtClean="0">
-                <a:solidFill>
-                  <a:schemeClr val="accent3"/>
-                </a:solidFill>
-              </a:rPr>
-              <a:t>s.indexOf</a:t>
-            </a:r>
-            <a:r>
-              <a:rPr lang="en-US" sz="3600" b="0" cap="none" dirty="0" smtClean="0">
-                <a:solidFill>
-                  <a:schemeClr val="accent3"/>
-                </a:solidFill>
-              </a:rPr>
-              <a:t>(</a:t>
-            </a:r>
-            <a:r>
-              <a:rPr lang="en-US" sz="3600" b="0" cap="none" dirty="0" err="1" smtClean="0">
-                <a:solidFill>
-                  <a:schemeClr val="accent3"/>
-                </a:solidFill>
-              </a:rPr>
-              <a:t>str</a:t>
-            </a:r>
-            <a:r>
-              <a:rPr lang="en-US" sz="3600" b="0" cap="none" dirty="0" smtClean="0">
-                <a:solidFill>
-                  <a:schemeClr val="accent3"/>
-                </a:solidFill>
-              </a:rPr>
-              <a:t>, </a:t>
-            </a:r>
-            <a:r>
-              <a:rPr lang="en-US" sz="3600" b="0" cap="none" dirty="0" err="1" smtClean="0">
-                <a:solidFill>
-                  <a:schemeClr val="accent3"/>
-                </a:solidFill>
-              </a:rPr>
-              <a:t>fromPos</a:t>
-            </a:r>
-            <a:r>
-              <a:rPr lang="en-US" sz="3600" b="0" cap="none" dirty="0" smtClean="0">
-                <a:solidFill>
-                  <a:schemeClr val="accent3"/>
-                </a:solidFill>
-              </a:rPr>
-              <a:t>);</a:t>
-            </a:r>
-          </a:p>
-          <a:p>
-            <a:pPr>
-              <a:spcBef>
-                <a:spcPts val="0"/>
-              </a:spcBef>
-              <a:buClrTx/>
-              <a:defRPr/>
-            </a:pPr>
-            <a:r>
-              <a:rPr lang="en-US" sz="3600" b="0" cap="none" dirty="0" smtClean="0">
-                <a:solidFill>
-                  <a:schemeClr val="accent1"/>
-                </a:solidFill>
-              </a:rPr>
-              <a:t>//gets last index of a string or character</a:t>
-            </a:r>
-            <a:endParaRPr lang="en-US" sz="3600" b="0" cap="none" dirty="0">
-              <a:solidFill>
-                <a:schemeClr val="accent1"/>
-              </a:solidFill>
-            </a:endParaRPr>
-          </a:p>
-          <a:p>
-            <a:pPr>
-              <a:spcBef>
-                <a:spcPts val="0"/>
-              </a:spcBef>
-              <a:buClrTx/>
-              <a:defRPr/>
-            </a:pPr>
-            <a:r>
-              <a:rPr lang="en-US" sz="3600" b="0" cap="none" dirty="0" err="1">
-                <a:solidFill>
-                  <a:schemeClr val="accent3"/>
-                </a:solidFill>
-              </a:rPr>
-              <a:t>int</a:t>
-            </a:r>
-            <a:r>
-              <a:rPr lang="en-US" sz="3600" b="0" cap="none" dirty="0">
-                <a:solidFill>
-                  <a:schemeClr val="accent3"/>
-                </a:solidFill>
-              </a:rPr>
-              <a:t> k = </a:t>
-            </a:r>
-            <a:r>
-              <a:rPr lang="en-US" sz="3600" b="0" cap="none" dirty="0" err="1" smtClean="0">
-                <a:solidFill>
-                  <a:schemeClr val="accent3"/>
-                </a:solidFill>
-              </a:rPr>
-              <a:t>s.lastIndexOf</a:t>
-            </a:r>
-            <a:r>
-              <a:rPr lang="en-US" sz="3600" b="0" cap="none" dirty="0" smtClean="0">
-                <a:solidFill>
-                  <a:schemeClr val="accent3"/>
-                </a:solidFill>
-              </a:rPr>
-              <a:t>(</a:t>
-            </a:r>
-            <a:r>
-              <a:rPr lang="en-US" sz="3600" b="0" cap="none" dirty="0" err="1" smtClean="0">
-                <a:solidFill>
-                  <a:schemeClr val="accent3"/>
-                </a:solidFill>
-              </a:rPr>
-              <a:t>ch</a:t>
-            </a:r>
-            <a:r>
-              <a:rPr lang="en-US" sz="3600" b="0" cap="none" dirty="0" smtClean="0">
-                <a:solidFill>
-                  <a:schemeClr val="accent3"/>
-                </a:solidFill>
-              </a:rPr>
-              <a:t>);</a:t>
-            </a:r>
-            <a:endParaRPr lang="en-US" sz="3600" b="0" cap="none" dirty="0">
-              <a:solidFill>
-                <a:schemeClr val="accent3"/>
-              </a:solidFill>
-            </a:endParaRPr>
-          </a:p>
-          <a:p>
-            <a:pPr>
-              <a:spcBef>
-                <a:spcPts val="0"/>
-              </a:spcBef>
-              <a:buClrTx/>
-              <a:defRPr/>
-            </a:pPr>
-            <a:r>
-              <a:rPr lang="en-US" sz="3600" b="0" cap="none" dirty="0" err="1">
-                <a:solidFill>
-                  <a:schemeClr val="accent3"/>
-                </a:solidFill>
-              </a:rPr>
-              <a:t>int</a:t>
-            </a:r>
-            <a:r>
-              <a:rPr lang="en-US" sz="3600" b="0" cap="none" dirty="0">
-                <a:solidFill>
-                  <a:schemeClr val="accent3"/>
-                </a:solidFill>
-              </a:rPr>
-              <a:t> k = </a:t>
-            </a:r>
-            <a:r>
-              <a:rPr lang="en-US" sz="3600" b="0" cap="none" dirty="0" err="1" smtClean="0">
-                <a:solidFill>
-                  <a:schemeClr val="accent3"/>
-                </a:solidFill>
-              </a:rPr>
-              <a:t>s.lastIndexOf</a:t>
-            </a:r>
-            <a:r>
-              <a:rPr lang="en-US" sz="3600" b="0" cap="none" dirty="0" smtClean="0">
-                <a:solidFill>
-                  <a:schemeClr val="accent3"/>
-                </a:solidFill>
-              </a:rPr>
-              <a:t>(</a:t>
-            </a:r>
-            <a:r>
-              <a:rPr lang="en-US" sz="3600" b="0" cap="none" dirty="0" err="1" smtClean="0">
-                <a:solidFill>
-                  <a:schemeClr val="accent3"/>
-                </a:solidFill>
-              </a:rPr>
-              <a:t>ch</a:t>
-            </a:r>
-            <a:r>
-              <a:rPr lang="en-US" sz="3600" b="0" cap="none" dirty="0" smtClean="0">
-                <a:solidFill>
-                  <a:schemeClr val="accent3"/>
-                </a:solidFill>
-              </a:rPr>
-              <a:t>, </a:t>
-            </a:r>
-            <a:r>
-              <a:rPr lang="en-US" sz="3600" b="0" cap="none" dirty="0" err="1" smtClean="0">
-                <a:solidFill>
-                  <a:schemeClr val="accent3"/>
-                </a:solidFill>
-              </a:rPr>
-              <a:t>fromPos</a:t>
-            </a:r>
-            <a:r>
-              <a:rPr lang="en-US" sz="3600" b="0" cap="none" dirty="0" smtClean="0">
-                <a:solidFill>
-                  <a:schemeClr val="accent3"/>
-                </a:solidFill>
-              </a:rPr>
-              <a:t>);</a:t>
-            </a:r>
-            <a:endParaRPr lang="en-US" sz="3600" b="0" cap="none" dirty="0">
-              <a:solidFill>
-                <a:schemeClr val="accent3"/>
-              </a:solidFill>
-            </a:endParaRPr>
-          </a:p>
-          <a:p>
-            <a:pPr>
-              <a:spcBef>
-                <a:spcPts val="0"/>
-              </a:spcBef>
-              <a:buClrTx/>
-              <a:defRPr/>
-            </a:pPr>
-            <a:r>
-              <a:rPr lang="en-US" sz="3600" b="0" cap="none" dirty="0" err="1">
-                <a:solidFill>
-                  <a:schemeClr val="accent3"/>
-                </a:solidFill>
-              </a:rPr>
-              <a:t>int</a:t>
-            </a:r>
-            <a:r>
-              <a:rPr lang="en-US" sz="3600" b="0" cap="none" dirty="0">
-                <a:solidFill>
-                  <a:schemeClr val="accent3"/>
-                </a:solidFill>
-              </a:rPr>
-              <a:t> k = </a:t>
-            </a:r>
-            <a:r>
-              <a:rPr lang="en-US" sz="3600" b="0" cap="none" dirty="0" err="1" smtClean="0">
-                <a:solidFill>
-                  <a:schemeClr val="accent3"/>
-                </a:solidFill>
-              </a:rPr>
-              <a:t>s.lastIndexOf</a:t>
-            </a:r>
-            <a:r>
-              <a:rPr lang="en-US" sz="3600" b="0" cap="none" dirty="0" smtClean="0">
-                <a:solidFill>
-                  <a:schemeClr val="accent3"/>
-                </a:solidFill>
-              </a:rPr>
-              <a:t>(</a:t>
-            </a:r>
-            <a:r>
-              <a:rPr lang="en-US" sz="3600" b="0" cap="none" dirty="0" err="1" smtClean="0">
-                <a:solidFill>
-                  <a:schemeClr val="accent3"/>
-                </a:solidFill>
-              </a:rPr>
-              <a:t>str</a:t>
-            </a:r>
-            <a:r>
-              <a:rPr lang="en-US" sz="3600" b="0" cap="none" dirty="0" smtClean="0">
-                <a:solidFill>
-                  <a:schemeClr val="accent3"/>
-                </a:solidFill>
-              </a:rPr>
-              <a:t>);</a:t>
-            </a:r>
-            <a:endParaRPr lang="en-US" sz="3600" b="0" cap="none" dirty="0">
-              <a:solidFill>
-                <a:schemeClr val="accent3"/>
-              </a:solidFill>
-            </a:endParaRPr>
-          </a:p>
-          <a:p>
-            <a:pPr>
-              <a:spcBef>
-                <a:spcPts val="0"/>
-              </a:spcBef>
-              <a:buClrTx/>
-              <a:defRPr/>
-            </a:pPr>
-            <a:r>
-              <a:rPr lang="en-US" sz="3600" b="0" cap="none" dirty="0" err="1">
-                <a:solidFill>
-                  <a:schemeClr val="accent3"/>
-                </a:solidFill>
-              </a:rPr>
-              <a:t>int</a:t>
-            </a:r>
-            <a:r>
-              <a:rPr lang="en-US" sz="3600" b="0" cap="none" dirty="0">
-                <a:solidFill>
-                  <a:schemeClr val="accent3"/>
-                </a:solidFill>
-              </a:rPr>
-              <a:t> k = </a:t>
-            </a:r>
-            <a:r>
-              <a:rPr lang="en-US" sz="3600" b="0" cap="none" dirty="0" err="1" smtClean="0">
-                <a:solidFill>
-                  <a:schemeClr val="accent3"/>
-                </a:solidFill>
-              </a:rPr>
-              <a:t>s.lastIndexOf</a:t>
-            </a:r>
-            <a:r>
-              <a:rPr lang="en-US" sz="3600" b="0" cap="none" dirty="0" smtClean="0">
-                <a:solidFill>
-                  <a:schemeClr val="accent3"/>
-                </a:solidFill>
-              </a:rPr>
-              <a:t>(</a:t>
-            </a:r>
-            <a:r>
-              <a:rPr lang="en-US" sz="3600" b="0" cap="none" dirty="0" err="1" smtClean="0">
-                <a:solidFill>
-                  <a:schemeClr val="accent3"/>
-                </a:solidFill>
-              </a:rPr>
-              <a:t>str</a:t>
-            </a:r>
-            <a:r>
-              <a:rPr lang="en-US" sz="3600" b="0" cap="none" dirty="0" smtClean="0">
-                <a:solidFill>
-                  <a:schemeClr val="accent3"/>
-                </a:solidFill>
-              </a:rPr>
-              <a:t>, </a:t>
-            </a:r>
-            <a:r>
-              <a:rPr lang="en-US" sz="3600" b="0" cap="none" dirty="0" err="1" smtClean="0">
-                <a:solidFill>
-                  <a:schemeClr val="accent3"/>
-                </a:solidFill>
-              </a:rPr>
-              <a:t>fromPos</a:t>
-            </a:r>
-            <a:r>
-              <a:rPr lang="en-US" sz="3600" b="0" cap="none" dirty="0" smtClean="0">
-                <a:solidFill>
-                  <a:schemeClr val="accent3"/>
-                </a:solidFill>
-              </a:rPr>
-              <a:t>);</a:t>
-            </a:r>
-          </a:p>
-        </p:txBody>
-      </p:sp>
-      <p:sp>
-        <p:nvSpPr>
-          <p:cNvPr id="4" name="5-Point Star 3"/>
-          <p:cNvSpPr/>
-          <p:nvPr/>
-        </p:nvSpPr>
-        <p:spPr>
-          <a:xfrm>
-            <a:off x="10780228" y="84411"/>
-            <a:ext cx="933977" cy="838097"/>
-          </a:xfrm>
-          <a:prstGeom prst="star5">
-            <a:avLst/>
-          </a:prstGeom>
-          <a:solidFill>
-            <a:schemeClr val="accent1"/>
-          </a:solidFill>
-          <a:ln>
-            <a:solidFill>
-              <a:schemeClr val="tx2"/>
-            </a:solidFill>
-          </a:ln>
-        </p:spPr>
-        <p:style>
-          <a:lnRef idx="2">
-            <a:schemeClr val="accent1">
-              <a:shade val="50000"/>
-            </a:schemeClr>
-          </a:lnRef>
-          <a:fillRef idx="1">
-            <a:schemeClr val="accent1"/>
-          </a:fillRef>
-          <a:effectRef idx="0">
-            <a:schemeClr val="accent1"/>
-          </a:effectRef>
-          <a:fontRef idx="minor">
-            <a:schemeClr val="lt1"/>
-          </a:fontRef>
-        </p:style>
-        <p:txBody>
-          <a:bodyPr rtlCol="0" anchor="ctr"/>
-          <a:lstStyle/>
-          <a:p>
-            <a:pPr algn="ctr"/>
-            <a:endParaRPr lang="en-US"/>
-          </a:p>
-        </p:txBody>
-      </p:sp>
-    </p:spTree>
-    <p:extLst>
-      <p:ext uri="{BB962C8B-B14F-4D97-AF65-F5344CB8AC3E}">
-        <p14:creationId xmlns:p14="http://schemas.microsoft.com/office/powerpoint/2010/main" val="43943622"/>
-      </p:ext>
-    </p:extLst>
-  </p:cSld>
-  <p:clrMapOvr>
-    <a:masterClrMapping/>
-  </p:clrMapOvr>
-</p:sld>
-</file>
-
-<file path=ppt/slides/slide7.xml><?xml version="1.0" encoding="utf-8"?>
-<p:sld xmlns:a="http://schemas.openxmlformats.org/drawingml/2006/main" xmlns:r="http://schemas.openxmlformats.org/officeDocument/2006/relationships" xmlns:p="http://schemas.openxmlformats.org/presentationml/2006/main">
-  <p:cSld>
-    <p:spTree>
-      <p:nvGrpSpPr>
-        <p:cNvPr id="1" name=""/>
-        <p:cNvGrpSpPr/>
-        <p:nvPr/>
-      </p:nvGrpSpPr>
-      <p:grpSpPr>
-        <a:xfrm>
-          <a:off x="0" y="0"/>
-          <a:ext cx="0" cy="0"/>
-          <a:chOff x="0" y="0"/>
-          <a:chExt cx="0" cy="0"/>
-        </a:xfrm>
-      </p:grpSpPr>
-      <p:sp>
-        <p:nvSpPr>
-          <p:cNvPr id="2" name="Title 1"/>
-          <p:cNvSpPr>
-            <a:spLocks noGrp="1"/>
-          </p:cNvSpPr>
-          <p:nvPr>
-            <p:ph type="title"/>
-          </p:nvPr>
-        </p:nvSpPr>
-        <p:spPr>
-          <a:xfrm>
-            <a:off x="995521" y="229269"/>
-            <a:ext cx="10172700" cy="1493517"/>
-          </a:xfrm>
-        </p:spPr>
-        <p:txBody>
-          <a:bodyPr/>
-          <a:lstStyle/>
-          <a:p>
-            <a:r>
-              <a:rPr lang="en-US" dirty="0" smtClean="0"/>
-              <a:t>Commonly used String methods</a:t>
-            </a:r>
-            <a:endParaRPr lang="en-US" dirty="0"/>
-          </a:p>
-        </p:txBody>
-      </p:sp>
-      <p:sp>
-        <p:nvSpPr>
-          <p:cNvPr id="7" name="Content Placeholder 2"/>
-          <p:cNvSpPr>
-            <a:spLocks noGrp="1"/>
-          </p:cNvSpPr>
-          <p:nvPr>
-            <p:ph idx="1"/>
-          </p:nvPr>
-        </p:nvSpPr>
-        <p:spPr>
-          <a:xfrm>
-            <a:off x="288899" y="1161534"/>
-            <a:ext cx="11585944" cy="5560541"/>
-          </a:xfrm>
-          <a:solidFill>
-            <a:schemeClr val="bg2"/>
-          </a:solidFill>
-          <a:ln w="76200">
-            <a:solidFill>
-              <a:schemeClr val="tx2"/>
-            </a:solidFill>
-          </a:ln>
-        </p:spPr>
-        <p:txBody>
-          <a:bodyPr>
-            <a:noAutofit/>
-          </a:bodyPr>
-          <a:lstStyle/>
-          <a:p>
-            <a:pPr>
-              <a:spcBef>
-                <a:spcPts val="0"/>
-              </a:spcBef>
-              <a:buClrTx/>
-              <a:defRPr/>
-            </a:pPr>
-            <a:r>
-              <a:rPr lang="en-US" sz="3200" b="0" cap="none" dirty="0">
-                <a:solidFill>
-                  <a:schemeClr val="accent1"/>
-                </a:solidFill>
-              </a:rPr>
-              <a:t>//s2 is set to s but all </a:t>
-            </a:r>
-            <a:r>
-              <a:rPr lang="en-US" sz="3200" b="0" cap="none" dirty="0" smtClean="0">
-                <a:solidFill>
-                  <a:schemeClr val="accent1"/>
-                </a:solidFill>
-              </a:rPr>
-              <a:t>lowercase</a:t>
-            </a:r>
-          </a:p>
-          <a:p>
-            <a:pPr>
-              <a:spcBef>
-                <a:spcPts val="0"/>
-              </a:spcBef>
-              <a:buClrTx/>
-              <a:defRPr/>
-            </a:pPr>
-            <a:r>
-              <a:rPr lang="en-US" sz="3200" b="0" cap="none" dirty="0" smtClean="0">
-                <a:solidFill>
-                  <a:schemeClr val="accent3"/>
-                </a:solidFill>
-              </a:rPr>
-              <a:t>String </a:t>
-            </a:r>
-            <a:r>
-              <a:rPr lang="en-US" sz="3200" b="0" cap="none" dirty="0">
-                <a:solidFill>
-                  <a:schemeClr val="accent3"/>
-                </a:solidFill>
-              </a:rPr>
-              <a:t>s2 = </a:t>
-            </a:r>
-            <a:r>
-              <a:rPr lang="en-US" sz="3200" b="0" cap="none" dirty="0" err="1">
-                <a:solidFill>
-                  <a:schemeClr val="accent3"/>
-                </a:solidFill>
-              </a:rPr>
-              <a:t>s.toUpperCase</a:t>
-            </a:r>
-            <a:r>
-              <a:rPr lang="en-US" sz="3200" b="0" cap="none" dirty="0" smtClean="0">
-                <a:solidFill>
-                  <a:schemeClr val="accent3"/>
-                </a:solidFill>
-              </a:rPr>
-              <a:t>();</a:t>
-            </a:r>
-          </a:p>
-          <a:p>
-            <a:pPr>
-              <a:spcBef>
-                <a:spcPts val="0"/>
-              </a:spcBef>
-              <a:buClrTx/>
-              <a:defRPr/>
-            </a:pPr>
-            <a:r>
-              <a:rPr lang="en-US" sz="3200" b="0" cap="none" dirty="0" smtClean="0">
-                <a:solidFill>
-                  <a:schemeClr val="accent1"/>
-                </a:solidFill>
-              </a:rPr>
-              <a:t>//s2 is set to s but all lowercase</a:t>
-            </a:r>
-          </a:p>
-          <a:p>
-            <a:pPr>
-              <a:spcBef>
-                <a:spcPts val="0"/>
-              </a:spcBef>
-              <a:buClrTx/>
-              <a:defRPr/>
-            </a:pPr>
-            <a:r>
-              <a:rPr lang="en-US" sz="3200" b="0" cap="none" dirty="0" smtClean="0">
-                <a:solidFill>
-                  <a:schemeClr val="accent3"/>
-                </a:solidFill>
-              </a:rPr>
-              <a:t>String </a:t>
-            </a:r>
-            <a:r>
-              <a:rPr lang="en-US" sz="3200" b="0" cap="none" dirty="0">
-                <a:solidFill>
-                  <a:schemeClr val="accent3"/>
-                </a:solidFill>
-              </a:rPr>
-              <a:t>s2 = </a:t>
-            </a:r>
-            <a:r>
-              <a:rPr lang="en-US" sz="3200" b="0" cap="none" dirty="0" err="1">
-                <a:solidFill>
-                  <a:schemeClr val="accent3"/>
-                </a:solidFill>
-              </a:rPr>
-              <a:t>s.toLowerCase</a:t>
-            </a:r>
-            <a:r>
-              <a:rPr lang="en-US" sz="3200" b="0" cap="none" dirty="0" smtClean="0">
-                <a:solidFill>
-                  <a:schemeClr val="accent3"/>
-                </a:solidFill>
-              </a:rPr>
-              <a:t>();</a:t>
-            </a:r>
-          </a:p>
-          <a:p>
-            <a:pPr>
-              <a:spcBef>
-                <a:spcPts val="0"/>
-              </a:spcBef>
-              <a:buClrTx/>
-              <a:defRPr/>
-            </a:pPr>
-            <a:r>
-              <a:rPr lang="en-US" sz="3200" b="0" cap="none" dirty="0">
-                <a:solidFill>
-                  <a:schemeClr val="accent1"/>
-                </a:solidFill>
-              </a:rPr>
-              <a:t>//s2 is set to same String as s but </a:t>
-            </a:r>
-            <a:r>
-              <a:rPr lang="en-US" sz="3200" b="0" cap="none" dirty="0" err="1" smtClean="0">
-                <a:solidFill>
-                  <a:schemeClr val="accent1"/>
-                </a:solidFill>
-              </a:rPr>
-              <a:t>oldChar</a:t>
-            </a:r>
-            <a:r>
-              <a:rPr lang="en-US" sz="3200" b="0" cap="none" dirty="0" smtClean="0">
-                <a:solidFill>
-                  <a:schemeClr val="accent1"/>
-                </a:solidFill>
-              </a:rPr>
-              <a:t> is replaced with </a:t>
-            </a:r>
-            <a:r>
-              <a:rPr lang="en-US" sz="3200" b="0" cap="none" dirty="0" err="1" smtClean="0">
-                <a:solidFill>
-                  <a:schemeClr val="accent1"/>
-                </a:solidFill>
-              </a:rPr>
-              <a:t>newChar</a:t>
-            </a:r>
-            <a:endParaRPr lang="en-US" sz="3200" b="0" cap="none" dirty="0">
-              <a:solidFill>
-                <a:schemeClr val="accent1"/>
-              </a:solidFill>
-            </a:endParaRPr>
-          </a:p>
-          <a:p>
-            <a:pPr>
-              <a:spcBef>
-                <a:spcPts val="0"/>
-              </a:spcBef>
-              <a:buClrTx/>
-              <a:defRPr/>
-            </a:pPr>
-            <a:r>
-              <a:rPr lang="en-US" sz="3200" b="0" cap="none" dirty="0">
-                <a:solidFill>
-                  <a:schemeClr val="accent3"/>
-                </a:solidFill>
-              </a:rPr>
-              <a:t>String s2 = </a:t>
-            </a:r>
-            <a:r>
-              <a:rPr lang="en-US" sz="3200" b="0" cap="none" dirty="0" err="1">
-                <a:solidFill>
-                  <a:schemeClr val="accent3"/>
-                </a:solidFill>
-              </a:rPr>
-              <a:t>s.replace</a:t>
-            </a:r>
-            <a:r>
-              <a:rPr lang="en-US" sz="3200" b="0" cap="none" dirty="0">
-                <a:solidFill>
-                  <a:schemeClr val="accent3"/>
-                </a:solidFill>
-              </a:rPr>
-              <a:t>(</a:t>
-            </a:r>
-            <a:r>
-              <a:rPr lang="en-US" sz="3200" b="0" cap="none" dirty="0" err="1">
-                <a:solidFill>
-                  <a:schemeClr val="accent3"/>
-                </a:solidFill>
-              </a:rPr>
-              <a:t>oldChar</a:t>
-            </a:r>
-            <a:r>
-              <a:rPr lang="en-US" sz="3200" b="0" cap="none" dirty="0">
-                <a:solidFill>
-                  <a:schemeClr val="accent3"/>
-                </a:solidFill>
-              </a:rPr>
-              <a:t>, </a:t>
-            </a:r>
-            <a:r>
-              <a:rPr lang="en-US" sz="3200" b="0" cap="none" dirty="0" err="1">
-                <a:solidFill>
-                  <a:schemeClr val="accent3"/>
-                </a:solidFill>
-              </a:rPr>
-              <a:t>newChar</a:t>
-            </a:r>
-            <a:r>
-              <a:rPr lang="en-US" sz="3200" b="0" cap="none" dirty="0" smtClean="0">
-                <a:solidFill>
-                  <a:schemeClr val="accent3"/>
-                </a:solidFill>
-              </a:rPr>
-              <a:t>);</a:t>
-            </a:r>
-          </a:p>
-          <a:p>
-            <a:pPr>
-              <a:spcBef>
-                <a:spcPts val="0"/>
-              </a:spcBef>
-              <a:buClrTx/>
-              <a:defRPr/>
-            </a:pPr>
-            <a:r>
-              <a:rPr lang="en-US" sz="3200" b="0" cap="none" dirty="0" smtClean="0">
-                <a:solidFill>
-                  <a:schemeClr val="accent1"/>
-                </a:solidFill>
-              </a:rPr>
-              <a:t>//s2 is set to same String as s but w/o whitespace</a:t>
-            </a:r>
-          </a:p>
-          <a:p>
-            <a:pPr>
-              <a:spcBef>
-                <a:spcPts val="0"/>
-              </a:spcBef>
-              <a:buClrTx/>
-              <a:defRPr/>
-            </a:pPr>
-            <a:r>
-              <a:rPr lang="en-US" sz="3200" b="0" cap="none" dirty="0" smtClean="0">
-                <a:solidFill>
-                  <a:schemeClr val="accent3"/>
-                </a:solidFill>
-              </a:rPr>
-              <a:t>String </a:t>
-            </a:r>
-            <a:r>
-              <a:rPr lang="en-US" sz="3200" b="0" cap="none" dirty="0">
-                <a:solidFill>
-                  <a:schemeClr val="accent3"/>
-                </a:solidFill>
-              </a:rPr>
-              <a:t>s2 = </a:t>
-            </a:r>
-            <a:r>
-              <a:rPr lang="en-US" sz="3200" b="0" cap="none" dirty="0" err="1">
-                <a:solidFill>
-                  <a:schemeClr val="accent3"/>
-                </a:solidFill>
-              </a:rPr>
-              <a:t>s.trim</a:t>
-            </a:r>
-            <a:r>
-              <a:rPr lang="en-US" sz="3200" b="0" cap="none" dirty="0" smtClean="0">
-                <a:solidFill>
-                  <a:schemeClr val="accent3"/>
-                </a:solidFill>
-              </a:rPr>
-              <a:t>();</a:t>
-            </a:r>
-          </a:p>
-          <a:p>
-            <a:pPr>
-              <a:spcBef>
-                <a:spcPts val="0"/>
-              </a:spcBef>
-              <a:buClrTx/>
-              <a:defRPr/>
-            </a:pPr>
-            <a:r>
-              <a:rPr lang="en-US" sz="3200" b="0" cap="none" dirty="0" smtClean="0">
-                <a:solidFill>
-                  <a:schemeClr val="accent1"/>
-                </a:solidFill>
-              </a:rPr>
-              <a:t>//creates a char array from a String</a:t>
-            </a:r>
-            <a:endParaRPr lang="en-US" sz="3200" b="0" cap="none" dirty="0">
-              <a:solidFill>
-                <a:schemeClr val="accent1"/>
-              </a:solidFill>
-            </a:endParaRPr>
-          </a:p>
-          <a:p>
-            <a:pPr>
-              <a:spcBef>
-                <a:spcPts val="0"/>
-              </a:spcBef>
-              <a:buClrTx/>
-              <a:defRPr/>
-            </a:pPr>
-            <a:r>
-              <a:rPr lang="en-US" sz="3200" b="0" cap="none" dirty="0">
-                <a:solidFill>
-                  <a:schemeClr val="accent3"/>
-                </a:solidFill>
-              </a:rPr>
-              <a:t>c</a:t>
-            </a:r>
-            <a:r>
-              <a:rPr lang="en-US" sz="3200" b="0" cap="none" dirty="0" smtClean="0">
-                <a:solidFill>
-                  <a:schemeClr val="accent3"/>
-                </a:solidFill>
-              </a:rPr>
-              <a:t>har[] chars = </a:t>
-            </a:r>
-            <a:r>
-              <a:rPr lang="en-US" sz="3200" b="0" cap="none" dirty="0" err="1" smtClean="0">
-                <a:solidFill>
-                  <a:schemeClr val="accent3"/>
-                </a:solidFill>
-              </a:rPr>
-              <a:t>s.toCharArray</a:t>
-            </a:r>
-            <a:r>
-              <a:rPr lang="en-US" sz="3200" b="0" cap="none" dirty="0" smtClean="0">
-                <a:solidFill>
-                  <a:schemeClr val="accent3"/>
-                </a:solidFill>
-              </a:rPr>
-              <a:t>();</a:t>
-            </a:r>
-            <a:endParaRPr lang="en-US" sz="3200" b="0" cap="none" dirty="0">
-              <a:solidFill>
-                <a:schemeClr val="accent3"/>
-              </a:solidFill>
-            </a:endParaRPr>
-          </a:p>
-        </p:txBody>
-      </p:sp>
-      <p:sp>
-        <p:nvSpPr>
-          <p:cNvPr id="4" name="5-Point Star 3"/>
-          <p:cNvSpPr/>
-          <p:nvPr/>
-        </p:nvSpPr>
-        <p:spPr>
-          <a:xfrm>
-            <a:off x="10780228" y="84411"/>
-            <a:ext cx="933977" cy="838097"/>
-          </a:xfrm>
-          <a:prstGeom prst="star5">
-            <a:avLst/>
-          </a:prstGeom>
-          <a:solidFill>
-            <a:schemeClr val="accent1"/>
-          </a:solidFill>
-          <a:ln>
-            <a:solidFill>
-              <a:schemeClr val="tx2"/>
-            </a:solidFill>
-          </a:ln>
-        </p:spPr>
-        <p:style>
-          <a:lnRef idx="2">
-            <a:schemeClr val="accent1">
-              <a:shade val="50000"/>
-            </a:schemeClr>
-          </a:lnRef>
-          <a:fillRef idx="1">
-            <a:schemeClr val="accent1"/>
-          </a:fillRef>
-          <a:effectRef idx="0">
-            <a:schemeClr val="accent1"/>
-          </a:effectRef>
-          <a:fontRef idx="minor">
-            <a:schemeClr val="lt1"/>
-          </a:fontRef>
-        </p:style>
-        <p:txBody>
-          <a:bodyPr rtlCol="0" anchor="ctr"/>
-          <a:lstStyle/>
-          <a:p>
-            <a:pPr algn="ctr"/>
-            <a:endParaRPr lang="en-US"/>
-          </a:p>
-        </p:txBody>
-      </p:sp>
-    </p:spTree>
-    <p:extLst>
-      <p:ext uri="{BB962C8B-B14F-4D97-AF65-F5344CB8AC3E}">
-        <p14:creationId xmlns:p14="http://schemas.microsoft.com/office/powerpoint/2010/main" val="2019542616"/>
-      </p:ext>
-    </p:extLst>
-  </p:cSld>
-  <p:clrMapOvr>
-    <a:masterClrMapping/>
-  </p:clrMapOvr>
-</p:sld>
-</file>
-
-<file path=ppt/slides/slide8.xml><?xml version="1.0" encoding="utf-8"?>
-<p:sld xmlns:a="http://schemas.openxmlformats.org/drawingml/2006/main" xmlns:r="http://schemas.openxmlformats.org/officeDocument/2006/relationships" xmlns:p="http://schemas.openxmlformats.org/presentationml/2006/main">
-  <p:cSld>
-    <p:spTree>
-      <p:nvGrpSpPr>
-        <p:cNvPr id="1" name=""/>
-        <p:cNvGrpSpPr/>
-        <p:nvPr/>
-      </p:nvGrpSpPr>
-      <p:grpSpPr>
-        <a:xfrm>
-          <a:off x="0" y="0"/>
-          <a:ext cx="0" cy="0"/>
-          <a:chOff x="0" y="0"/>
-          <a:chExt cx="0" cy="0"/>
-        </a:xfrm>
-      </p:grpSpPr>
-      <p:sp>
-        <p:nvSpPr>
-          <p:cNvPr id="2" name="Title 1"/>
-          <p:cNvSpPr>
-            <a:spLocks noGrp="1"/>
-          </p:cNvSpPr>
-          <p:nvPr>
-            <p:ph type="title"/>
-          </p:nvPr>
-        </p:nvSpPr>
-        <p:spPr/>
-        <p:txBody>
-          <a:bodyPr/>
-          <a:lstStyle/>
-          <a:p>
-            <a:r>
-              <a:rPr lang="en-US" dirty="0" smtClean="0"/>
-              <a:t>Converting numbers into strings (and back)</a:t>
-            </a:r>
-            <a:endParaRPr lang="en-US" dirty="0"/>
-          </a:p>
-        </p:txBody>
-      </p:sp>
-      <p:sp>
-        <p:nvSpPr>
-          <p:cNvPr id="3" name="Text Placeholder 2"/>
-          <p:cNvSpPr>
-            <a:spLocks noGrp="1"/>
-          </p:cNvSpPr>
-          <p:nvPr>
-            <p:ph type="body" idx="1"/>
-          </p:nvPr>
-        </p:nvSpPr>
-        <p:spPr>
-          <a:xfrm>
-            <a:off x="1252728" y="1883368"/>
-            <a:ext cx="4800600" cy="632529"/>
-          </a:xfrm>
-        </p:spPr>
-        <p:txBody>
-          <a:bodyPr/>
-          <a:lstStyle/>
-          <a:p>
-            <a:r>
-              <a:rPr lang="en-US" dirty="0" smtClean="0"/>
-              <a:t>Numbers to strings</a:t>
-            </a:r>
-            <a:endParaRPr lang="en-US" dirty="0"/>
-          </a:p>
-        </p:txBody>
-      </p:sp>
-      <p:sp>
-        <p:nvSpPr>
-          <p:cNvPr id="4" name="Content Placeholder 3"/>
-          <p:cNvSpPr>
-            <a:spLocks noGrp="1"/>
-          </p:cNvSpPr>
-          <p:nvPr>
-            <p:ph sz="half" idx="2"/>
-          </p:nvPr>
-        </p:nvSpPr>
-        <p:spPr>
-          <a:xfrm>
-            <a:off x="1252728" y="2674322"/>
-            <a:ext cx="4800600" cy="3479343"/>
-          </a:xfrm>
-          <a:solidFill>
-            <a:schemeClr val="accent1"/>
-          </a:solidFill>
-        </p:spPr>
-        <p:txBody>
-          <a:bodyPr>
-            <a:normAutofit lnSpcReduction="10000"/>
-          </a:bodyPr>
-          <a:lstStyle/>
-          <a:p>
-            <a:pPr marL="0" marR="0" lvl="0" indent="0" defTabSz="914400" eaLnBrk="1" fontAlgn="auto" latinLnBrk="0" hangingPunct="1">
-              <a:lnSpc>
-                <a:spcPct val="100000"/>
-              </a:lnSpc>
-              <a:spcBef>
-                <a:spcPts val="0"/>
-              </a:spcBef>
-              <a:spcAft>
-                <a:spcPts val="0"/>
-              </a:spcAft>
-              <a:buClrTx/>
-              <a:buSzTx/>
-              <a:buFontTx/>
-              <a:buNone/>
-              <a:tabLst/>
-              <a:defRPr/>
-            </a:pPr>
-            <a:r>
-              <a:rPr lang="en-US" sz="2800" dirty="0" err="1" smtClean="0"/>
-              <a:t>int</a:t>
-            </a:r>
-            <a:r>
-              <a:rPr lang="en-US" sz="2800" dirty="0" smtClean="0"/>
-              <a:t> n = 5;</a:t>
-            </a:r>
-          </a:p>
-          <a:p>
-            <a:pPr marL="0" marR="0" lvl="0" indent="0" defTabSz="914400" eaLnBrk="1" fontAlgn="auto" latinLnBrk="0" hangingPunct="1">
-              <a:lnSpc>
-                <a:spcPct val="100000"/>
-              </a:lnSpc>
-              <a:spcBef>
-                <a:spcPts val="0"/>
-              </a:spcBef>
-              <a:spcAft>
-                <a:spcPts val="0"/>
-              </a:spcAft>
-              <a:buClrTx/>
-              <a:buSzTx/>
-              <a:buFontTx/>
-              <a:buNone/>
-              <a:tabLst/>
-              <a:defRPr/>
-            </a:pPr>
-            <a:r>
-              <a:rPr lang="en-US" sz="2800" dirty="0" smtClean="0"/>
-              <a:t>String s = “” + n;</a:t>
-            </a:r>
-          </a:p>
-          <a:p>
-            <a:pPr marL="0" marR="0" lvl="0" indent="0" defTabSz="914400" eaLnBrk="1" fontAlgn="auto" latinLnBrk="0" hangingPunct="1">
-              <a:lnSpc>
-                <a:spcPct val="100000"/>
-              </a:lnSpc>
-              <a:spcBef>
-                <a:spcPts val="0"/>
-              </a:spcBef>
-              <a:spcAft>
-                <a:spcPts val="0"/>
-              </a:spcAft>
-              <a:buClrTx/>
-              <a:buSzTx/>
-              <a:buFontTx/>
-              <a:buNone/>
-              <a:tabLst/>
-              <a:defRPr/>
-            </a:pPr>
-            <a:endParaRPr lang="en-US" sz="2800" dirty="0" smtClean="0"/>
-          </a:p>
-          <a:p>
-            <a:pPr marL="0" marR="0" lvl="0" indent="0" defTabSz="914400" eaLnBrk="1" fontAlgn="auto" latinLnBrk="0" hangingPunct="1">
-              <a:lnSpc>
-                <a:spcPct val="100000"/>
-              </a:lnSpc>
-              <a:spcBef>
-                <a:spcPts val="0"/>
-              </a:spcBef>
-              <a:spcAft>
-                <a:spcPts val="0"/>
-              </a:spcAft>
-              <a:buClrTx/>
-              <a:buSzTx/>
-              <a:buFontTx/>
-              <a:buNone/>
-              <a:tabLst/>
-              <a:defRPr/>
-            </a:pPr>
-            <a:r>
-              <a:rPr lang="en-US" sz="2800" dirty="0" err="1" smtClean="0"/>
-              <a:t>int</a:t>
-            </a:r>
-            <a:r>
-              <a:rPr lang="en-US" sz="2800" dirty="0" smtClean="0"/>
-              <a:t> n = 5;</a:t>
-            </a:r>
-          </a:p>
-          <a:p>
-            <a:pPr marL="0" marR="0" lvl="0" indent="0" defTabSz="914400" eaLnBrk="1" fontAlgn="auto" latinLnBrk="0" hangingPunct="1">
-              <a:lnSpc>
-                <a:spcPct val="100000"/>
-              </a:lnSpc>
-              <a:spcBef>
-                <a:spcPts val="0"/>
-              </a:spcBef>
-              <a:spcAft>
-                <a:spcPts val="0"/>
-              </a:spcAft>
-              <a:buClrTx/>
-              <a:buSzTx/>
-              <a:buFontTx/>
-              <a:buNone/>
-              <a:tabLst/>
-              <a:defRPr/>
-            </a:pPr>
-            <a:r>
-              <a:rPr lang="en-US" sz="2800" dirty="0" smtClean="0"/>
-              <a:t>String s = </a:t>
-            </a:r>
-            <a:r>
-              <a:rPr lang="en-US" sz="2800" dirty="0" err="1" smtClean="0"/>
-              <a:t>Integer.toString</a:t>
-            </a:r>
-            <a:r>
-              <a:rPr lang="en-US" sz="2800" dirty="0" smtClean="0"/>
-              <a:t>(n);</a:t>
-            </a:r>
-          </a:p>
-          <a:p>
-            <a:pPr marL="0" marR="0" lvl="0" indent="0" defTabSz="914400" eaLnBrk="1" fontAlgn="auto" latinLnBrk="0" hangingPunct="1">
-              <a:lnSpc>
-                <a:spcPct val="100000"/>
-              </a:lnSpc>
-              <a:spcBef>
-                <a:spcPts val="0"/>
-              </a:spcBef>
-              <a:spcAft>
-                <a:spcPts val="0"/>
-              </a:spcAft>
-              <a:buClrTx/>
-              <a:buSzTx/>
-              <a:buFontTx/>
-              <a:buNone/>
-              <a:tabLst/>
-              <a:defRPr/>
-            </a:pPr>
-            <a:endParaRPr lang="en-US" sz="2800" dirty="0"/>
-          </a:p>
-          <a:p>
-            <a:pPr marL="0" marR="0" lvl="0" indent="0" defTabSz="914400" eaLnBrk="1" fontAlgn="auto" latinLnBrk="0" hangingPunct="1">
-              <a:lnSpc>
-                <a:spcPct val="100000"/>
-              </a:lnSpc>
-              <a:spcBef>
-                <a:spcPts val="0"/>
-              </a:spcBef>
-              <a:spcAft>
-                <a:spcPts val="0"/>
-              </a:spcAft>
-              <a:buClrTx/>
-              <a:buSzTx/>
-              <a:buFontTx/>
-              <a:buNone/>
-              <a:tabLst/>
-              <a:defRPr/>
-            </a:pPr>
-            <a:r>
-              <a:rPr lang="en-US" sz="2800" dirty="0" err="1" smtClean="0"/>
-              <a:t>int</a:t>
-            </a:r>
-            <a:r>
-              <a:rPr lang="en-US" sz="2800" dirty="0" smtClean="0"/>
-              <a:t> n = 5;</a:t>
-            </a:r>
-          </a:p>
-          <a:p>
-            <a:pPr marL="0" marR="0" lvl="0" indent="0" defTabSz="914400" eaLnBrk="1" fontAlgn="auto" latinLnBrk="0" hangingPunct="1">
-              <a:lnSpc>
-                <a:spcPct val="100000"/>
-              </a:lnSpc>
-              <a:spcBef>
-                <a:spcPts val="0"/>
-              </a:spcBef>
-              <a:spcAft>
-                <a:spcPts val="0"/>
-              </a:spcAft>
-              <a:buClrTx/>
-              <a:buSzTx/>
-              <a:buFontTx/>
-              <a:buNone/>
-              <a:tabLst/>
-              <a:defRPr/>
-            </a:pPr>
-            <a:r>
-              <a:rPr lang="en-US" sz="2800" dirty="0" smtClean="0"/>
-              <a:t>String s = </a:t>
-            </a:r>
-            <a:r>
-              <a:rPr lang="en-US" sz="2800" dirty="0" err="1" smtClean="0"/>
-              <a:t>String.valueOf</a:t>
-            </a:r>
-            <a:r>
-              <a:rPr lang="en-US" sz="2800" dirty="0" smtClean="0"/>
-              <a:t>(n);</a:t>
-            </a:r>
-          </a:p>
-          <a:p>
-            <a:pPr marL="0" marR="0" lvl="0" indent="0" defTabSz="914400" eaLnBrk="1" fontAlgn="auto" latinLnBrk="0" hangingPunct="1">
-              <a:lnSpc>
-                <a:spcPct val="100000"/>
-              </a:lnSpc>
-              <a:spcBef>
-                <a:spcPts val="0"/>
-              </a:spcBef>
-              <a:spcAft>
-                <a:spcPts val="0"/>
-              </a:spcAft>
-              <a:buClrTx/>
-              <a:buSzTx/>
-              <a:buFontTx/>
-              <a:buNone/>
-              <a:tabLst/>
-              <a:defRPr/>
-            </a:pPr>
-            <a:endParaRPr lang="en-US" sz="3200" dirty="0" smtClean="0"/>
-          </a:p>
-          <a:p>
-            <a:pPr marL="0" marR="0" lvl="0" indent="0" defTabSz="914400" eaLnBrk="1" fontAlgn="auto" latinLnBrk="0" hangingPunct="1">
-              <a:lnSpc>
-                <a:spcPct val="100000"/>
-              </a:lnSpc>
-              <a:spcBef>
-                <a:spcPts val="0"/>
-              </a:spcBef>
-              <a:spcAft>
-                <a:spcPts val="0"/>
-              </a:spcAft>
-              <a:buClrTx/>
-              <a:buSzTx/>
-              <a:buFontTx/>
-              <a:buNone/>
-              <a:tabLst/>
-              <a:defRPr/>
-            </a:pPr>
-            <a:endParaRPr lang="en-US" dirty="0"/>
-          </a:p>
-          <a:p>
-            <a:pPr marL="0" marR="0" lvl="0" indent="0" defTabSz="914400" eaLnBrk="1" fontAlgn="auto" latinLnBrk="0" hangingPunct="1">
-              <a:lnSpc>
-                <a:spcPct val="100000"/>
-              </a:lnSpc>
-              <a:spcBef>
-                <a:spcPts val="0"/>
-              </a:spcBef>
-              <a:spcAft>
-                <a:spcPts val="0"/>
-              </a:spcAft>
-              <a:buClrTx/>
-              <a:buSzTx/>
-              <a:buFontTx/>
-              <a:buNone/>
-              <a:tabLst/>
-              <a:defRPr/>
-            </a:pPr>
-            <a:endParaRPr lang="en-US" dirty="0" smtClean="0"/>
-          </a:p>
-        </p:txBody>
-      </p:sp>
-      <p:sp>
-        <p:nvSpPr>
-          <p:cNvPr id="5" name="Text Placeholder 4"/>
-          <p:cNvSpPr>
-            <a:spLocks noGrp="1"/>
-          </p:cNvSpPr>
-          <p:nvPr>
-            <p:ph type="body" sz="quarter" idx="3"/>
-          </p:nvPr>
-        </p:nvSpPr>
-        <p:spPr>
-          <a:xfrm>
-            <a:off x="6633864" y="1874517"/>
-            <a:ext cx="4800600" cy="632529"/>
-          </a:xfrm>
-        </p:spPr>
-        <p:txBody>
-          <a:bodyPr/>
-          <a:lstStyle/>
-          <a:p>
-            <a:r>
-              <a:rPr lang="en-US" dirty="0" smtClean="0"/>
-              <a:t>Strings to numbers</a:t>
-            </a:r>
-            <a:endParaRPr lang="en-US" dirty="0"/>
-          </a:p>
-        </p:txBody>
-      </p:sp>
-      <p:sp>
-        <p:nvSpPr>
-          <p:cNvPr id="6" name="Content Placeholder 5"/>
-          <p:cNvSpPr>
-            <a:spLocks noGrp="1"/>
-          </p:cNvSpPr>
-          <p:nvPr>
-            <p:ph sz="quarter" idx="4"/>
-          </p:nvPr>
-        </p:nvSpPr>
-        <p:spPr>
-          <a:xfrm>
-            <a:off x="6633864" y="2654871"/>
-            <a:ext cx="4800600" cy="3498794"/>
-          </a:xfrm>
-          <a:solidFill>
-            <a:schemeClr val="accent1"/>
-          </a:solidFill>
-        </p:spPr>
-        <p:txBody>
-          <a:bodyPr>
-            <a:normAutofit/>
-          </a:bodyPr>
-          <a:lstStyle/>
-          <a:p>
-            <a:pPr marL="0" marR="0" lvl="0" indent="0" defTabSz="914400" eaLnBrk="1" fontAlgn="auto" latinLnBrk="0" hangingPunct="1">
-              <a:lnSpc>
-                <a:spcPct val="100000"/>
-              </a:lnSpc>
-              <a:spcBef>
-                <a:spcPts val="0"/>
-              </a:spcBef>
-              <a:spcAft>
-                <a:spcPts val="0"/>
-              </a:spcAft>
-              <a:buClrTx/>
-              <a:buSzTx/>
-              <a:buFontTx/>
-              <a:buNone/>
-              <a:tabLst/>
-              <a:defRPr/>
-            </a:pPr>
-            <a:r>
-              <a:rPr lang="en-US" sz="3200" dirty="0" smtClean="0"/>
-              <a:t>String s = “5”;</a:t>
-            </a:r>
-          </a:p>
-          <a:p>
-            <a:pPr marL="0" marR="0" lvl="0" indent="0" defTabSz="914400" eaLnBrk="1" fontAlgn="auto" latinLnBrk="0" hangingPunct="1">
-              <a:lnSpc>
-                <a:spcPct val="100000"/>
-              </a:lnSpc>
-              <a:spcBef>
-                <a:spcPts val="0"/>
-              </a:spcBef>
-              <a:spcAft>
-                <a:spcPts val="0"/>
-              </a:spcAft>
-              <a:buClrTx/>
-              <a:buSzTx/>
-              <a:buFontTx/>
-              <a:buNone/>
-              <a:tabLst/>
-              <a:defRPr/>
-            </a:pPr>
-            <a:r>
-              <a:rPr lang="en-US" sz="3200" dirty="0" err="1" smtClean="0"/>
-              <a:t>int</a:t>
-            </a:r>
-            <a:r>
-              <a:rPr lang="en-US" sz="3200" dirty="0" smtClean="0"/>
-              <a:t> n = </a:t>
-            </a:r>
-            <a:r>
-              <a:rPr lang="en-US" sz="3200" dirty="0" err="1" smtClean="0"/>
-              <a:t>Integer.parseInt</a:t>
-            </a:r>
-            <a:r>
-              <a:rPr lang="en-US" sz="3200" dirty="0" smtClean="0"/>
-              <a:t>(s);</a:t>
-            </a:r>
-          </a:p>
-          <a:p>
-            <a:pPr marL="0" marR="0" lvl="0" indent="0" defTabSz="914400" eaLnBrk="1" fontAlgn="auto" latinLnBrk="0" hangingPunct="1">
-              <a:lnSpc>
-                <a:spcPct val="100000"/>
-              </a:lnSpc>
-              <a:spcBef>
-                <a:spcPts val="0"/>
-              </a:spcBef>
-              <a:spcAft>
-                <a:spcPts val="0"/>
-              </a:spcAft>
-              <a:buClrTx/>
-              <a:buSzTx/>
-              <a:buFontTx/>
-              <a:buNone/>
-              <a:tabLst/>
-              <a:defRPr/>
-            </a:pPr>
-            <a:endParaRPr lang="en-US" sz="3200" dirty="0"/>
-          </a:p>
-          <a:p>
-            <a:pPr marL="0" marR="0" lvl="0" indent="0" defTabSz="914400" eaLnBrk="1" fontAlgn="auto" latinLnBrk="0" hangingPunct="1">
-              <a:lnSpc>
-                <a:spcPct val="100000"/>
-              </a:lnSpc>
-              <a:spcBef>
-                <a:spcPts val="0"/>
-              </a:spcBef>
-              <a:spcAft>
-                <a:spcPts val="0"/>
-              </a:spcAft>
-              <a:buClrTx/>
-              <a:buSzTx/>
-              <a:buFontTx/>
-              <a:buNone/>
-              <a:tabLst/>
-              <a:defRPr/>
-            </a:pPr>
-            <a:r>
-              <a:rPr lang="en-US" sz="3200" dirty="0" smtClean="0"/>
-              <a:t>It’ll give you an error if the string is not a number</a:t>
-            </a:r>
-            <a:endParaRPr lang="en-US" sz="3200" dirty="0"/>
-          </a:p>
-        </p:txBody>
-      </p:sp>
-      <p:sp>
-        <p:nvSpPr>
-          <p:cNvPr id="7" name="5-Point Star 6"/>
-          <p:cNvSpPr/>
-          <p:nvPr/>
-        </p:nvSpPr>
-        <p:spPr>
-          <a:xfrm>
-            <a:off x="10496023" y="123942"/>
-            <a:ext cx="933977" cy="838097"/>
-          </a:xfrm>
-          <a:prstGeom prst="star5">
-            <a:avLst/>
-          </a:prstGeom>
-          <a:solidFill>
-            <a:schemeClr val="accent1"/>
-          </a:solidFill>
-          <a:ln>
-            <a:solidFill>
-              <a:schemeClr val="tx2"/>
-            </a:solidFill>
-          </a:ln>
-        </p:spPr>
-        <p:style>
-          <a:lnRef idx="2">
-            <a:schemeClr val="accent1">
-              <a:shade val="50000"/>
-            </a:schemeClr>
-          </a:lnRef>
-          <a:fillRef idx="1">
-            <a:schemeClr val="accent1"/>
-          </a:fillRef>
-          <a:effectRef idx="0">
-            <a:schemeClr val="accent1"/>
-          </a:effectRef>
-          <a:fontRef idx="minor">
-            <a:schemeClr val="lt1"/>
-          </a:fontRef>
-        </p:style>
-        <p:txBody>
-          <a:bodyPr rtlCol="0" anchor="ctr"/>
-          <a:lstStyle/>
-          <a:p>
-            <a:pPr algn="ctr"/>
-            <a:endParaRPr lang="en-US"/>
-          </a:p>
-        </p:txBody>
-      </p:sp>
-    </p:spTree>
-    <p:extLst>
-      <p:ext uri="{BB962C8B-B14F-4D97-AF65-F5344CB8AC3E}">
-        <p14:creationId xmlns:p14="http://schemas.microsoft.com/office/powerpoint/2010/main" val="1710543454"/>
-      </p:ext>
-    </p:extLst>
-  </p:cSld>
-  <p:clrMapOvr>
-    <a:masterClrMapping/>
-  </p:clrMapOvr>
-</p:sld>
-</file>
-
-<file path=ppt/slides/slide9.xml><?xml version="1.0" encoding="utf-8"?>
-<p:sld xmlns:a="http://schemas.openxmlformats.org/drawingml/2006/main" xmlns:r="http://schemas.openxmlformats.org/officeDocument/2006/relationships" xmlns:p="http://schemas.openxmlformats.org/presentationml/2006/main">
-  <p:cSld>
-    <p:spTree>
-      <p:nvGrpSpPr>
-        <p:cNvPr id="1" name=""/>
-        <p:cNvGrpSpPr/>
-        <p:nvPr/>
-      </p:nvGrpSpPr>
-      <p:grpSpPr>
-        <a:xfrm>
-          <a:off x="0" y="0"/>
-          <a:ext cx="0" cy="0"/>
-          <a:chOff x="0" y="0"/>
-          <a:chExt cx="0" cy="0"/>
-        </a:xfrm>
-      </p:grpSpPr>
-      <p:sp>
-        <p:nvSpPr>
-          <p:cNvPr id="2" name="Title 1"/>
-          <p:cNvSpPr>
-            <a:spLocks noGrp="1"/>
-          </p:cNvSpPr>
-          <p:nvPr>
-            <p:ph type="title"/>
-          </p:nvPr>
-        </p:nvSpPr>
-        <p:spPr>
-          <a:xfrm>
-            <a:off x="956164" y="155129"/>
-            <a:ext cx="11136529" cy="1493517"/>
-          </a:xfrm>
-        </p:spPr>
-        <p:txBody>
-          <a:bodyPr/>
-          <a:lstStyle/>
-          <a:p>
-            <a:r>
-              <a:rPr lang="en-US" dirty="0" smtClean="0"/>
-              <a:t>Commonly </a:t>
-            </a:r>
-            <a:r>
-              <a:rPr lang="en-US" smtClean="0"/>
-              <a:t>used character methods</a:t>
-            </a:r>
-            <a:endParaRPr lang="en-US" dirty="0"/>
-          </a:p>
-        </p:txBody>
-      </p:sp>
-      <p:sp>
-        <p:nvSpPr>
-          <p:cNvPr id="7" name="Content Placeholder 2"/>
-          <p:cNvSpPr>
-            <a:spLocks noGrp="1"/>
-          </p:cNvSpPr>
-          <p:nvPr>
-            <p:ph idx="1"/>
-          </p:nvPr>
-        </p:nvSpPr>
-        <p:spPr>
-          <a:xfrm>
-            <a:off x="548391" y="1297459"/>
-            <a:ext cx="7088085" cy="3188042"/>
-          </a:xfrm>
-          <a:solidFill>
-            <a:schemeClr val="bg2"/>
-          </a:solidFill>
-          <a:ln w="76200">
-            <a:solidFill>
-              <a:schemeClr val="tx2"/>
-            </a:solidFill>
-          </a:ln>
-        </p:spPr>
-        <p:txBody>
-          <a:bodyPr>
-            <a:noAutofit/>
-          </a:bodyPr>
-          <a:lstStyle/>
-          <a:p>
-            <a:pPr>
-              <a:spcBef>
-                <a:spcPts val="0"/>
-              </a:spcBef>
-              <a:buClrTx/>
-              <a:defRPr/>
-            </a:pPr>
-            <a:r>
-              <a:rPr lang="en-US" sz="4000" b="0" cap="none" dirty="0" err="1" smtClean="0">
-                <a:solidFill>
-                  <a:schemeClr val="accent3"/>
-                </a:solidFill>
-              </a:rPr>
-              <a:t>Character.isDigit</a:t>
-            </a:r>
-            <a:r>
-              <a:rPr lang="en-US" sz="4000" b="0" cap="none" dirty="0" smtClean="0">
-                <a:solidFill>
-                  <a:schemeClr val="accent3"/>
-                </a:solidFill>
-              </a:rPr>
-              <a:t>()</a:t>
-            </a:r>
-          </a:p>
-          <a:p>
-            <a:pPr>
-              <a:spcBef>
-                <a:spcPts val="0"/>
-              </a:spcBef>
-              <a:buClrTx/>
-              <a:defRPr/>
-            </a:pPr>
-            <a:r>
-              <a:rPr lang="en-US" sz="4000" b="0" cap="none" dirty="0" err="1" smtClean="0">
-                <a:solidFill>
-                  <a:schemeClr val="accent3"/>
-                </a:solidFill>
-              </a:rPr>
-              <a:t>Character.isLetter</a:t>
-            </a:r>
-            <a:r>
-              <a:rPr lang="en-US" sz="4000" b="0" cap="none" dirty="0" smtClean="0">
-                <a:solidFill>
-                  <a:schemeClr val="accent3"/>
-                </a:solidFill>
-              </a:rPr>
-              <a:t>()</a:t>
-            </a:r>
-          </a:p>
-          <a:p>
-            <a:pPr>
-              <a:spcBef>
-                <a:spcPts val="0"/>
-              </a:spcBef>
-              <a:buClrTx/>
-              <a:defRPr/>
-            </a:pPr>
-            <a:r>
-              <a:rPr lang="en-US" sz="4000" b="0" cap="none" dirty="0" err="1" smtClean="0">
-                <a:solidFill>
-                  <a:schemeClr val="accent3"/>
-                </a:solidFill>
-              </a:rPr>
-              <a:t>Character.isLetterOrDigit</a:t>
-            </a:r>
-            <a:r>
-              <a:rPr lang="en-US" sz="4000" b="0" cap="none" dirty="0" smtClean="0">
-                <a:solidFill>
-                  <a:schemeClr val="accent3"/>
-                </a:solidFill>
-              </a:rPr>
-              <a:t>()</a:t>
-            </a:r>
-          </a:p>
-          <a:p>
-            <a:pPr>
-              <a:spcBef>
-                <a:spcPts val="0"/>
-              </a:spcBef>
-              <a:buClrTx/>
-              <a:defRPr/>
-            </a:pPr>
-            <a:r>
-              <a:rPr lang="en-US" sz="4000" b="0" cap="none" dirty="0" err="1" smtClean="0">
-                <a:solidFill>
-                  <a:schemeClr val="accent3"/>
-                </a:solidFill>
-              </a:rPr>
-              <a:t>Character.isUpperCase</a:t>
-            </a:r>
-            <a:r>
-              <a:rPr lang="en-US" sz="4000" b="0" cap="none" dirty="0" smtClean="0">
-                <a:solidFill>
-                  <a:schemeClr val="accent3"/>
-                </a:solidFill>
-              </a:rPr>
-              <a:t>()</a:t>
-            </a:r>
-          </a:p>
-          <a:p>
-            <a:pPr>
-              <a:spcBef>
-                <a:spcPts val="0"/>
-              </a:spcBef>
-              <a:buClrTx/>
-              <a:defRPr/>
-            </a:pPr>
-            <a:r>
-              <a:rPr lang="en-US" sz="4000" b="0" cap="none" dirty="0" err="1" smtClean="0">
-                <a:solidFill>
-                  <a:schemeClr val="accent3"/>
-                </a:solidFill>
-              </a:rPr>
-              <a:t>Character.isLowerCase</a:t>
-            </a:r>
-            <a:r>
-              <a:rPr lang="en-US" sz="4000" b="0" cap="none" dirty="0" smtClean="0">
-                <a:solidFill>
-                  <a:schemeClr val="accent3"/>
-                </a:solidFill>
-              </a:rPr>
-              <a:t>()</a:t>
-            </a:r>
-          </a:p>
-        </p:txBody>
-      </p:sp>
-      <p:sp>
-        <p:nvSpPr>
-          <p:cNvPr id="4" name="Content Placeholder 2"/>
-          <p:cNvSpPr>
-            <a:spLocks noGrp="1"/>
-          </p:cNvSpPr>
-          <p:nvPr>
-            <p:ph idx="1"/>
-          </p:nvPr>
-        </p:nvSpPr>
-        <p:spPr>
-          <a:xfrm>
-            <a:off x="3983569" y="4852108"/>
-            <a:ext cx="7088085" cy="1551445"/>
-          </a:xfrm>
-          <a:solidFill>
-            <a:schemeClr val="bg2"/>
-          </a:solidFill>
-          <a:ln w="76200">
-            <a:solidFill>
-              <a:schemeClr val="tx2"/>
-            </a:solidFill>
-          </a:ln>
-        </p:spPr>
-        <p:txBody>
-          <a:bodyPr>
-            <a:noAutofit/>
-          </a:bodyPr>
-          <a:lstStyle/>
-          <a:p>
-            <a:pPr>
-              <a:spcBef>
-                <a:spcPts val="0"/>
-              </a:spcBef>
-              <a:buClrTx/>
-              <a:defRPr/>
-            </a:pPr>
-            <a:r>
-              <a:rPr lang="en-US" sz="4000" b="0" cap="none" dirty="0" err="1" smtClean="0">
-                <a:solidFill>
-                  <a:schemeClr val="accent3"/>
-                </a:solidFill>
-              </a:rPr>
-              <a:t>Character.toUpperCase</a:t>
-            </a:r>
-            <a:r>
-              <a:rPr lang="en-US" sz="4000" b="0" cap="none" dirty="0" smtClean="0">
-                <a:solidFill>
-                  <a:schemeClr val="accent3"/>
-                </a:solidFill>
-              </a:rPr>
-              <a:t>(‘a’);</a:t>
-            </a:r>
-          </a:p>
-          <a:p>
-            <a:pPr>
-              <a:spcBef>
-                <a:spcPts val="0"/>
-              </a:spcBef>
-              <a:buClrTx/>
-              <a:defRPr/>
-            </a:pPr>
-            <a:r>
-              <a:rPr lang="en-US" sz="4000" b="0" cap="none" dirty="0" err="1" smtClean="0">
-                <a:solidFill>
-                  <a:schemeClr val="accent3"/>
-                </a:solidFill>
-              </a:rPr>
-              <a:t>Character.toLowerCase</a:t>
-            </a:r>
-            <a:r>
-              <a:rPr lang="en-US" sz="4000" b="0" cap="none" dirty="0" smtClean="0">
-                <a:solidFill>
-                  <a:schemeClr val="accent3"/>
-                </a:solidFill>
-              </a:rPr>
-              <a:t>(‘V’)</a:t>
-            </a:r>
-          </a:p>
-        </p:txBody>
-      </p:sp>
-      <p:sp>
-        <p:nvSpPr>
-          <p:cNvPr id="8" name="5-Point Star 7"/>
-          <p:cNvSpPr/>
-          <p:nvPr/>
-        </p:nvSpPr>
-        <p:spPr>
-          <a:xfrm>
-            <a:off x="81402" y="155129"/>
-            <a:ext cx="933977" cy="838097"/>
-          </a:xfrm>
-          <a:prstGeom prst="star5">
-            <a:avLst/>
-          </a:prstGeom>
-          <a:solidFill>
-            <a:schemeClr val="accent1"/>
-          </a:solidFill>
-          <a:ln>
-            <a:solidFill>
-              <a:schemeClr val="tx2"/>
-            </a:solidFill>
-          </a:ln>
-        </p:spPr>
-        <p:style>
-          <a:lnRef idx="2">
-            <a:schemeClr val="accent1">
-              <a:shade val="50000"/>
-            </a:schemeClr>
-          </a:lnRef>
-          <a:fillRef idx="1">
-            <a:schemeClr val="accent1"/>
-          </a:fillRef>
-          <a:effectRef idx="0">
-            <a:schemeClr val="accent1"/>
-          </a:effectRef>
-          <a:fontRef idx="minor">
-            <a:schemeClr val="lt1"/>
-          </a:fontRef>
-        </p:style>
-        <p:txBody>
-          <a:bodyPr rtlCol="0" anchor="ctr"/>
-          <a:lstStyle/>
-          <a:p>
-            <a:pPr algn="ctr"/>
-            <a:endParaRPr lang="en-US"/>
-          </a:p>
-        </p:txBody>
-      </p:sp>
-    </p:spTree>
-    <p:extLst>
-      <p:ext uri="{BB962C8B-B14F-4D97-AF65-F5344CB8AC3E}">
-        <p14:creationId xmlns:p14="http://schemas.microsoft.com/office/powerpoint/2010/main" val="48291224"/>
       </p:ext>
     </p:extLst>
   </p:cSld>
